--- a/slides/05_pet_breeds_multicat.pptx
+++ b/slides/05_pet_breeds_multicat.pptx
@@ -8,6 +8,8 @@
     <p:sldId id="256" r:id="rId2"/>
     <p:sldId id="298" r:id="rId3"/>
     <p:sldId id="257" r:id="rId4"/>
+    <p:sldId id="299" r:id="rId5"/>
+    <p:sldId id="300" r:id="rId6"/>
   </p:sldIdLst>
   <p:sldSz cx="12192000" cy="6858000"/>
   <p:notesSz cx="6858000" cy="9144000"/>
@@ -117,7 +119,7 @@
 <file path=ppt/revisionInfo.xml><?xml version="1.0" encoding="utf-8"?>
 <p1510:revInfo xmlns:a="http://schemas.openxmlformats.org/drawingml/2006/main" xmlns:r="http://schemas.openxmlformats.org/officeDocument/2006/relationships" xmlns:p1510="http://schemas.microsoft.com/office/powerpoint/2015/10/main">
   <p1510:revLst>
-    <p1510:client id="{6A2CDABC-8349-4723-8A66-226940D71443}" v="1" dt="2020-05-02T21:06:14.498"/>
+    <p1510:client id="{6A2CDABC-8349-4723-8A66-226940D71443}" v="98" dt="2020-05-03T13:57:12.722"/>
   </p1510:revLst>
 </p1510:revInfo>
 </file>
@@ -1585,8 +1587,8 @@
   </pc:docChgLst>
   <pc:docChgLst>
     <pc:chgData name="Laurent Prud'hon" userId="196f0b5afced95ca" providerId="LiveId" clId="{6A2CDABC-8349-4723-8A66-226940D71443}"/>
-    <pc:docChg chg="undo custSel delSld modSld">
-      <pc:chgData name="Laurent Prud'hon" userId="196f0b5afced95ca" providerId="LiveId" clId="{6A2CDABC-8349-4723-8A66-226940D71443}" dt="2020-05-02T21:06:15.501" v="41" actId="962"/>
+    <pc:docChg chg="undo custSel addSld delSld modSld">
+      <pc:chgData name="Laurent Prud'hon" userId="196f0b5afced95ca" providerId="LiveId" clId="{6A2CDABC-8349-4723-8A66-226940D71443}" dt="2020-05-03T13:57:14.464" v="1006" actId="20577"/>
       <pc:docMkLst>
         <pc:docMk/>
       </pc:docMkLst>
@@ -1613,12 +1615,28 @@
           </ac:picMkLst>
         </pc:picChg>
       </pc:sldChg>
-      <pc:sldChg chg="delSp modSp mod">
-        <pc:chgData name="Laurent Prud'hon" userId="196f0b5afced95ca" providerId="LiveId" clId="{6A2CDABC-8349-4723-8A66-226940D71443}" dt="2020-05-02T21:06:00.077" v="37" actId="20577"/>
+      <pc:sldChg chg="addSp delSp modSp mod">
+        <pc:chgData name="Laurent Prud'hon" userId="196f0b5afced95ca" providerId="LiveId" clId="{6A2CDABC-8349-4723-8A66-226940D71443}" dt="2020-05-03T09:25:34.254" v="786" actId="1076"/>
         <pc:sldMkLst>
           <pc:docMk/>
           <pc:sldMk cId="108915608" sldId="257"/>
         </pc:sldMkLst>
+        <pc:spChg chg="add mod">
+          <ac:chgData name="Laurent Prud'hon" userId="196f0b5afced95ca" providerId="LiveId" clId="{6A2CDABC-8349-4723-8A66-226940D71443}" dt="2020-05-03T06:53:51.092" v="209" actId="14100"/>
+          <ac:spMkLst>
+            <pc:docMk/>
+            <pc:sldMk cId="108915608" sldId="257"/>
+            <ac:spMk id="2" creationId="{09DE4E0F-27AB-4622-9375-ADEADD0B0F45}"/>
+          </ac:spMkLst>
+        </pc:spChg>
+        <pc:spChg chg="add mod">
+          <ac:chgData name="Laurent Prud'hon" userId="196f0b5afced95ca" providerId="LiveId" clId="{6A2CDABC-8349-4723-8A66-226940D71443}" dt="2020-05-03T06:49:08.849" v="154" actId="1076"/>
+          <ac:spMkLst>
+            <pc:docMk/>
+            <pc:sldMk cId="108915608" sldId="257"/>
+            <ac:spMk id="3" creationId="{5BFA9EE3-763C-4DAC-A5F7-D7B6BDF020C6}"/>
+          </ac:spMkLst>
+        </pc:spChg>
         <pc:spChg chg="mod">
           <ac:chgData name="Laurent Prud'hon" userId="196f0b5afced95ca" providerId="LiveId" clId="{6A2CDABC-8349-4723-8A66-226940D71443}" dt="2020-05-02T21:06:00.077" v="37" actId="20577"/>
           <ac:spMkLst>
@@ -1627,12 +1645,276 @@
             <ac:spMk id="4" creationId="{D0EEE492-217D-4BE7-9C09-96F4E94F9A91}"/>
           </ac:spMkLst>
         </pc:spChg>
+        <pc:spChg chg="add mod">
+          <ac:chgData name="Laurent Prud'hon" userId="196f0b5afced95ca" providerId="LiveId" clId="{6A2CDABC-8349-4723-8A66-226940D71443}" dt="2020-05-03T06:53:53.568" v="210" actId="14100"/>
+          <ac:spMkLst>
+            <pc:docMk/>
+            <pc:sldMk cId="108915608" sldId="257"/>
+            <ac:spMk id="5" creationId="{28275087-33E5-4EC8-AC10-A0427BFA2C0E}"/>
+          </ac:spMkLst>
+        </pc:spChg>
+        <pc:spChg chg="add mod">
+          <ac:chgData name="Laurent Prud'hon" userId="196f0b5afced95ca" providerId="LiveId" clId="{6A2CDABC-8349-4723-8A66-226940D71443}" dt="2020-05-03T08:18:10.530" v="476" actId="5793"/>
+          <ac:spMkLst>
+            <pc:docMk/>
+            <pc:sldMk cId="108915608" sldId="257"/>
+            <ac:spMk id="6" creationId="{A33231C7-5605-4DFA-9178-A586052F2549}"/>
+          </ac:spMkLst>
+        </pc:spChg>
+        <pc:spChg chg="add mod">
+          <ac:chgData name="Laurent Prud'hon" userId="196f0b5afced95ca" providerId="LiveId" clId="{6A2CDABC-8349-4723-8A66-226940D71443}" dt="2020-05-03T06:49:45.350" v="166" actId="14100"/>
+          <ac:spMkLst>
+            <pc:docMk/>
+            <pc:sldMk cId="108915608" sldId="257"/>
+            <ac:spMk id="7" creationId="{68ABE567-CD9E-430B-B45D-F19F25B6CFB6}"/>
+          </ac:spMkLst>
+        </pc:spChg>
+        <pc:spChg chg="add mod">
+          <ac:chgData name="Laurent Prud'hon" userId="196f0b5afced95ca" providerId="LiveId" clId="{6A2CDABC-8349-4723-8A66-226940D71443}" dt="2020-05-03T06:50:55.878" v="172" actId="13822"/>
+          <ac:spMkLst>
+            <pc:docMk/>
+            <pc:sldMk cId="108915608" sldId="257"/>
+            <ac:spMk id="8" creationId="{57086353-4DDC-40E8-B919-7631FE154E3F}"/>
+          </ac:spMkLst>
+        </pc:spChg>
+        <pc:spChg chg="add mod">
+          <ac:chgData name="Laurent Prud'hon" userId="196f0b5afced95ca" providerId="LiveId" clId="{6A2CDABC-8349-4723-8A66-226940D71443}" dt="2020-05-03T06:59:03.606" v="288" actId="1076"/>
+          <ac:spMkLst>
+            <pc:docMk/>
+            <pc:sldMk cId="108915608" sldId="257"/>
+            <ac:spMk id="9" creationId="{38A52406-8AA2-4D3A-BBDC-A9BEA210A669}"/>
+          </ac:spMkLst>
+        </pc:spChg>
+        <pc:spChg chg="add mod">
+          <ac:chgData name="Laurent Prud'hon" userId="196f0b5afced95ca" providerId="LiveId" clId="{6A2CDABC-8349-4723-8A66-226940D71443}" dt="2020-05-03T06:59:03.606" v="288" actId="1076"/>
+          <ac:spMkLst>
+            <pc:docMk/>
+            <pc:sldMk cId="108915608" sldId="257"/>
+            <ac:spMk id="10" creationId="{33AC128E-0E6C-43B9-A8EA-73B9BC3033BA}"/>
+          </ac:spMkLst>
+        </pc:spChg>
+        <pc:spChg chg="add mod">
+          <ac:chgData name="Laurent Prud'hon" userId="196f0b5afced95ca" providerId="LiveId" clId="{6A2CDABC-8349-4723-8A66-226940D71443}" dt="2020-05-03T06:59:03.606" v="288" actId="1076"/>
+          <ac:spMkLst>
+            <pc:docMk/>
+            <pc:sldMk cId="108915608" sldId="257"/>
+            <ac:spMk id="11" creationId="{ED9A6C2E-70B5-478E-8B7D-96578E83F05C}"/>
+          </ac:spMkLst>
+        </pc:spChg>
+        <pc:spChg chg="add mod">
+          <ac:chgData name="Laurent Prud'hon" userId="196f0b5afced95ca" providerId="LiveId" clId="{6A2CDABC-8349-4723-8A66-226940D71443}" dt="2020-05-03T06:59:03.606" v="288" actId="1076"/>
+          <ac:spMkLst>
+            <pc:docMk/>
+            <pc:sldMk cId="108915608" sldId="257"/>
+            <ac:spMk id="12" creationId="{91B961BB-D9F2-4570-9962-D1622DCEA6EC}"/>
+          </ac:spMkLst>
+        </pc:spChg>
+        <pc:spChg chg="add del mod">
+          <ac:chgData name="Laurent Prud'hon" userId="196f0b5afced95ca" providerId="LiveId" clId="{6A2CDABC-8349-4723-8A66-226940D71443}" dt="2020-05-03T06:54:22.926" v="213" actId="478"/>
+          <ac:spMkLst>
+            <pc:docMk/>
+            <pc:sldMk cId="108915608" sldId="257"/>
+            <ac:spMk id="13" creationId="{DD14CE7A-08CB-410D-866B-086990419566}"/>
+          </ac:spMkLst>
+        </pc:spChg>
+        <pc:spChg chg="add mod">
+          <ac:chgData name="Laurent Prud'hon" userId="196f0b5afced95ca" providerId="LiveId" clId="{6A2CDABC-8349-4723-8A66-226940D71443}" dt="2020-05-03T06:59:03.606" v="288" actId="1076"/>
+          <ac:spMkLst>
+            <pc:docMk/>
+            <pc:sldMk cId="108915608" sldId="257"/>
+            <ac:spMk id="14" creationId="{8A4365CC-2069-4503-8546-54B1F40A270D}"/>
+          </ac:spMkLst>
+        </pc:spChg>
         <pc:spChg chg="mod">
           <ac:chgData name="Laurent Prud'hon" userId="196f0b5afced95ca" providerId="LiveId" clId="{6A2CDABC-8349-4723-8A66-226940D71443}" dt="2020-05-02T21:05:46.158" v="14" actId="20577"/>
           <ac:spMkLst>
             <pc:docMk/>
             <pc:sldMk cId="108915608" sldId="257"/>
             <ac:spMk id="15" creationId="{0E5A6317-201D-4948-AFE4-12C13ABF0553}"/>
+          </ac:spMkLst>
+        </pc:spChg>
+        <pc:spChg chg="add mod">
+          <ac:chgData name="Laurent Prud'hon" userId="196f0b5afced95ca" providerId="LiveId" clId="{6A2CDABC-8349-4723-8A66-226940D71443}" dt="2020-05-03T06:59:03.606" v="288" actId="1076"/>
+          <ac:spMkLst>
+            <pc:docMk/>
+            <pc:sldMk cId="108915608" sldId="257"/>
+            <ac:spMk id="16" creationId="{BF5F2F09-7C4A-4510-A411-13A5AF199BA9}"/>
+          </ac:spMkLst>
+        </pc:spChg>
+        <pc:spChg chg="add mod">
+          <ac:chgData name="Laurent Prud'hon" userId="196f0b5afced95ca" providerId="LiveId" clId="{6A2CDABC-8349-4723-8A66-226940D71443}" dt="2020-05-03T06:57:43.463" v="274" actId="13822"/>
+          <ac:spMkLst>
+            <pc:docMk/>
+            <pc:sldMk cId="108915608" sldId="257"/>
+            <ac:spMk id="17" creationId="{B05C8B8A-4F9F-4105-8656-29A24C87FCBF}"/>
+          </ac:spMkLst>
+        </pc:spChg>
+        <pc:spChg chg="add mod">
+          <ac:chgData name="Laurent Prud'hon" userId="196f0b5afced95ca" providerId="LiveId" clId="{6A2CDABC-8349-4723-8A66-226940D71443}" dt="2020-05-03T06:57:43.463" v="274" actId="13822"/>
+          <ac:spMkLst>
+            <pc:docMk/>
+            <pc:sldMk cId="108915608" sldId="257"/>
+            <ac:spMk id="18" creationId="{98984CEF-A888-4CC7-90FB-7F6F26D91EF7}"/>
+          </ac:spMkLst>
+        </pc:spChg>
+        <pc:spChg chg="add mod">
+          <ac:chgData name="Laurent Prud'hon" userId="196f0b5afced95ca" providerId="LiveId" clId="{6A2CDABC-8349-4723-8A66-226940D71443}" dt="2020-05-03T07:05:09.467" v="398" actId="6549"/>
+          <ac:spMkLst>
+            <pc:docMk/>
+            <pc:sldMk cId="108915608" sldId="257"/>
+            <ac:spMk id="19" creationId="{673C332E-DB89-4DC4-8B63-4D5CF495F565}"/>
+          </ac:spMkLst>
+        </pc:spChg>
+        <pc:spChg chg="add mod">
+          <ac:chgData name="Laurent Prud'hon" userId="196f0b5afced95ca" providerId="LiveId" clId="{6A2CDABC-8349-4723-8A66-226940D71443}" dt="2020-05-03T07:01:56.549" v="338" actId="20577"/>
+          <ac:spMkLst>
+            <pc:docMk/>
+            <pc:sldMk cId="108915608" sldId="257"/>
+            <ac:spMk id="20" creationId="{2ED61985-0DFB-4C1A-AE56-D804F8947C1C}"/>
+          </ac:spMkLst>
+        </pc:spChg>
+        <pc:spChg chg="add mod">
+          <ac:chgData name="Laurent Prud'hon" userId="196f0b5afced95ca" providerId="LiveId" clId="{6A2CDABC-8349-4723-8A66-226940D71443}" dt="2020-05-03T07:05:29.126" v="399" actId="13926"/>
+          <ac:spMkLst>
+            <pc:docMk/>
+            <pc:sldMk cId="108915608" sldId="257"/>
+            <ac:spMk id="21" creationId="{CAB60D93-A75E-4B29-90F8-A1A532319A17}"/>
+          </ac:spMkLst>
+        </pc:spChg>
+        <pc:spChg chg="add mod">
+          <ac:chgData name="Laurent Prud'hon" userId="196f0b5afced95ca" providerId="LiveId" clId="{6A2CDABC-8349-4723-8A66-226940D71443}" dt="2020-05-03T07:00:15.497" v="298" actId="1076"/>
+          <ac:spMkLst>
+            <pc:docMk/>
+            <pc:sldMk cId="108915608" sldId="257"/>
+            <ac:spMk id="22" creationId="{FCAED305-6522-4517-A3E5-17438AD7282C}"/>
+          </ac:spMkLst>
+        </pc:spChg>
+        <pc:spChg chg="add mod">
+          <ac:chgData name="Laurent Prud'hon" userId="196f0b5afced95ca" providerId="LiveId" clId="{6A2CDABC-8349-4723-8A66-226940D71443}" dt="2020-05-03T09:25:34.254" v="786" actId="1076"/>
+          <ac:spMkLst>
+            <pc:docMk/>
+            <pc:sldMk cId="108915608" sldId="257"/>
+            <ac:spMk id="23" creationId="{D78A0835-1A66-4878-8370-8AAEC4E96985}"/>
+          </ac:spMkLst>
+        </pc:spChg>
+        <pc:spChg chg="add mod">
+          <ac:chgData name="Laurent Prud'hon" userId="196f0b5afced95ca" providerId="LiveId" clId="{6A2CDABC-8349-4723-8A66-226940D71443}" dt="2020-05-03T09:25:34.254" v="786" actId="1076"/>
+          <ac:spMkLst>
+            <pc:docMk/>
+            <pc:sldMk cId="108915608" sldId="257"/>
+            <ac:spMk id="24" creationId="{A659A022-FA7E-4734-A723-0A01ECCD8BF9}"/>
+          </ac:spMkLst>
+        </pc:spChg>
+        <pc:spChg chg="add del">
+          <ac:chgData name="Laurent Prud'hon" userId="196f0b5afced95ca" providerId="LiveId" clId="{6A2CDABC-8349-4723-8A66-226940D71443}" dt="2020-05-03T07:03:12.698" v="366" actId="478"/>
+          <ac:spMkLst>
+            <pc:docMk/>
+            <pc:sldMk cId="108915608" sldId="257"/>
+            <ac:spMk id="25" creationId="{24B923DF-D2B7-4BB5-A998-9F235989A5A0}"/>
+          </ac:spMkLst>
+        </pc:spChg>
+        <pc:spChg chg="add mod">
+          <ac:chgData name="Laurent Prud'hon" userId="196f0b5afced95ca" providerId="LiveId" clId="{6A2CDABC-8349-4723-8A66-226940D71443}" dt="2020-05-03T09:25:34.254" v="786" actId="1076"/>
+          <ac:spMkLst>
+            <pc:docMk/>
+            <pc:sldMk cId="108915608" sldId="257"/>
+            <ac:spMk id="26" creationId="{136E752E-D81B-4E21-86C1-36CE01852EEB}"/>
+          </ac:spMkLst>
+        </pc:spChg>
+        <pc:spChg chg="add mod">
+          <ac:chgData name="Laurent Prud'hon" userId="196f0b5afced95ca" providerId="LiveId" clId="{6A2CDABC-8349-4723-8A66-226940D71443}" dt="2020-05-03T07:04:57.012" v="389" actId="1076"/>
+          <ac:spMkLst>
+            <pc:docMk/>
+            <pc:sldMk cId="108915608" sldId="257"/>
+            <ac:spMk id="27" creationId="{B42FB335-9D7B-4114-9D00-B057A4DDBBF3}"/>
+          </ac:spMkLst>
+        </pc:spChg>
+        <pc:spChg chg="add del">
+          <ac:chgData name="Laurent Prud'hon" userId="196f0b5afced95ca" providerId="LiveId" clId="{6A2CDABC-8349-4723-8A66-226940D71443}" dt="2020-05-03T07:04:38.156" v="386" actId="478"/>
+          <ac:spMkLst>
+            <pc:docMk/>
+            <pc:sldMk cId="108915608" sldId="257"/>
+            <ac:spMk id="28" creationId="{2B822F51-860D-48BC-A6B1-C79973C70CAC}"/>
+          </ac:spMkLst>
+        </pc:spChg>
+        <pc:spChg chg="add mod">
+          <ac:chgData name="Laurent Prud'hon" userId="196f0b5afced95ca" providerId="LiveId" clId="{6A2CDABC-8349-4723-8A66-226940D71443}" dt="2020-05-03T07:05:06.561" v="397" actId="20577"/>
+          <ac:spMkLst>
+            <pc:docMk/>
+            <pc:sldMk cId="108915608" sldId="257"/>
+            <ac:spMk id="29" creationId="{94BEFF6D-9866-474B-8BCE-25FB6FE0F18D}"/>
+          </ac:spMkLst>
+        </pc:spChg>
+        <pc:spChg chg="add mod">
+          <ac:chgData name="Laurent Prud'hon" userId="196f0b5afced95ca" providerId="LiveId" clId="{6A2CDABC-8349-4723-8A66-226940D71443}" dt="2020-05-03T07:08:36.062" v="454" actId="1076"/>
+          <ac:spMkLst>
+            <pc:docMk/>
+            <pc:sldMk cId="108915608" sldId="257"/>
+            <ac:spMk id="30" creationId="{6F481CE2-E508-4F8E-8840-BD05BDB7CEFE}"/>
+          </ac:spMkLst>
+        </pc:spChg>
+        <pc:spChg chg="add del">
+          <ac:chgData name="Laurent Prud'hon" userId="196f0b5afced95ca" providerId="LiveId" clId="{6A2CDABC-8349-4723-8A66-226940D71443}" dt="2020-05-03T07:06:56.489" v="428" actId="478"/>
+          <ac:spMkLst>
+            <pc:docMk/>
+            <pc:sldMk cId="108915608" sldId="257"/>
+            <ac:spMk id="31" creationId="{E1ED1E63-D5D8-4E22-B111-0FC158F107FB}"/>
+          </ac:spMkLst>
+        </pc:spChg>
+        <pc:spChg chg="add del mod">
+          <ac:chgData name="Laurent Prud'hon" userId="196f0b5afced95ca" providerId="LiveId" clId="{6A2CDABC-8349-4723-8A66-226940D71443}" dt="2020-05-03T07:08:14.495" v="451" actId="478"/>
+          <ac:spMkLst>
+            <pc:docMk/>
+            <pc:sldMk cId="108915608" sldId="257"/>
+            <ac:spMk id="32" creationId="{CCEA74A5-229D-44AD-80ED-AF4C2A16E4D4}"/>
+          </ac:spMkLst>
+        </pc:spChg>
+        <pc:spChg chg="add mod">
+          <ac:chgData name="Laurent Prud'hon" userId="196f0b5afced95ca" providerId="LiveId" clId="{6A2CDABC-8349-4723-8A66-226940D71443}" dt="2020-05-03T07:09:18.701" v="471" actId="14100"/>
+          <ac:spMkLst>
+            <pc:docMk/>
+            <pc:sldMk cId="108915608" sldId="257"/>
+            <ac:spMk id="33" creationId="{10148B36-C604-46DA-B940-4BA1AC93559F}"/>
+          </ac:spMkLst>
+        </pc:spChg>
+        <pc:spChg chg="add mod">
+          <ac:chgData name="Laurent Prud'hon" userId="196f0b5afced95ca" providerId="LiveId" clId="{6A2CDABC-8349-4723-8A66-226940D71443}" dt="2020-05-03T07:09:18.701" v="471" actId="14100"/>
+          <ac:spMkLst>
+            <pc:docMk/>
+            <pc:sldMk cId="108915608" sldId="257"/>
+            <ac:spMk id="34" creationId="{B1939095-DAD3-47D8-A4BC-DDB89E820C57}"/>
+          </ac:spMkLst>
+        </pc:spChg>
+        <pc:spChg chg="add mod">
+          <ac:chgData name="Laurent Prud'hon" userId="196f0b5afced95ca" providerId="LiveId" clId="{6A2CDABC-8349-4723-8A66-226940D71443}" dt="2020-05-03T07:08:26.151" v="453" actId="1076"/>
+          <ac:spMkLst>
+            <pc:docMk/>
+            <pc:sldMk cId="108915608" sldId="257"/>
+            <ac:spMk id="35" creationId="{B5E1746E-D4E3-4709-A325-B0857B5B6CBB}"/>
+          </ac:spMkLst>
+        </pc:spChg>
+        <pc:spChg chg="add mod">
+          <ac:chgData name="Laurent Prud'hon" userId="196f0b5afced95ca" providerId="LiveId" clId="{6A2CDABC-8349-4723-8A66-226940D71443}" dt="2020-05-03T07:09:23.722" v="472" actId="1076"/>
+          <ac:spMkLst>
+            <pc:docMk/>
+            <pc:sldMk cId="108915608" sldId="257"/>
+            <ac:spMk id="36" creationId="{26A25798-FE5F-41D8-9298-8C4E24446356}"/>
+          </ac:spMkLst>
+        </pc:spChg>
+        <pc:spChg chg="add mod">
+          <ac:chgData name="Laurent Prud'hon" userId="196f0b5afced95ca" providerId="LiveId" clId="{6A2CDABC-8349-4723-8A66-226940D71443}" dt="2020-05-03T08:19:28.034" v="490" actId="1076"/>
+          <ac:spMkLst>
+            <pc:docMk/>
+            <pc:sldMk cId="108915608" sldId="257"/>
+            <ac:spMk id="37" creationId="{5692D99D-4DC3-4AA1-8BA8-2A31C84D8076}"/>
+          </ac:spMkLst>
+        </pc:spChg>
+        <pc:spChg chg="add mod">
+          <ac:chgData name="Laurent Prud'hon" userId="196f0b5afced95ca" providerId="LiveId" clId="{6A2CDABC-8349-4723-8A66-226940D71443}" dt="2020-05-03T09:25:20.283" v="785" actId="20577"/>
+          <ac:spMkLst>
+            <pc:docMk/>
+            <pc:sldMk cId="108915608" sldId="257"/>
+            <ac:spMk id="38" creationId="{D83D9D70-B71F-486B-8D72-E46A44631BD4}"/>
           </ac:spMkLst>
         </pc:spChg>
         <pc:picChg chg="del">
@@ -1722,6 +2004,1115 @@
           <pc:docMk/>
           <pc:sldMk cId="670157959" sldId="299"/>
         </pc:sldMkLst>
+      </pc:sldChg>
+      <pc:sldChg chg="addSp delSp modSp add del mod">
+        <pc:chgData name="Laurent Prud'hon" userId="196f0b5afced95ca" providerId="LiveId" clId="{6A2CDABC-8349-4723-8A66-226940D71443}" dt="2020-05-03T12:38:52.436" v="825" actId="2696"/>
+        <pc:sldMkLst>
+          <pc:docMk/>
+          <pc:sldMk cId="844747432" sldId="299"/>
+        </pc:sldMkLst>
+        <pc:spChg chg="del">
+          <ac:chgData name="Laurent Prud'hon" userId="196f0b5afced95ca" providerId="LiveId" clId="{6A2CDABC-8349-4723-8A66-226940D71443}" dt="2020-05-03T08:21:01.167" v="492" actId="478"/>
+          <ac:spMkLst>
+            <pc:docMk/>
+            <pc:sldMk cId="844747432" sldId="299"/>
+            <ac:spMk id="2" creationId="{09DE4E0F-27AB-4622-9375-ADEADD0B0F45}"/>
+          </ac:spMkLst>
+        </pc:spChg>
+        <pc:spChg chg="mod">
+          <ac:chgData name="Laurent Prud'hon" userId="196f0b5afced95ca" providerId="LiveId" clId="{6A2CDABC-8349-4723-8A66-226940D71443}" dt="2020-05-03T09:11:25.986" v="652" actId="1076"/>
+          <ac:spMkLst>
+            <pc:docMk/>
+            <pc:sldMk cId="844747432" sldId="299"/>
+            <ac:spMk id="3" creationId="{5BFA9EE3-763C-4DAC-A5F7-D7B6BDF020C6}"/>
+          </ac:spMkLst>
+        </pc:spChg>
+        <pc:spChg chg="del">
+          <ac:chgData name="Laurent Prud'hon" userId="196f0b5afced95ca" providerId="LiveId" clId="{6A2CDABC-8349-4723-8A66-226940D71443}" dt="2020-05-03T08:21:01.167" v="492" actId="478"/>
+          <ac:spMkLst>
+            <pc:docMk/>
+            <pc:sldMk cId="844747432" sldId="299"/>
+            <ac:spMk id="5" creationId="{28275087-33E5-4EC8-AC10-A0427BFA2C0E}"/>
+          </ac:spMkLst>
+        </pc:spChg>
+        <pc:spChg chg="mod">
+          <ac:chgData name="Laurent Prud'hon" userId="196f0b5afced95ca" providerId="LiveId" clId="{6A2CDABC-8349-4723-8A66-226940D71443}" dt="2020-05-03T09:23:33.992" v="772" actId="1076"/>
+          <ac:spMkLst>
+            <pc:docMk/>
+            <pc:sldMk cId="844747432" sldId="299"/>
+            <ac:spMk id="6" creationId="{A33231C7-5605-4DFA-9178-A586052F2549}"/>
+          </ac:spMkLst>
+        </pc:spChg>
+        <pc:spChg chg="del">
+          <ac:chgData name="Laurent Prud'hon" userId="196f0b5afced95ca" providerId="LiveId" clId="{6A2CDABC-8349-4723-8A66-226940D71443}" dt="2020-05-03T08:21:10.478" v="493" actId="478"/>
+          <ac:spMkLst>
+            <pc:docMk/>
+            <pc:sldMk cId="844747432" sldId="299"/>
+            <ac:spMk id="7" creationId="{68ABE567-CD9E-430B-B45D-F19F25B6CFB6}"/>
+          </ac:spMkLst>
+        </pc:spChg>
+        <pc:spChg chg="del">
+          <ac:chgData name="Laurent Prud'hon" userId="196f0b5afced95ca" providerId="LiveId" clId="{6A2CDABC-8349-4723-8A66-226940D71443}" dt="2020-05-03T08:21:10.478" v="493" actId="478"/>
+          <ac:spMkLst>
+            <pc:docMk/>
+            <pc:sldMk cId="844747432" sldId="299"/>
+            <ac:spMk id="8" creationId="{57086353-4DDC-40E8-B919-7631FE154E3F}"/>
+          </ac:spMkLst>
+        </pc:spChg>
+        <pc:spChg chg="del mod">
+          <ac:chgData name="Laurent Prud'hon" userId="196f0b5afced95ca" providerId="LiveId" clId="{6A2CDABC-8349-4723-8A66-226940D71443}" dt="2020-05-03T09:09:02.474" v="633" actId="478"/>
+          <ac:spMkLst>
+            <pc:docMk/>
+            <pc:sldMk cId="844747432" sldId="299"/>
+            <ac:spMk id="9" creationId="{38A52406-8AA2-4D3A-BBDC-A9BEA210A669}"/>
+          </ac:spMkLst>
+        </pc:spChg>
+        <pc:spChg chg="mod">
+          <ac:chgData name="Laurent Prud'hon" userId="196f0b5afced95ca" providerId="LiveId" clId="{6A2CDABC-8349-4723-8A66-226940D71443}" dt="2020-05-03T09:14:10.902" v="710" actId="20577"/>
+          <ac:spMkLst>
+            <pc:docMk/>
+            <pc:sldMk cId="844747432" sldId="299"/>
+            <ac:spMk id="10" creationId="{33AC128E-0E6C-43B9-A8EA-73B9BC3033BA}"/>
+          </ac:spMkLst>
+        </pc:spChg>
+        <pc:spChg chg="del">
+          <ac:chgData name="Laurent Prud'hon" userId="196f0b5afced95ca" providerId="LiveId" clId="{6A2CDABC-8349-4723-8A66-226940D71443}" dt="2020-05-03T08:21:30.159" v="496" actId="21"/>
+          <ac:spMkLst>
+            <pc:docMk/>
+            <pc:sldMk cId="844747432" sldId="299"/>
+            <ac:spMk id="11" creationId="{ED9A6C2E-70B5-478E-8B7D-96578E83F05C}"/>
+          </ac:spMkLst>
+        </pc:spChg>
+        <pc:spChg chg="del">
+          <ac:chgData name="Laurent Prud'hon" userId="196f0b5afced95ca" providerId="LiveId" clId="{6A2CDABC-8349-4723-8A66-226940D71443}" dt="2020-05-03T08:21:30.159" v="496" actId="21"/>
+          <ac:spMkLst>
+            <pc:docMk/>
+            <pc:sldMk cId="844747432" sldId="299"/>
+            <ac:spMk id="12" creationId="{91B961BB-D9F2-4570-9962-D1622DCEA6EC}"/>
+          </ac:spMkLst>
+        </pc:spChg>
+        <pc:spChg chg="add del">
+          <ac:chgData name="Laurent Prud'hon" userId="196f0b5afced95ca" providerId="LiveId" clId="{6A2CDABC-8349-4723-8A66-226940D71443}" dt="2020-05-03T09:06:30.483" v="584"/>
+          <ac:spMkLst>
+            <pc:docMk/>
+            <pc:sldMk cId="844747432" sldId="299"/>
+            <ac:spMk id="13" creationId="{1182A8DB-C1EA-49ED-ACDA-6E05ECF1FE5E}"/>
+          </ac:spMkLst>
+        </pc:spChg>
+        <pc:spChg chg="del">
+          <ac:chgData name="Laurent Prud'hon" userId="196f0b5afced95ca" providerId="LiveId" clId="{6A2CDABC-8349-4723-8A66-226940D71443}" dt="2020-05-03T09:04:01.722" v="526" actId="478"/>
+          <ac:spMkLst>
+            <pc:docMk/>
+            <pc:sldMk cId="844747432" sldId="299"/>
+            <ac:spMk id="14" creationId="{8A4365CC-2069-4503-8546-54B1F40A270D}"/>
+          </ac:spMkLst>
+        </pc:spChg>
+        <pc:spChg chg="mod">
+          <ac:chgData name="Laurent Prud'hon" userId="196f0b5afced95ca" providerId="LiveId" clId="{6A2CDABC-8349-4723-8A66-226940D71443}" dt="2020-05-03T09:07:56.526" v="620" actId="20577"/>
+          <ac:spMkLst>
+            <pc:docMk/>
+            <pc:sldMk cId="844747432" sldId="299"/>
+            <ac:spMk id="15" creationId="{0E5A6317-201D-4948-AFE4-12C13ABF0553}"/>
+          </ac:spMkLst>
+        </pc:spChg>
+        <pc:spChg chg="del">
+          <ac:chgData name="Laurent Prud'hon" userId="196f0b5afced95ca" providerId="LiveId" clId="{6A2CDABC-8349-4723-8A66-226940D71443}" dt="2020-05-03T09:04:01.722" v="526" actId="478"/>
+          <ac:spMkLst>
+            <pc:docMk/>
+            <pc:sldMk cId="844747432" sldId="299"/>
+            <ac:spMk id="16" creationId="{BF5F2F09-7C4A-4510-A411-13A5AF199BA9}"/>
+          </ac:spMkLst>
+        </pc:spChg>
+        <pc:spChg chg="del">
+          <ac:chgData name="Laurent Prud'hon" userId="196f0b5afced95ca" providerId="LiveId" clId="{6A2CDABC-8349-4723-8A66-226940D71443}" dt="2020-05-03T08:21:01.167" v="492" actId="478"/>
+          <ac:spMkLst>
+            <pc:docMk/>
+            <pc:sldMk cId="844747432" sldId="299"/>
+            <ac:spMk id="17" creationId="{B05C8B8A-4F9F-4105-8656-29A24C87FCBF}"/>
+          </ac:spMkLst>
+        </pc:spChg>
+        <pc:spChg chg="del">
+          <ac:chgData name="Laurent Prud'hon" userId="196f0b5afced95ca" providerId="LiveId" clId="{6A2CDABC-8349-4723-8A66-226940D71443}" dt="2020-05-03T08:21:01.167" v="492" actId="478"/>
+          <ac:spMkLst>
+            <pc:docMk/>
+            <pc:sldMk cId="844747432" sldId="299"/>
+            <ac:spMk id="18" creationId="{98984CEF-A888-4CC7-90FB-7F6F26D91EF7}"/>
+          </ac:spMkLst>
+        </pc:spChg>
+        <pc:spChg chg="mod">
+          <ac:chgData name="Laurent Prud'hon" userId="196f0b5afced95ca" providerId="LiveId" clId="{6A2CDABC-8349-4723-8A66-226940D71443}" dt="2020-05-03T09:11:25.986" v="652" actId="1076"/>
+          <ac:spMkLst>
+            <pc:docMk/>
+            <pc:sldMk cId="844747432" sldId="299"/>
+            <ac:spMk id="19" creationId="{673C332E-DB89-4DC4-8B63-4D5CF495F565}"/>
+          </ac:spMkLst>
+        </pc:spChg>
+        <pc:spChg chg="del">
+          <ac:chgData name="Laurent Prud'hon" userId="196f0b5afced95ca" providerId="LiveId" clId="{6A2CDABC-8349-4723-8A66-226940D71443}" dt="2020-05-03T08:21:10.478" v="493" actId="478"/>
+          <ac:spMkLst>
+            <pc:docMk/>
+            <pc:sldMk cId="844747432" sldId="299"/>
+            <ac:spMk id="20" creationId="{2ED61985-0DFB-4C1A-AE56-D804F8947C1C}"/>
+          </ac:spMkLst>
+        </pc:spChg>
+        <pc:spChg chg="del">
+          <ac:chgData name="Laurent Prud'hon" userId="196f0b5afced95ca" providerId="LiveId" clId="{6A2CDABC-8349-4723-8A66-226940D71443}" dt="2020-05-03T08:21:10.478" v="493" actId="478"/>
+          <ac:spMkLst>
+            <pc:docMk/>
+            <pc:sldMk cId="844747432" sldId="299"/>
+            <ac:spMk id="21" creationId="{CAB60D93-A75E-4B29-90F8-A1A532319A17}"/>
+          </ac:spMkLst>
+        </pc:spChg>
+        <pc:spChg chg="del">
+          <ac:chgData name="Laurent Prud'hon" userId="196f0b5afced95ca" providerId="LiveId" clId="{6A2CDABC-8349-4723-8A66-226940D71443}" dt="2020-05-03T08:21:10.478" v="493" actId="478"/>
+          <ac:spMkLst>
+            <pc:docMk/>
+            <pc:sldMk cId="844747432" sldId="299"/>
+            <ac:spMk id="22" creationId="{FCAED305-6522-4517-A3E5-17438AD7282C}"/>
+          </ac:spMkLst>
+        </pc:spChg>
+        <pc:spChg chg="mod">
+          <ac:chgData name="Laurent Prud'hon" userId="196f0b5afced95ca" providerId="LiveId" clId="{6A2CDABC-8349-4723-8A66-226940D71443}" dt="2020-05-03T09:20:36.145" v="750" actId="1076"/>
+          <ac:spMkLst>
+            <pc:docMk/>
+            <pc:sldMk cId="844747432" sldId="299"/>
+            <ac:spMk id="23" creationId="{D78A0835-1A66-4878-8370-8AAEC4E96985}"/>
+          </ac:spMkLst>
+        </pc:spChg>
+        <pc:spChg chg="del">
+          <ac:chgData name="Laurent Prud'hon" userId="196f0b5afced95ca" providerId="LiveId" clId="{6A2CDABC-8349-4723-8A66-226940D71443}" dt="2020-05-03T08:21:10.478" v="493" actId="478"/>
+          <ac:spMkLst>
+            <pc:docMk/>
+            <pc:sldMk cId="844747432" sldId="299"/>
+            <ac:spMk id="24" creationId="{A659A022-FA7E-4734-A723-0A01ECCD8BF9}"/>
+          </ac:spMkLst>
+        </pc:spChg>
+        <pc:spChg chg="add del">
+          <ac:chgData name="Laurent Prud'hon" userId="196f0b5afced95ca" providerId="LiveId" clId="{6A2CDABC-8349-4723-8A66-226940D71443}" dt="2020-05-03T09:06:29.936" v="583"/>
+          <ac:spMkLst>
+            <pc:docMk/>
+            <pc:sldMk cId="844747432" sldId="299"/>
+            <ac:spMk id="25" creationId="{3802408B-2990-467D-A278-C73870C6D212}"/>
+          </ac:spMkLst>
+        </pc:spChg>
+        <pc:spChg chg="del mod">
+          <ac:chgData name="Laurent Prud'hon" userId="196f0b5afced95ca" providerId="LiveId" clId="{6A2CDABC-8349-4723-8A66-226940D71443}" dt="2020-05-03T08:21:43.517" v="501" actId="478"/>
+          <ac:spMkLst>
+            <pc:docMk/>
+            <pc:sldMk cId="844747432" sldId="299"/>
+            <ac:spMk id="26" creationId="{136E752E-D81B-4E21-86C1-36CE01852EEB}"/>
+          </ac:spMkLst>
+        </pc:spChg>
+        <pc:spChg chg="del">
+          <ac:chgData name="Laurent Prud'hon" userId="196f0b5afced95ca" providerId="LiveId" clId="{6A2CDABC-8349-4723-8A66-226940D71443}" dt="2020-05-03T08:21:10.478" v="493" actId="478"/>
+          <ac:spMkLst>
+            <pc:docMk/>
+            <pc:sldMk cId="844747432" sldId="299"/>
+            <ac:spMk id="27" creationId="{B42FB335-9D7B-4114-9D00-B057A4DDBBF3}"/>
+          </ac:spMkLst>
+        </pc:spChg>
+        <pc:spChg chg="add del">
+          <ac:chgData name="Laurent Prud'hon" userId="196f0b5afced95ca" providerId="LiveId" clId="{6A2CDABC-8349-4723-8A66-226940D71443}" dt="2020-05-03T09:10:27.923" v="648"/>
+          <ac:spMkLst>
+            <pc:docMk/>
+            <pc:sldMk cId="844747432" sldId="299"/>
+            <ac:spMk id="28" creationId="{4B3D2C22-868E-409C-A707-D3CCBB389928}"/>
+          </ac:spMkLst>
+        </pc:spChg>
+        <pc:spChg chg="mod">
+          <ac:chgData name="Laurent Prud'hon" userId="196f0b5afced95ca" providerId="LiveId" clId="{6A2CDABC-8349-4723-8A66-226940D71443}" dt="2020-05-03T09:18:56.385" v="737" actId="1076"/>
+          <ac:spMkLst>
+            <pc:docMk/>
+            <pc:sldMk cId="844747432" sldId="299"/>
+            <ac:spMk id="29" creationId="{94BEFF6D-9866-474B-8BCE-25FB6FE0F18D}"/>
+          </ac:spMkLst>
+        </pc:spChg>
+        <pc:spChg chg="del">
+          <ac:chgData name="Laurent Prud'hon" userId="196f0b5afced95ca" providerId="LiveId" clId="{6A2CDABC-8349-4723-8A66-226940D71443}" dt="2020-05-03T08:21:01.167" v="492" actId="478"/>
+          <ac:spMkLst>
+            <pc:docMk/>
+            <pc:sldMk cId="844747432" sldId="299"/>
+            <ac:spMk id="30" creationId="{6F481CE2-E508-4F8E-8840-BD05BDB7CEFE}"/>
+          </ac:spMkLst>
+        </pc:spChg>
+        <pc:spChg chg="add mod">
+          <ac:chgData name="Laurent Prud'hon" userId="196f0b5afced95ca" providerId="LiveId" clId="{6A2CDABC-8349-4723-8A66-226940D71443}" dt="2020-05-03T12:34:05.577" v="811" actId="1076"/>
+          <ac:spMkLst>
+            <pc:docMk/>
+            <pc:sldMk cId="844747432" sldId="299"/>
+            <ac:spMk id="31" creationId="{37E40D29-6A95-40CE-904F-8056F8C26637}"/>
+          </ac:spMkLst>
+        </pc:spChg>
+        <pc:spChg chg="add mod">
+          <ac:chgData name="Laurent Prud'hon" userId="196f0b5afced95ca" providerId="LiveId" clId="{6A2CDABC-8349-4723-8A66-226940D71443}" dt="2020-05-03T12:35:59.857" v="816" actId="1076"/>
+          <ac:spMkLst>
+            <pc:docMk/>
+            <pc:sldMk cId="844747432" sldId="299"/>
+            <ac:spMk id="32" creationId="{F80A127E-4E8E-4DD2-8E75-24DBA64F4FD7}"/>
+          </ac:spMkLst>
+        </pc:spChg>
+        <pc:spChg chg="del">
+          <ac:chgData name="Laurent Prud'hon" userId="196f0b5afced95ca" providerId="LiveId" clId="{6A2CDABC-8349-4723-8A66-226940D71443}" dt="2020-05-03T08:21:22.809" v="495" actId="478"/>
+          <ac:spMkLst>
+            <pc:docMk/>
+            <pc:sldMk cId="844747432" sldId="299"/>
+            <ac:spMk id="33" creationId="{10148B36-C604-46DA-B940-4BA1AC93559F}"/>
+          </ac:spMkLst>
+        </pc:spChg>
+        <pc:spChg chg="del">
+          <ac:chgData name="Laurent Prud'hon" userId="196f0b5afced95ca" providerId="LiveId" clId="{6A2CDABC-8349-4723-8A66-226940D71443}" dt="2020-05-03T08:21:22.809" v="495" actId="478"/>
+          <ac:spMkLst>
+            <pc:docMk/>
+            <pc:sldMk cId="844747432" sldId="299"/>
+            <ac:spMk id="34" creationId="{B1939095-DAD3-47D8-A4BC-DDB89E820C57}"/>
+          </ac:spMkLst>
+        </pc:spChg>
+        <pc:spChg chg="del">
+          <ac:chgData name="Laurent Prud'hon" userId="196f0b5afced95ca" providerId="LiveId" clId="{6A2CDABC-8349-4723-8A66-226940D71443}" dt="2020-05-03T08:21:10.478" v="493" actId="478"/>
+          <ac:spMkLst>
+            <pc:docMk/>
+            <pc:sldMk cId="844747432" sldId="299"/>
+            <ac:spMk id="35" creationId="{B5E1746E-D4E3-4709-A325-B0857B5B6CBB}"/>
+          </ac:spMkLst>
+        </pc:spChg>
+        <pc:spChg chg="del">
+          <ac:chgData name="Laurent Prud'hon" userId="196f0b5afced95ca" providerId="LiveId" clId="{6A2CDABC-8349-4723-8A66-226940D71443}" dt="2020-05-03T08:21:22.809" v="495" actId="478"/>
+          <ac:spMkLst>
+            <pc:docMk/>
+            <pc:sldMk cId="844747432" sldId="299"/>
+            <ac:spMk id="36" creationId="{26A25798-FE5F-41D8-9298-8C4E24446356}"/>
+          </ac:spMkLst>
+        </pc:spChg>
+        <pc:spChg chg="del">
+          <ac:chgData name="Laurent Prud'hon" userId="196f0b5afced95ca" providerId="LiveId" clId="{6A2CDABC-8349-4723-8A66-226940D71443}" dt="2020-05-03T08:21:15.908" v="494" actId="478"/>
+          <ac:spMkLst>
+            <pc:docMk/>
+            <pc:sldMk cId="844747432" sldId="299"/>
+            <ac:spMk id="37" creationId="{5692D99D-4DC3-4AA1-8BA8-2A31C84D8076}"/>
+          </ac:spMkLst>
+        </pc:spChg>
+        <pc:spChg chg="add mod">
+          <ac:chgData name="Laurent Prud'hon" userId="196f0b5afced95ca" providerId="LiveId" clId="{6A2CDABC-8349-4723-8A66-226940D71443}" dt="2020-05-03T12:31:10.847" v="802" actId="1076"/>
+          <ac:spMkLst>
+            <pc:docMk/>
+            <pc:sldMk cId="844747432" sldId="299"/>
+            <ac:spMk id="38" creationId="{2D46A476-E596-462F-A176-6533262440E3}"/>
+          </ac:spMkLst>
+        </pc:spChg>
+        <pc:spChg chg="add del mod">
+          <ac:chgData name="Laurent Prud'hon" userId="196f0b5afced95ca" providerId="LiveId" clId="{6A2CDABC-8349-4723-8A66-226940D71443}" dt="2020-05-03T08:21:39.060" v="499" actId="478"/>
+          <ac:spMkLst>
+            <pc:docMk/>
+            <pc:sldMk cId="844747432" sldId="299"/>
+            <ac:spMk id="39" creationId="{54E4D3E3-DBD5-40FE-A51C-30EDA4176F32}"/>
+          </ac:spMkLst>
+        </pc:spChg>
+        <pc:spChg chg="add mod">
+          <ac:chgData name="Laurent Prud'hon" userId="196f0b5afced95ca" providerId="LiveId" clId="{6A2CDABC-8349-4723-8A66-226940D71443}" dt="2020-05-03T09:23:33.992" v="772" actId="1076"/>
+          <ac:spMkLst>
+            <pc:docMk/>
+            <pc:sldMk cId="844747432" sldId="299"/>
+            <ac:spMk id="40" creationId="{2F68FDA1-1F12-4C58-9EC0-67FE85EC5602}"/>
+          </ac:spMkLst>
+        </pc:spChg>
+        <pc:spChg chg="add mod">
+          <ac:chgData name="Laurent Prud'hon" userId="196f0b5afced95ca" providerId="LiveId" clId="{6A2CDABC-8349-4723-8A66-226940D71443}" dt="2020-05-03T09:23:33.992" v="772" actId="1076"/>
+          <ac:spMkLst>
+            <pc:docMk/>
+            <pc:sldMk cId="844747432" sldId="299"/>
+            <ac:spMk id="41" creationId="{4417B60F-C7C9-4D90-BA84-E20BEF863E8C}"/>
+          </ac:spMkLst>
+        </pc:spChg>
+        <pc:spChg chg="add mod">
+          <ac:chgData name="Laurent Prud'hon" userId="196f0b5afced95ca" providerId="LiveId" clId="{6A2CDABC-8349-4723-8A66-226940D71443}" dt="2020-05-03T09:20:36.145" v="750" actId="1076"/>
+          <ac:spMkLst>
+            <pc:docMk/>
+            <pc:sldMk cId="844747432" sldId="299"/>
+            <ac:spMk id="42" creationId="{65842153-F3C2-49D7-AF2C-F80E3AD71F0C}"/>
+          </ac:spMkLst>
+        </pc:spChg>
+        <pc:spChg chg="add del mod">
+          <ac:chgData name="Laurent Prud'hon" userId="196f0b5afced95ca" providerId="LiveId" clId="{6A2CDABC-8349-4723-8A66-226940D71443}" dt="2020-05-03T09:11:25.986" v="652" actId="1076"/>
+          <ac:spMkLst>
+            <pc:docMk/>
+            <pc:sldMk cId="844747432" sldId="299"/>
+            <ac:spMk id="43" creationId="{A086364D-C138-4A60-B555-C1B4BFCD1908}"/>
+          </ac:spMkLst>
+        </pc:spChg>
+        <pc:spChg chg="add mod">
+          <ac:chgData name="Laurent Prud'hon" userId="196f0b5afced95ca" providerId="LiveId" clId="{6A2CDABC-8349-4723-8A66-226940D71443}" dt="2020-05-03T09:20:36.145" v="750" actId="1076"/>
+          <ac:spMkLst>
+            <pc:docMk/>
+            <pc:sldMk cId="844747432" sldId="299"/>
+            <ac:spMk id="44" creationId="{83758C72-248A-48D6-B1E7-2FEFF59E87D5}"/>
+          </ac:spMkLst>
+        </pc:spChg>
+        <pc:spChg chg="add mod">
+          <ac:chgData name="Laurent Prud'hon" userId="196f0b5afced95ca" providerId="LiveId" clId="{6A2CDABC-8349-4723-8A66-226940D71443}" dt="2020-05-03T09:11:25.986" v="652" actId="1076"/>
+          <ac:spMkLst>
+            <pc:docMk/>
+            <pc:sldMk cId="844747432" sldId="299"/>
+            <ac:spMk id="45" creationId="{F7C916B4-B292-453D-91D1-8AAF691152F1}"/>
+          </ac:spMkLst>
+        </pc:spChg>
+        <pc:spChg chg="add mod">
+          <ac:chgData name="Laurent Prud'hon" userId="196f0b5afced95ca" providerId="LiveId" clId="{6A2CDABC-8349-4723-8A66-226940D71443}" dt="2020-05-03T09:11:25.986" v="652" actId="1076"/>
+          <ac:spMkLst>
+            <pc:docMk/>
+            <pc:sldMk cId="844747432" sldId="299"/>
+            <ac:spMk id="46" creationId="{6CD58BBA-74FB-439C-BF66-E95D9D28CC8E}"/>
+          </ac:spMkLst>
+        </pc:spChg>
+        <pc:spChg chg="add mod">
+          <ac:chgData name="Laurent Prud'hon" userId="196f0b5afced95ca" providerId="LiveId" clId="{6A2CDABC-8349-4723-8A66-226940D71443}" dt="2020-05-03T09:11:25.986" v="652" actId="1076"/>
+          <ac:spMkLst>
+            <pc:docMk/>
+            <pc:sldMk cId="844747432" sldId="299"/>
+            <ac:spMk id="47" creationId="{60B80D33-9CBC-4FB4-A05C-FBBFDAA8D987}"/>
+          </ac:spMkLst>
+        </pc:spChg>
+        <pc:spChg chg="add mod">
+          <ac:chgData name="Laurent Prud'hon" userId="196f0b5afced95ca" providerId="LiveId" clId="{6A2CDABC-8349-4723-8A66-226940D71443}" dt="2020-05-03T09:19:01.326" v="738" actId="1076"/>
+          <ac:spMkLst>
+            <pc:docMk/>
+            <pc:sldMk cId="844747432" sldId="299"/>
+            <ac:spMk id="48" creationId="{D491A784-CF44-49F0-9BAC-48C85F244D4F}"/>
+          </ac:spMkLst>
+        </pc:spChg>
+        <pc:spChg chg="add mod">
+          <ac:chgData name="Laurent Prud'hon" userId="196f0b5afced95ca" providerId="LiveId" clId="{6A2CDABC-8349-4723-8A66-226940D71443}" dt="2020-05-03T09:12:50.028" v="696" actId="1076"/>
+          <ac:spMkLst>
+            <pc:docMk/>
+            <pc:sldMk cId="844747432" sldId="299"/>
+            <ac:spMk id="49" creationId="{03FCB79F-86E4-4A74-A115-723499C26565}"/>
+          </ac:spMkLst>
+        </pc:spChg>
+        <pc:spChg chg="add mod">
+          <ac:chgData name="Laurent Prud'hon" userId="196f0b5afced95ca" providerId="LiveId" clId="{6A2CDABC-8349-4723-8A66-226940D71443}" dt="2020-05-03T09:15:33.939" v="727" actId="13822"/>
+          <ac:spMkLst>
+            <pc:docMk/>
+            <pc:sldMk cId="844747432" sldId="299"/>
+            <ac:spMk id="50" creationId="{BBFE5784-B421-4399-A3BB-F505F39C9AC4}"/>
+          </ac:spMkLst>
+        </pc:spChg>
+        <pc:spChg chg="add mod">
+          <ac:chgData name="Laurent Prud'hon" userId="196f0b5afced95ca" providerId="LiveId" clId="{6A2CDABC-8349-4723-8A66-226940D71443}" dt="2020-05-03T09:23:33.992" v="772" actId="1076"/>
+          <ac:spMkLst>
+            <pc:docMk/>
+            <pc:sldMk cId="844747432" sldId="299"/>
+            <ac:spMk id="51" creationId="{7AA58228-650A-4A78-B615-4FA930EEA79B}"/>
+          </ac:spMkLst>
+        </pc:spChg>
+        <pc:spChg chg="add mod">
+          <ac:chgData name="Laurent Prud'hon" userId="196f0b5afced95ca" providerId="LiveId" clId="{6A2CDABC-8349-4723-8A66-226940D71443}" dt="2020-05-03T09:20:36.145" v="750" actId="1076"/>
+          <ac:spMkLst>
+            <pc:docMk/>
+            <pc:sldMk cId="844747432" sldId="299"/>
+            <ac:spMk id="52" creationId="{2BFA0EDC-049F-421A-9199-DDEE85A973BC}"/>
+          </ac:spMkLst>
+        </pc:spChg>
+        <pc:spChg chg="add mod">
+          <ac:chgData name="Laurent Prud'hon" userId="196f0b5afced95ca" providerId="LiveId" clId="{6A2CDABC-8349-4723-8A66-226940D71443}" dt="2020-05-03T09:14:07.917" v="708" actId="1076"/>
+          <ac:spMkLst>
+            <pc:docMk/>
+            <pc:sldMk cId="844747432" sldId="299"/>
+            <ac:spMk id="53" creationId="{55EC5FA2-CC67-4748-8F06-71BC9F211F30}"/>
+          </ac:spMkLst>
+        </pc:spChg>
+        <pc:spChg chg="add mod">
+          <ac:chgData name="Laurent Prud'hon" userId="196f0b5afced95ca" providerId="LiveId" clId="{6A2CDABC-8349-4723-8A66-226940D71443}" dt="2020-05-03T09:15:33.939" v="727" actId="13822"/>
+          <ac:spMkLst>
+            <pc:docMk/>
+            <pc:sldMk cId="844747432" sldId="299"/>
+            <ac:spMk id="54" creationId="{C6A53D9E-6054-4FD1-B6E8-49E070B30F57}"/>
+          </ac:spMkLst>
+        </pc:spChg>
+        <pc:spChg chg="add mod">
+          <ac:chgData name="Laurent Prud'hon" userId="196f0b5afced95ca" providerId="LiveId" clId="{6A2CDABC-8349-4723-8A66-226940D71443}" dt="2020-05-03T09:20:36.145" v="750" actId="1076"/>
+          <ac:spMkLst>
+            <pc:docMk/>
+            <pc:sldMk cId="844747432" sldId="299"/>
+            <ac:spMk id="55" creationId="{44278934-7321-420B-9116-790243EDCE5D}"/>
+          </ac:spMkLst>
+        </pc:spChg>
+        <pc:spChg chg="add mod">
+          <ac:chgData name="Laurent Prud'hon" userId="196f0b5afced95ca" providerId="LiveId" clId="{6A2CDABC-8349-4723-8A66-226940D71443}" dt="2020-05-03T09:23:33.992" v="772" actId="1076"/>
+          <ac:spMkLst>
+            <pc:docMk/>
+            <pc:sldMk cId="844747432" sldId="299"/>
+            <ac:spMk id="56" creationId="{B7F364EB-9CEB-4713-9E61-0A3B22C71819}"/>
+          </ac:spMkLst>
+        </pc:spChg>
+        <pc:spChg chg="add mod">
+          <ac:chgData name="Laurent Prud'hon" userId="196f0b5afced95ca" providerId="LiveId" clId="{6A2CDABC-8349-4723-8A66-226940D71443}" dt="2020-05-03T09:23:33.992" v="772" actId="1076"/>
+          <ac:spMkLst>
+            <pc:docMk/>
+            <pc:sldMk cId="844747432" sldId="299"/>
+            <ac:spMk id="57" creationId="{3DC48DC3-87BF-4152-92AC-24219274B8E3}"/>
+          </ac:spMkLst>
+        </pc:spChg>
+        <pc:spChg chg="add mod">
+          <ac:chgData name="Laurent Prud'hon" userId="196f0b5afced95ca" providerId="LiveId" clId="{6A2CDABC-8349-4723-8A66-226940D71443}" dt="2020-05-03T09:23:33.992" v="772" actId="1076"/>
+          <ac:spMkLst>
+            <pc:docMk/>
+            <pc:sldMk cId="844747432" sldId="299"/>
+            <ac:spMk id="58" creationId="{1C033620-EA12-4886-84BC-F1D129CF56CA}"/>
+          </ac:spMkLst>
+        </pc:spChg>
+        <pc:spChg chg="add mod">
+          <ac:chgData name="Laurent Prud'hon" userId="196f0b5afced95ca" providerId="LiveId" clId="{6A2CDABC-8349-4723-8A66-226940D71443}" dt="2020-05-03T09:23:33.992" v="772" actId="1076"/>
+          <ac:spMkLst>
+            <pc:docMk/>
+            <pc:sldMk cId="844747432" sldId="299"/>
+            <ac:spMk id="59" creationId="{0DF7F311-3BDD-493D-B7CA-70A5CE57CD3E}"/>
+          </ac:spMkLst>
+        </pc:spChg>
+        <pc:spChg chg="add mod">
+          <ac:chgData name="Laurent Prud'hon" userId="196f0b5afced95ca" providerId="LiveId" clId="{6A2CDABC-8349-4723-8A66-226940D71443}" dt="2020-05-03T09:23:45.796" v="778" actId="20577"/>
+          <ac:spMkLst>
+            <pc:docMk/>
+            <pc:sldMk cId="844747432" sldId="299"/>
+            <ac:spMk id="60" creationId="{8A7FC677-070E-46A9-8387-2775263EA2FE}"/>
+          </ac:spMkLst>
+        </pc:spChg>
+        <pc:spChg chg="add mod">
+          <ac:chgData name="Laurent Prud'hon" userId="196f0b5afced95ca" providerId="LiveId" clId="{6A2CDABC-8349-4723-8A66-226940D71443}" dt="2020-05-03T12:31:11.214" v="803" actId="1076"/>
+          <ac:spMkLst>
+            <pc:docMk/>
+            <pc:sldMk cId="844747432" sldId="299"/>
+            <ac:spMk id="61" creationId="{528A4300-6D6E-4B9E-9556-F7CEE223A7E7}"/>
+          </ac:spMkLst>
+        </pc:spChg>
+        <pc:spChg chg="add del mod">
+          <ac:chgData name="Laurent Prud'hon" userId="196f0b5afced95ca" providerId="LiveId" clId="{6A2CDABC-8349-4723-8A66-226940D71443}" dt="2020-05-03T12:31:12.537" v="806"/>
+          <ac:spMkLst>
+            <pc:docMk/>
+            <pc:sldMk cId="844747432" sldId="299"/>
+            <ac:spMk id="62" creationId="{9361AF88-1E73-428D-B44E-2106889BB56C}"/>
+          </ac:spMkLst>
+        </pc:spChg>
+        <pc:spChg chg="add mod">
+          <ac:chgData name="Laurent Prud'hon" userId="196f0b5afced95ca" providerId="LiveId" clId="{6A2CDABC-8349-4723-8A66-226940D71443}" dt="2020-05-03T12:38:44.721" v="822" actId="1076"/>
+          <ac:spMkLst>
+            <pc:docMk/>
+            <pc:sldMk cId="844747432" sldId="299"/>
+            <ac:spMk id="65" creationId="{9666CCF6-2AC0-4016-A3ED-0991A532838E}"/>
+          </ac:spMkLst>
+        </pc:spChg>
+        <pc:spChg chg="add del">
+          <ac:chgData name="Laurent Prud'hon" userId="196f0b5afced95ca" providerId="LiveId" clId="{6A2CDABC-8349-4723-8A66-226940D71443}" dt="2020-05-03T12:38:49.258" v="824"/>
+          <ac:spMkLst>
+            <pc:docMk/>
+            <pc:sldMk cId="844747432" sldId="299"/>
+            <ac:spMk id="66" creationId="{470BAA17-0A6C-4DFF-853F-E16DCB8EC0DD}"/>
+          </ac:spMkLst>
+        </pc:spChg>
+        <pc:picChg chg="add mod">
+          <ac:chgData name="Laurent Prud'hon" userId="196f0b5afced95ca" providerId="LiveId" clId="{6A2CDABC-8349-4723-8A66-226940D71443}" dt="2020-05-03T12:37:04.947" v="818" actId="1076"/>
+          <ac:picMkLst>
+            <pc:docMk/>
+            <pc:sldMk cId="844747432" sldId="299"/>
+            <ac:picMk id="63" creationId="{0D91B8BC-ECCD-49B3-B081-00DF01CA6529}"/>
+          </ac:picMkLst>
+        </pc:picChg>
+        <pc:picChg chg="add mod">
+          <ac:chgData name="Laurent Prud'hon" userId="196f0b5afced95ca" providerId="LiveId" clId="{6A2CDABC-8349-4723-8A66-226940D71443}" dt="2020-05-03T12:38:35.517" v="820" actId="1076"/>
+          <ac:picMkLst>
+            <pc:docMk/>
+            <pc:sldMk cId="844747432" sldId="299"/>
+            <ac:picMk id="64" creationId="{83004852-E90B-4527-9900-878262679800}"/>
+          </ac:picMkLst>
+        </pc:picChg>
+      </pc:sldChg>
+      <pc:sldChg chg="addSp delSp modSp add mod">
+        <pc:chgData name="Laurent Prud'hon" userId="196f0b5afced95ca" providerId="LiveId" clId="{6A2CDABC-8349-4723-8A66-226940D71443}" dt="2020-05-03T13:57:14.464" v="1006" actId="20577"/>
+        <pc:sldMkLst>
+          <pc:docMk/>
+          <pc:sldMk cId="4025076112" sldId="299"/>
+        </pc:sldMkLst>
+        <pc:spChg chg="mod">
+          <ac:chgData name="Laurent Prud'hon" userId="196f0b5afced95ca" providerId="LiveId" clId="{6A2CDABC-8349-4723-8A66-226940D71443}" dt="2020-05-03T13:06:01.438" v="931" actId="1076"/>
+          <ac:spMkLst>
+            <pc:docMk/>
+            <pc:sldMk cId="4025076112" sldId="299"/>
+            <ac:spMk id="6" creationId="{A33231C7-5605-4DFA-9178-A586052F2549}"/>
+          </ac:spMkLst>
+        </pc:spChg>
+        <pc:spChg chg="mod">
+          <ac:chgData name="Laurent Prud'hon" userId="196f0b5afced95ca" providerId="LiveId" clId="{6A2CDABC-8349-4723-8A66-226940D71443}" dt="2020-05-03T13:10:21.287" v="985" actId="1076"/>
+          <ac:spMkLst>
+            <pc:docMk/>
+            <pc:sldMk cId="4025076112" sldId="299"/>
+            <ac:spMk id="19" creationId="{673C332E-DB89-4DC4-8B63-4D5CF495F565}"/>
+          </ac:spMkLst>
+        </pc:spChg>
+        <pc:spChg chg="mod">
+          <ac:chgData name="Laurent Prud'hon" userId="196f0b5afced95ca" providerId="LiveId" clId="{6A2CDABC-8349-4723-8A66-226940D71443}" dt="2020-05-03T13:10:21.287" v="985" actId="1076"/>
+          <ac:spMkLst>
+            <pc:docMk/>
+            <pc:sldMk cId="4025076112" sldId="299"/>
+            <ac:spMk id="29" creationId="{94BEFF6D-9866-474B-8BCE-25FB6FE0F18D}"/>
+          </ac:spMkLst>
+        </pc:spChg>
+        <pc:spChg chg="mod">
+          <ac:chgData name="Laurent Prud'hon" userId="196f0b5afced95ca" providerId="LiveId" clId="{6A2CDABC-8349-4723-8A66-226940D71443}" dt="2020-05-03T13:10:21.287" v="985" actId="1076"/>
+          <ac:spMkLst>
+            <pc:docMk/>
+            <pc:sldMk cId="4025076112" sldId="299"/>
+            <ac:spMk id="32" creationId="{F80A127E-4E8E-4DD2-8E75-24DBA64F4FD7}"/>
+          </ac:spMkLst>
+        </pc:spChg>
+        <pc:spChg chg="add mod">
+          <ac:chgData name="Laurent Prud'hon" userId="196f0b5afced95ca" providerId="LiveId" clId="{6A2CDABC-8349-4723-8A66-226940D71443}" dt="2020-05-03T13:09:23.637" v="973" actId="14100"/>
+          <ac:spMkLst>
+            <pc:docMk/>
+            <pc:sldMk cId="4025076112" sldId="299"/>
+            <ac:spMk id="39" creationId="{03348313-C222-412E-8D4E-D640DB8F373E}"/>
+          </ac:spMkLst>
+        </pc:spChg>
+        <pc:spChg chg="mod">
+          <ac:chgData name="Laurent Prud'hon" userId="196f0b5afced95ca" providerId="LiveId" clId="{6A2CDABC-8349-4723-8A66-226940D71443}" dt="2020-05-03T13:06:01.438" v="931" actId="1076"/>
+          <ac:spMkLst>
+            <pc:docMk/>
+            <pc:sldMk cId="4025076112" sldId="299"/>
+            <ac:spMk id="40" creationId="{2F68FDA1-1F12-4C58-9EC0-67FE85EC5602}"/>
+          </ac:spMkLst>
+        </pc:spChg>
+        <pc:spChg chg="mod">
+          <ac:chgData name="Laurent Prud'hon" userId="196f0b5afced95ca" providerId="LiveId" clId="{6A2CDABC-8349-4723-8A66-226940D71443}" dt="2020-05-03T13:06:01.438" v="931" actId="1076"/>
+          <ac:spMkLst>
+            <pc:docMk/>
+            <pc:sldMk cId="4025076112" sldId="299"/>
+            <ac:spMk id="41" creationId="{4417B60F-C7C9-4D90-BA84-E20BEF863E8C}"/>
+          </ac:spMkLst>
+        </pc:spChg>
+        <pc:spChg chg="mod">
+          <ac:chgData name="Laurent Prud'hon" userId="196f0b5afced95ca" providerId="LiveId" clId="{6A2CDABC-8349-4723-8A66-226940D71443}" dt="2020-05-03T13:09:15.144" v="972" actId="14100"/>
+          <ac:spMkLst>
+            <pc:docMk/>
+            <pc:sldMk cId="4025076112" sldId="299"/>
+            <ac:spMk id="42" creationId="{65842153-F3C2-49D7-AF2C-F80E3AD71F0C}"/>
+          </ac:spMkLst>
+        </pc:spChg>
+        <pc:spChg chg="mod">
+          <ac:chgData name="Laurent Prud'hon" userId="196f0b5afced95ca" providerId="LiveId" clId="{6A2CDABC-8349-4723-8A66-226940D71443}" dt="2020-05-03T13:10:21.287" v="985" actId="1076"/>
+          <ac:spMkLst>
+            <pc:docMk/>
+            <pc:sldMk cId="4025076112" sldId="299"/>
+            <ac:spMk id="43" creationId="{A086364D-C138-4A60-B555-C1B4BFCD1908}"/>
+          </ac:spMkLst>
+        </pc:spChg>
+        <pc:spChg chg="mod">
+          <ac:chgData name="Laurent Prud'hon" userId="196f0b5afced95ca" providerId="LiveId" clId="{6A2CDABC-8349-4723-8A66-226940D71443}" dt="2020-05-03T13:09:31.343" v="975" actId="404"/>
+          <ac:spMkLst>
+            <pc:docMk/>
+            <pc:sldMk cId="4025076112" sldId="299"/>
+            <ac:spMk id="44" creationId="{83758C72-248A-48D6-B1E7-2FEFF59E87D5}"/>
+          </ac:spMkLst>
+        </pc:spChg>
+        <pc:spChg chg="mod">
+          <ac:chgData name="Laurent Prud'hon" userId="196f0b5afced95ca" providerId="LiveId" clId="{6A2CDABC-8349-4723-8A66-226940D71443}" dt="2020-05-03T13:57:14.464" v="1006" actId="20577"/>
+          <ac:spMkLst>
+            <pc:docMk/>
+            <pc:sldMk cId="4025076112" sldId="299"/>
+            <ac:spMk id="46" creationId="{6CD58BBA-74FB-439C-BF66-E95D9D28CC8E}"/>
+          </ac:spMkLst>
+        </pc:spChg>
+        <pc:spChg chg="mod">
+          <ac:chgData name="Laurent Prud'hon" userId="196f0b5afced95ca" providerId="LiveId" clId="{6A2CDABC-8349-4723-8A66-226940D71443}" dt="2020-05-03T13:10:21.287" v="985" actId="1076"/>
+          <ac:spMkLst>
+            <pc:docMk/>
+            <pc:sldMk cId="4025076112" sldId="299"/>
+            <ac:spMk id="48" creationId="{D491A784-CF44-49F0-9BAC-48C85F244D4F}"/>
+          </ac:spMkLst>
+        </pc:spChg>
+        <pc:spChg chg="mod">
+          <ac:chgData name="Laurent Prud'hon" userId="196f0b5afced95ca" providerId="LiveId" clId="{6A2CDABC-8349-4723-8A66-226940D71443}" dt="2020-05-03T13:10:28.537" v="986" actId="20577"/>
+          <ac:spMkLst>
+            <pc:docMk/>
+            <pc:sldMk cId="4025076112" sldId="299"/>
+            <ac:spMk id="51" creationId="{7AA58228-650A-4A78-B615-4FA930EEA79B}"/>
+          </ac:spMkLst>
+        </pc:spChg>
+        <pc:spChg chg="mod">
+          <ac:chgData name="Laurent Prud'hon" userId="196f0b5afced95ca" providerId="LiveId" clId="{6A2CDABC-8349-4723-8A66-226940D71443}" dt="2020-05-03T13:09:58.948" v="984" actId="14100"/>
+          <ac:spMkLst>
+            <pc:docMk/>
+            <pc:sldMk cId="4025076112" sldId="299"/>
+            <ac:spMk id="52" creationId="{2BFA0EDC-049F-421A-9199-DDEE85A973BC}"/>
+          </ac:spMkLst>
+        </pc:spChg>
+        <pc:spChg chg="mod">
+          <ac:chgData name="Laurent Prud'hon" userId="196f0b5afced95ca" providerId="LiveId" clId="{6A2CDABC-8349-4723-8A66-226940D71443}" dt="2020-05-03T13:09:15.144" v="972" actId="14100"/>
+          <ac:spMkLst>
+            <pc:docMk/>
+            <pc:sldMk cId="4025076112" sldId="299"/>
+            <ac:spMk id="55" creationId="{44278934-7321-420B-9116-790243EDCE5D}"/>
+          </ac:spMkLst>
+        </pc:spChg>
+        <pc:spChg chg="mod">
+          <ac:chgData name="Laurent Prud'hon" userId="196f0b5afced95ca" providerId="LiveId" clId="{6A2CDABC-8349-4723-8A66-226940D71443}" dt="2020-05-03T13:10:52.655" v="989" actId="1076"/>
+          <ac:spMkLst>
+            <pc:docMk/>
+            <pc:sldMk cId="4025076112" sldId="299"/>
+            <ac:spMk id="56" creationId="{B7F364EB-9CEB-4713-9E61-0A3B22C71819}"/>
+          </ac:spMkLst>
+        </pc:spChg>
+        <pc:spChg chg="mod">
+          <ac:chgData name="Laurent Prud'hon" userId="196f0b5afced95ca" providerId="LiveId" clId="{6A2CDABC-8349-4723-8A66-226940D71443}" dt="2020-05-03T13:10:49.238" v="988" actId="1076"/>
+          <ac:spMkLst>
+            <pc:docMk/>
+            <pc:sldMk cId="4025076112" sldId="299"/>
+            <ac:spMk id="57" creationId="{3DC48DC3-87BF-4152-92AC-24219274B8E3}"/>
+          </ac:spMkLst>
+        </pc:spChg>
+        <pc:spChg chg="mod">
+          <ac:chgData name="Laurent Prud'hon" userId="196f0b5afced95ca" providerId="LiveId" clId="{6A2CDABC-8349-4723-8A66-226940D71443}" dt="2020-05-03T13:10:49.238" v="988" actId="1076"/>
+          <ac:spMkLst>
+            <pc:docMk/>
+            <pc:sldMk cId="4025076112" sldId="299"/>
+            <ac:spMk id="58" creationId="{1C033620-EA12-4886-84BC-F1D129CF56CA}"/>
+          </ac:spMkLst>
+        </pc:spChg>
+        <pc:spChg chg="mod">
+          <ac:chgData name="Laurent Prud'hon" userId="196f0b5afced95ca" providerId="LiveId" clId="{6A2CDABC-8349-4723-8A66-226940D71443}" dt="2020-05-03T13:10:49.238" v="988" actId="1076"/>
+          <ac:spMkLst>
+            <pc:docMk/>
+            <pc:sldMk cId="4025076112" sldId="299"/>
+            <ac:spMk id="59" creationId="{0DF7F311-3BDD-493D-B7CA-70A5CE57CD3E}"/>
+          </ac:spMkLst>
+        </pc:spChg>
+        <pc:spChg chg="mod">
+          <ac:chgData name="Laurent Prud'hon" userId="196f0b5afced95ca" providerId="LiveId" clId="{6A2CDABC-8349-4723-8A66-226940D71443}" dt="2020-05-03T13:06:01.438" v="931" actId="1076"/>
+          <ac:spMkLst>
+            <pc:docMk/>
+            <pc:sldMk cId="4025076112" sldId="299"/>
+            <ac:spMk id="60" creationId="{8A7FC677-070E-46A9-8387-2775263EA2FE}"/>
+          </ac:spMkLst>
+        </pc:spChg>
+        <pc:spChg chg="add mod">
+          <ac:chgData name="Laurent Prud'hon" userId="196f0b5afced95ca" providerId="LiveId" clId="{6A2CDABC-8349-4723-8A66-226940D71443}" dt="2020-05-03T13:09:23.637" v="973" actId="14100"/>
+          <ac:spMkLst>
+            <pc:docMk/>
+            <pc:sldMk cId="4025076112" sldId="299"/>
+            <ac:spMk id="62" creationId="{6CAD8E3D-FF8E-4365-98FD-9669EE2E3AE9}"/>
+          </ac:spMkLst>
+        </pc:spChg>
+        <pc:spChg chg="del">
+          <ac:chgData name="Laurent Prud'hon" userId="196f0b5afced95ca" providerId="LiveId" clId="{6A2CDABC-8349-4723-8A66-226940D71443}" dt="2020-05-03T12:39:13.581" v="830" actId="478"/>
+          <ac:spMkLst>
+            <pc:docMk/>
+            <pc:sldMk cId="4025076112" sldId="299"/>
+            <ac:spMk id="65" creationId="{9666CCF6-2AC0-4016-A3ED-0991A532838E}"/>
+          </ac:spMkLst>
+        </pc:spChg>
+        <pc:spChg chg="add mod">
+          <ac:chgData name="Laurent Prud'hon" userId="196f0b5afced95ca" providerId="LiveId" clId="{6A2CDABC-8349-4723-8A66-226940D71443}" dt="2020-05-03T13:09:23.637" v="973" actId="14100"/>
+          <ac:spMkLst>
+            <pc:docMk/>
+            <pc:sldMk cId="4025076112" sldId="299"/>
+            <ac:spMk id="66" creationId="{9730E2AC-1198-410E-9CB8-B138B00E400E}"/>
+          </ac:spMkLst>
+        </pc:spChg>
+        <pc:spChg chg="add mod">
+          <ac:chgData name="Laurent Prud'hon" userId="196f0b5afced95ca" providerId="LiveId" clId="{6A2CDABC-8349-4723-8A66-226940D71443}" dt="2020-05-03T13:09:52.128" v="982" actId="20577"/>
+          <ac:spMkLst>
+            <pc:docMk/>
+            <pc:sldMk cId="4025076112" sldId="299"/>
+            <ac:spMk id="67" creationId="{3FC27D1E-57BE-4223-A5C8-CBCE2612EEFB}"/>
+          </ac:spMkLst>
+        </pc:spChg>
+        <pc:spChg chg="add del mod">
+          <ac:chgData name="Laurent Prud'hon" userId="196f0b5afced95ca" providerId="LiveId" clId="{6A2CDABC-8349-4723-8A66-226940D71443}" dt="2020-05-03T13:12:34.832" v="999" actId="478"/>
+          <ac:spMkLst>
+            <pc:docMk/>
+            <pc:sldMk cId="4025076112" sldId="299"/>
+            <ac:spMk id="68" creationId="{FE768363-2B94-41F7-B62E-FA1D7BF40ED0}"/>
+          </ac:spMkLst>
+        </pc:spChg>
+        <pc:picChg chg="add mod">
+          <ac:chgData name="Laurent Prud'hon" userId="196f0b5afced95ca" providerId="LiveId" clId="{6A2CDABC-8349-4723-8A66-226940D71443}" dt="2020-05-03T13:13:27.238" v="1003" actId="1076"/>
+          <ac:picMkLst>
+            <pc:docMk/>
+            <pc:sldMk cId="4025076112" sldId="299"/>
+            <ac:picMk id="2" creationId="{38BC05BE-1D3F-4DDE-BDD0-6E612A5554B4}"/>
+          </ac:picMkLst>
+        </pc:picChg>
+        <pc:picChg chg="del">
+          <ac:chgData name="Laurent Prud'hon" userId="196f0b5afced95ca" providerId="LiveId" clId="{6A2CDABC-8349-4723-8A66-226940D71443}" dt="2020-05-03T12:39:04.269" v="828" actId="478"/>
+          <ac:picMkLst>
+            <pc:docMk/>
+            <pc:sldMk cId="4025076112" sldId="299"/>
+            <ac:picMk id="63" creationId="{0D91B8BC-ECCD-49B3-B081-00DF01CA6529}"/>
+          </ac:picMkLst>
+        </pc:picChg>
+        <pc:picChg chg="del">
+          <ac:chgData name="Laurent Prud'hon" userId="196f0b5afced95ca" providerId="LiveId" clId="{6A2CDABC-8349-4723-8A66-226940D71443}" dt="2020-05-03T12:39:08.653" v="829" actId="478"/>
+          <ac:picMkLst>
+            <pc:docMk/>
+            <pc:sldMk cId="4025076112" sldId="299"/>
+            <ac:picMk id="64" creationId="{83004852-E90B-4527-9900-878262679800}"/>
+          </ac:picMkLst>
+        </pc:picChg>
+      </pc:sldChg>
+      <pc:sldChg chg="addSp delSp modSp add mod">
+        <pc:chgData name="Laurent Prud'hon" userId="196f0b5afced95ca" providerId="LiveId" clId="{6A2CDABC-8349-4723-8A66-226940D71443}" dt="2020-05-03T13:00:29.509" v="921" actId="1076"/>
+        <pc:sldMkLst>
+          <pc:docMk/>
+          <pc:sldMk cId="3175762071" sldId="300"/>
+        </pc:sldMkLst>
+        <pc:spChg chg="add mod">
+          <ac:chgData name="Laurent Prud'hon" userId="196f0b5afced95ca" providerId="LiveId" clId="{6A2CDABC-8349-4723-8A66-226940D71443}" dt="2020-05-03T12:41:22.925" v="892" actId="1076"/>
+          <ac:spMkLst>
+            <pc:docMk/>
+            <pc:sldMk cId="3175762071" sldId="300"/>
+            <ac:spMk id="2" creationId="{0D0ADEB6-644D-4E13-9EA5-61BD5027DF5E}"/>
+          </ac:spMkLst>
+        </pc:spChg>
+        <pc:spChg chg="del">
+          <ac:chgData name="Laurent Prud'hon" userId="196f0b5afced95ca" providerId="LiveId" clId="{6A2CDABC-8349-4723-8A66-226940D71443}" dt="2020-05-03T12:40:15.161" v="834" actId="478"/>
+          <ac:spMkLst>
+            <pc:docMk/>
+            <pc:sldMk cId="3175762071" sldId="300"/>
+            <ac:spMk id="3" creationId="{5BFA9EE3-763C-4DAC-A5F7-D7B6BDF020C6}"/>
+          </ac:spMkLst>
+        </pc:spChg>
+        <pc:spChg chg="add mod">
+          <ac:chgData name="Laurent Prud'hon" userId="196f0b5afced95ca" providerId="LiveId" clId="{6A2CDABC-8349-4723-8A66-226940D71443}" dt="2020-05-03T12:42:05.545" v="900" actId="1076"/>
+          <ac:spMkLst>
+            <pc:docMk/>
+            <pc:sldMk cId="3175762071" sldId="300"/>
+            <ac:spMk id="5" creationId="{F01EFA32-3589-4B38-B837-46720DEE66F4}"/>
+          </ac:spMkLst>
+        </pc:spChg>
+        <pc:spChg chg="del mod">
+          <ac:chgData name="Laurent Prud'hon" userId="196f0b5afced95ca" providerId="LiveId" clId="{6A2CDABC-8349-4723-8A66-226940D71443}" dt="2020-05-03T12:40:21.972" v="837" actId="478"/>
+          <ac:spMkLst>
+            <pc:docMk/>
+            <pc:sldMk cId="3175762071" sldId="300"/>
+            <ac:spMk id="6" creationId="{A33231C7-5605-4DFA-9178-A586052F2549}"/>
+          </ac:spMkLst>
+        </pc:spChg>
+        <pc:spChg chg="add del">
+          <ac:chgData name="Laurent Prud'hon" userId="196f0b5afced95ca" providerId="LiveId" clId="{6A2CDABC-8349-4723-8A66-226940D71443}" dt="2020-05-03T12:57:20.823" v="904"/>
+          <ac:spMkLst>
+            <pc:docMk/>
+            <pc:sldMk cId="3175762071" sldId="300"/>
+            <ac:spMk id="8" creationId="{28BE5522-76C4-4FF0-9AC8-53B8FA33B213}"/>
+          </ac:spMkLst>
+        </pc:spChg>
+        <pc:spChg chg="add mod">
+          <ac:chgData name="Laurent Prud'hon" userId="196f0b5afced95ca" providerId="LiveId" clId="{6A2CDABC-8349-4723-8A66-226940D71443}" dt="2020-05-03T12:57:46.032" v="906" actId="1076"/>
+          <ac:spMkLst>
+            <pc:docMk/>
+            <pc:sldMk cId="3175762071" sldId="300"/>
+            <ac:spMk id="9" creationId="{B1C1C278-2C19-49BD-AC46-DC20EB61EAC8}"/>
+          </ac:spMkLst>
+        </pc:spChg>
+        <pc:spChg chg="del">
+          <ac:chgData name="Laurent Prud'hon" userId="196f0b5afced95ca" providerId="LiveId" clId="{6A2CDABC-8349-4723-8A66-226940D71443}" dt="2020-05-03T12:40:15.161" v="834" actId="478"/>
+          <ac:spMkLst>
+            <pc:docMk/>
+            <pc:sldMk cId="3175762071" sldId="300"/>
+            <ac:spMk id="10" creationId="{33AC128E-0E6C-43B9-A8EA-73B9BC3033BA}"/>
+          </ac:spMkLst>
+        </pc:spChg>
+        <pc:spChg chg="mod">
+          <ac:chgData name="Laurent Prud'hon" userId="196f0b5afced95ca" providerId="LiveId" clId="{6A2CDABC-8349-4723-8A66-226940D71443}" dt="2020-05-03T12:40:51.172" v="883" actId="20577"/>
+          <ac:spMkLst>
+            <pc:docMk/>
+            <pc:sldMk cId="3175762071" sldId="300"/>
+            <ac:spMk id="15" creationId="{0E5A6317-201D-4948-AFE4-12C13ABF0553}"/>
+          </ac:spMkLst>
+        </pc:spChg>
+        <pc:spChg chg="add del">
+          <ac:chgData name="Laurent Prud'hon" userId="196f0b5afced95ca" providerId="LiveId" clId="{6A2CDABC-8349-4723-8A66-226940D71443}" dt="2020-05-03T12:41:16.470" v="890" actId="478"/>
+          <ac:spMkLst>
+            <pc:docMk/>
+            <pc:sldMk cId="3175762071" sldId="300"/>
+            <ac:spMk id="19" creationId="{673C332E-DB89-4DC4-8B63-4D5CF495F565}"/>
+          </ac:spMkLst>
+        </pc:spChg>
+        <pc:spChg chg="del">
+          <ac:chgData name="Laurent Prud'hon" userId="196f0b5afced95ca" providerId="LiveId" clId="{6A2CDABC-8349-4723-8A66-226940D71443}" dt="2020-05-03T12:41:08.284" v="887" actId="478"/>
+          <ac:spMkLst>
+            <pc:docMk/>
+            <pc:sldMk cId="3175762071" sldId="300"/>
+            <ac:spMk id="23" creationId="{D78A0835-1A66-4878-8370-8AAEC4E96985}"/>
+          </ac:spMkLst>
+        </pc:spChg>
+        <pc:spChg chg="add del">
+          <ac:chgData name="Laurent Prud'hon" userId="196f0b5afced95ca" providerId="LiveId" clId="{6A2CDABC-8349-4723-8A66-226940D71443}" dt="2020-05-03T12:41:16.470" v="890" actId="478"/>
+          <ac:spMkLst>
+            <pc:docMk/>
+            <pc:sldMk cId="3175762071" sldId="300"/>
+            <ac:spMk id="29" creationId="{94BEFF6D-9866-474B-8BCE-25FB6FE0F18D}"/>
+          </ac:spMkLst>
+        </pc:spChg>
+        <pc:spChg chg="del">
+          <ac:chgData name="Laurent Prud'hon" userId="196f0b5afced95ca" providerId="LiveId" clId="{6A2CDABC-8349-4723-8A66-226940D71443}" dt="2020-05-03T12:40:26.158" v="838" actId="478"/>
+          <ac:spMkLst>
+            <pc:docMk/>
+            <pc:sldMk cId="3175762071" sldId="300"/>
+            <ac:spMk id="31" creationId="{37E40D29-6A95-40CE-904F-8056F8C26637}"/>
+          </ac:spMkLst>
+        </pc:spChg>
+        <pc:spChg chg="del mod">
+          <ac:chgData name="Laurent Prud'hon" userId="196f0b5afced95ca" providerId="LiveId" clId="{6A2CDABC-8349-4723-8A66-226940D71443}" dt="2020-05-03T12:41:04.835" v="886" actId="478"/>
+          <ac:spMkLst>
+            <pc:docMk/>
+            <pc:sldMk cId="3175762071" sldId="300"/>
+            <ac:spMk id="32" creationId="{F80A127E-4E8E-4DD2-8E75-24DBA64F4FD7}"/>
+          </ac:spMkLst>
+        </pc:spChg>
+        <pc:spChg chg="del">
+          <ac:chgData name="Laurent Prud'hon" userId="196f0b5afced95ca" providerId="LiveId" clId="{6A2CDABC-8349-4723-8A66-226940D71443}" dt="2020-05-03T12:40:15.161" v="834" actId="478"/>
+          <ac:spMkLst>
+            <pc:docMk/>
+            <pc:sldMk cId="3175762071" sldId="300"/>
+            <ac:spMk id="38" creationId="{2D46A476-E596-462F-A176-6533262440E3}"/>
+          </ac:spMkLst>
+        </pc:spChg>
+        <pc:spChg chg="del">
+          <ac:chgData name="Laurent Prud'hon" userId="196f0b5afced95ca" providerId="LiveId" clId="{6A2CDABC-8349-4723-8A66-226940D71443}" dt="2020-05-03T12:40:15.161" v="834" actId="478"/>
+          <ac:spMkLst>
+            <pc:docMk/>
+            <pc:sldMk cId="3175762071" sldId="300"/>
+            <ac:spMk id="40" creationId="{2F68FDA1-1F12-4C58-9EC0-67FE85EC5602}"/>
+          </ac:spMkLst>
+        </pc:spChg>
+        <pc:spChg chg="del">
+          <ac:chgData name="Laurent Prud'hon" userId="196f0b5afced95ca" providerId="LiveId" clId="{6A2CDABC-8349-4723-8A66-226940D71443}" dt="2020-05-03T12:40:15.161" v="834" actId="478"/>
+          <ac:spMkLst>
+            <pc:docMk/>
+            <pc:sldMk cId="3175762071" sldId="300"/>
+            <ac:spMk id="41" creationId="{4417B60F-C7C9-4D90-BA84-E20BEF863E8C}"/>
+          </ac:spMkLst>
+        </pc:spChg>
+        <pc:spChg chg="del">
+          <ac:chgData name="Laurent Prud'hon" userId="196f0b5afced95ca" providerId="LiveId" clId="{6A2CDABC-8349-4723-8A66-226940D71443}" dt="2020-05-03T12:41:08.284" v="887" actId="478"/>
+          <ac:spMkLst>
+            <pc:docMk/>
+            <pc:sldMk cId="3175762071" sldId="300"/>
+            <ac:spMk id="42" creationId="{65842153-F3C2-49D7-AF2C-F80E3AD71F0C}"/>
+          </ac:spMkLst>
+        </pc:spChg>
+        <pc:spChg chg="add del">
+          <ac:chgData name="Laurent Prud'hon" userId="196f0b5afced95ca" providerId="LiveId" clId="{6A2CDABC-8349-4723-8A66-226940D71443}" dt="2020-05-03T12:41:16.470" v="890" actId="478"/>
+          <ac:spMkLst>
+            <pc:docMk/>
+            <pc:sldMk cId="3175762071" sldId="300"/>
+            <ac:spMk id="43" creationId="{A086364D-C138-4A60-B555-C1B4BFCD1908}"/>
+          </ac:spMkLst>
+        </pc:spChg>
+        <pc:spChg chg="del">
+          <ac:chgData name="Laurent Prud'hon" userId="196f0b5afced95ca" providerId="LiveId" clId="{6A2CDABC-8349-4723-8A66-226940D71443}" dt="2020-05-03T12:41:08.284" v="887" actId="478"/>
+          <ac:spMkLst>
+            <pc:docMk/>
+            <pc:sldMk cId="3175762071" sldId="300"/>
+            <ac:spMk id="44" creationId="{83758C72-248A-48D6-B1E7-2FEFF59E87D5}"/>
+          </ac:spMkLst>
+        </pc:spChg>
+        <pc:spChg chg="del">
+          <ac:chgData name="Laurent Prud'hon" userId="196f0b5afced95ca" providerId="LiveId" clId="{6A2CDABC-8349-4723-8A66-226940D71443}" dt="2020-05-03T12:40:15.161" v="834" actId="478"/>
+          <ac:spMkLst>
+            <pc:docMk/>
+            <pc:sldMk cId="3175762071" sldId="300"/>
+            <ac:spMk id="45" creationId="{F7C916B4-B292-453D-91D1-8AAF691152F1}"/>
+          </ac:spMkLst>
+        </pc:spChg>
+        <pc:spChg chg="del">
+          <ac:chgData name="Laurent Prud'hon" userId="196f0b5afced95ca" providerId="LiveId" clId="{6A2CDABC-8349-4723-8A66-226940D71443}" dt="2020-05-03T12:40:15.161" v="834" actId="478"/>
+          <ac:spMkLst>
+            <pc:docMk/>
+            <pc:sldMk cId="3175762071" sldId="300"/>
+            <ac:spMk id="46" creationId="{6CD58BBA-74FB-439C-BF66-E95D9D28CC8E}"/>
+          </ac:spMkLst>
+        </pc:spChg>
+        <pc:spChg chg="del">
+          <ac:chgData name="Laurent Prud'hon" userId="196f0b5afced95ca" providerId="LiveId" clId="{6A2CDABC-8349-4723-8A66-226940D71443}" dt="2020-05-03T12:41:00.318" v="884" actId="478"/>
+          <ac:spMkLst>
+            <pc:docMk/>
+            <pc:sldMk cId="3175762071" sldId="300"/>
+            <ac:spMk id="47" creationId="{60B80D33-9CBC-4FB4-A05C-FBBFDAA8D987}"/>
+          </ac:spMkLst>
+        </pc:spChg>
+        <pc:spChg chg="del">
+          <ac:chgData name="Laurent Prud'hon" userId="196f0b5afced95ca" providerId="LiveId" clId="{6A2CDABC-8349-4723-8A66-226940D71443}" dt="2020-05-03T12:41:00.318" v="884" actId="478"/>
+          <ac:spMkLst>
+            <pc:docMk/>
+            <pc:sldMk cId="3175762071" sldId="300"/>
+            <ac:spMk id="48" creationId="{D491A784-CF44-49F0-9BAC-48C85F244D4F}"/>
+          </ac:spMkLst>
+        </pc:spChg>
+        <pc:spChg chg="del">
+          <ac:chgData name="Laurent Prud'hon" userId="196f0b5afced95ca" providerId="LiveId" clId="{6A2CDABC-8349-4723-8A66-226940D71443}" dt="2020-05-03T12:40:15.161" v="834" actId="478"/>
+          <ac:spMkLst>
+            <pc:docMk/>
+            <pc:sldMk cId="3175762071" sldId="300"/>
+            <ac:spMk id="49" creationId="{03FCB79F-86E4-4A74-A115-723499C26565}"/>
+          </ac:spMkLst>
+        </pc:spChg>
+        <pc:spChg chg="del">
+          <ac:chgData name="Laurent Prud'hon" userId="196f0b5afced95ca" providerId="LiveId" clId="{6A2CDABC-8349-4723-8A66-226940D71443}" dt="2020-05-03T12:40:15.161" v="834" actId="478"/>
+          <ac:spMkLst>
+            <pc:docMk/>
+            <pc:sldMk cId="3175762071" sldId="300"/>
+            <ac:spMk id="50" creationId="{BBFE5784-B421-4399-A3BB-F505F39C9AC4}"/>
+          </ac:spMkLst>
+        </pc:spChg>
+        <pc:spChg chg="del">
+          <ac:chgData name="Laurent Prud'hon" userId="196f0b5afced95ca" providerId="LiveId" clId="{6A2CDABC-8349-4723-8A66-226940D71443}" dt="2020-05-03T12:41:00.318" v="884" actId="478"/>
+          <ac:spMkLst>
+            <pc:docMk/>
+            <pc:sldMk cId="3175762071" sldId="300"/>
+            <ac:spMk id="51" creationId="{7AA58228-650A-4A78-B615-4FA930EEA79B}"/>
+          </ac:spMkLst>
+        </pc:spChg>
+        <pc:spChg chg="del">
+          <ac:chgData name="Laurent Prud'hon" userId="196f0b5afced95ca" providerId="LiveId" clId="{6A2CDABC-8349-4723-8A66-226940D71443}" dt="2020-05-03T12:41:08.284" v="887" actId="478"/>
+          <ac:spMkLst>
+            <pc:docMk/>
+            <pc:sldMk cId="3175762071" sldId="300"/>
+            <ac:spMk id="52" creationId="{2BFA0EDC-049F-421A-9199-DDEE85A973BC}"/>
+          </ac:spMkLst>
+        </pc:spChg>
+        <pc:spChg chg="del">
+          <ac:chgData name="Laurent Prud'hon" userId="196f0b5afced95ca" providerId="LiveId" clId="{6A2CDABC-8349-4723-8A66-226940D71443}" dt="2020-05-03T12:40:15.161" v="834" actId="478"/>
+          <ac:spMkLst>
+            <pc:docMk/>
+            <pc:sldMk cId="3175762071" sldId="300"/>
+            <ac:spMk id="53" creationId="{55EC5FA2-CC67-4748-8F06-71BC9F211F30}"/>
+          </ac:spMkLst>
+        </pc:spChg>
+        <pc:spChg chg="del">
+          <ac:chgData name="Laurent Prud'hon" userId="196f0b5afced95ca" providerId="LiveId" clId="{6A2CDABC-8349-4723-8A66-226940D71443}" dt="2020-05-03T12:40:17.098" v="835" actId="478"/>
+          <ac:spMkLst>
+            <pc:docMk/>
+            <pc:sldMk cId="3175762071" sldId="300"/>
+            <ac:spMk id="54" creationId="{C6A53D9E-6054-4FD1-B6E8-49E070B30F57}"/>
+          </ac:spMkLst>
+        </pc:spChg>
+        <pc:spChg chg="del">
+          <ac:chgData name="Laurent Prud'hon" userId="196f0b5afced95ca" providerId="LiveId" clId="{6A2CDABC-8349-4723-8A66-226940D71443}" dt="2020-05-03T12:41:08.284" v="887" actId="478"/>
+          <ac:spMkLst>
+            <pc:docMk/>
+            <pc:sldMk cId="3175762071" sldId="300"/>
+            <ac:spMk id="55" creationId="{44278934-7321-420B-9116-790243EDCE5D}"/>
+          </ac:spMkLst>
+        </pc:spChg>
+        <pc:spChg chg="del">
+          <ac:chgData name="Laurent Prud'hon" userId="196f0b5afced95ca" providerId="LiveId" clId="{6A2CDABC-8349-4723-8A66-226940D71443}" dt="2020-05-03T12:41:00.318" v="884" actId="478"/>
+          <ac:spMkLst>
+            <pc:docMk/>
+            <pc:sldMk cId="3175762071" sldId="300"/>
+            <ac:spMk id="56" creationId="{B7F364EB-9CEB-4713-9E61-0A3B22C71819}"/>
+          </ac:spMkLst>
+        </pc:spChg>
+        <pc:spChg chg="del">
+          <ac:chgData name="Laurent Prud'hon" userId="196f0b5afced95ca" providerId="LiveId" clId="{6A2CDABC-8349-4723-8A66-226940D71443}" dt="2020-05-03T12:41:00.318" v="884" actId="478"/>
+          <ac:spMkLst>
+            <pc:docMk/>
+            <pc:sldMk cId="3175762071" sldId="300"/>
+            <ac:spMk id="57" creationId="{3DC48DC3-87BF-4152-92AC-24219274B8E3}"/>
+          </ac:spMkLst>
+        </pc:spChg>
+        <pc:spChg chg="del">
+          <ac:chgData name="Laurent Prud'hon" userId="196f0b5afced95ca" providerId="LiveId" clId="{6A2CDABC-8349-4723-8A66-226940D71443}" dt="2020-05-03T12:41:00.318" v="884" actId="478"/>
+          <ac:spMkLst>
+            <pc:docMk/>
+            <pc:sldMk cId="3175762071" sldId="300"/>
+            <ac:spMk id="58" creationId="{1C033620-EA12-4886-84BC-F1D129CF56CA}"/>
+          </ac:spMkLst>
+        </pc:spChg>
+        <pc:spChg chg="del">
+          <ac:chgData name="Laurent Prud'hon" userId="196f0b5afced95ca" providerId="LiveId" clId="{6A2CDABC-8349-4723-8A66-226940D71443}" dt="2020-05-03T12:41:00.318" v="884" actId="478"/>
+          <ac:spMkLst>
+            <pc:docMk/>
+            <pc:sldMk cId="3175762071" sldId="300"/>
+            <ac:spMk id="59" creationId="{0DF7F311-3BDD-493D-B7CA-70A5CE57CD3E}"/>
+          </ac:spMkLst>
+        </pc:spChg>
+        <pc:spChg chg="del">
+          <ac:chgData name="Laurent Prud'hon" userId="196f0b5afced95ca" providerId="LiveId" clId="{6A2CDABC-8349-4723-8A66-226940D71443}" dt="2020-05-03T12:41:00.318" v="884" actId="478"/>
+          <ac:spMkLst>
+            <pc:docMk/>
+            <pc:sldMk cId="3175762071" sldId="300"/>
+            <ac:spMk id="60" creationId="{8A7FC677-070E-46A9-8387-2775263EA2FE}"/>
+          </ac:spMkLst>
+        </pc:spChg>
+        <pc:spChg chg="del">
+          <ac:chgData name="Laurent Prud'hon" userId="196f0b5afced95ca" providerId="LiveId" clId="{6A2CDABC-8349-4723-8A66-226940D71443}" dt="2020-05-03T12:40:15.161" v="834" actId="478"/>
+          <ac:spMkLst>
+            <pc:docMk/>
+            <pc:sldMk cId="3175762071" sldId="300"/>
+            <ac:spMk id="61" creationId="{528A4300-6D6E-4B9E-9556-F7CEE223A7E7}"/>
+          </ac:spMkLst>
+        </pc:spChg>
+        <pc:spChg chg="mod">
+          <ac:chgData name="Laurent Prud'hon" userId="196f0b5afced95ca" providerId="LiveId" clId="{6A2CDABC-8349-4723-8A66-226940D71443}" dt="2020-05-03T12:41:43.185" v="898" actId="1076"/>
+          <ac:spMkLst>
+            <pc:docMk/>
+            <pc:sldMk cId="3175762071" sldId="300"/>
+            <ac:spMk id="65" creationId="{9666CCF6-2AC0-4016-A3ED-0991A532838E}"/>
+          </ac:spMkLst>
+        </pc:spChg>
+        <pc:picChg chg="add mod">
+          <ac:chgData name="Laurent Prud'hon" userId="196f0b5afced95ca" providerId="LiveId" clId="{6A2CDABC-8349-4723-8A66-226940D71443}" dt="2020-05-03T12:43:00.578" v="902" actId="1076"/>
+          <ac:picMkLst>
+            <pc:docMk/>
+            <pc:sldMk cId="3175762071" sldId="300"/>
+            <ac:picMk id="7" creationId="{21957864-2AA3-4A87-A5D4-008D1163FFD8}"/>
+          </ac:picMkLst>
+        </pc:picChg>
+        <pc:picChg chg="add mod">
+          <ac:chgData name="Laurent Prud'hon" userId="196f0b5afced95ca" providerId="LiveId" clId="{6A2CDABC-8349-4723-8A66-226940D71443}" dt="2020-05-03T12:58:10.706" v="908" actId="1076"/>
+          <ac:picMkLst>
+            <pc:docMk/>
+            <pc:sldMk cId="3175762071" sldId="300"/>
+            <ac:picMk id="11" creationId="{B80E3D9D-4420-43E9-BB10-17A0DA02AE3F}"/>
+          </ac:picMkLst>
+        </pc:picChg>
+        <pc:picChg chg="add del mod">
+          <ac:chgData name="Laurent Prud'hon" userId="196f0b5afced95ca" providerId="LiveId" clId="{6A2CDABC-8349-4723-8A66-226940D71443}" dt="2020-05-03T12:58:42.504" v="914"/>
+          <ac:picMkLst>
+            <pc:docMk/>
+            <pc:sldMk cId="3175762071" sldId="300"/>
+            <ac:picMk id="12" creationId="{9AA55E3C-D5F2-4323-BD4B-8AF1CCB69960}"/>
+          </ac:picMkLst>
+        </pc:picChg>
+        <pc:picChg chg="add mod">
+          <ac:chgData name="Laurent Prud'hon" userId="196f0b5afced95ca" providerId="LiveId" clId="{6A2CDABC-8349-4723-8A66-226940D71443}" dt="2020-05-03T12:59:04.282" v="916" actId="1076"/>
+          <ac:picMkLst>
+            <pc:docMk/>
+            <pc:sldMk cId="3175762071" sldId="300"/>
+            <ac:picMk id="13" creationId="{31E0A6F4-44AB-4623-B639-8EA19FB3C9D6}"/>
+          </ac:picMkLst>
+        </pc:picChg>
+        <pc:picChg chg="add mod">
+          <ac:chgData name="Laurent Prud'hon" userId="196f0b5afced95ca" providerId="LiveId" clId="{6A2CDABC-8349-4723-8A66-226940D71443}" dt="2020-05-03T13:00:29.509" v="921" actId="1076"/>
+          <ac:picMkLst>
+            <pc:docMk/>
+            <pc:sldMk cId="3175762071" sldId="300"/>
+            <ac:picMk id="14" creationId="{BF2E7A2B-EA73-4466-966C-C00144243BAD}"/>
+          </ac:picMkLst>
+        </pc:picChg>
+        <pc:picChg chg="mod">
+          <ac:chgData name="Laurent Prud'hon" userId="196f0b5afced95ca" providerId="LiveId" clId="{6A2CDABC-8349-4723-8A66-226940D71443}" dt="2020-05-03T12:41:33.014" v="896" actId="1076"/>
+          <ac:picMkLst>
+            <pc:docMk/>
+            <pc:sldMk cId="3175762071" sldId="300"/>
+            <ac:picMk id="63" creationId="{0D91B8BC-ECCD-49B3-B081-00DF01CA6529}"/>
+          </ac:picMkLst>
+        </pc:picChg>
+        <pc:picChg chg="add del mod">
+          <ac:chgData name="Laurent Prud'hon" userId="196f0b5afced95ca" providerId="LiveId" clId="{6A2CDABC-8349-4723-8A66-226940D71443}" dt="2020-05-03T12:41:36.043" v="897" actId="1076"/>
+          <ac:picMkLst>
+            <pc:docMk/>
+            <pc:sldMk cId="3175762071" sldId="300"/>
+            <ac:picMk id="64" creationId="{83004852-E90B-4527-9900-878262679800}"/>
+          </ac:picMkLst>
+        </pc:picChg>
       </pc:sldChg>
       <pc:sldChg chg="del">
         <pc:chgData name="Laurent Prud'hon" userId="196f0b5afced95ca" providerId="LiveId" clId="{6A2CDABC-8349-4723-8A66-226940D71443}" dt="2020-05-02T21:05:30.411" v="0" actId="47"/>
@@ -1735,6 +3126,13 @@
         <pc:sldMkLst>
           <pc:docMk/>
           <pc:sldMk cId="501614837" sldId="301"/>
+        </pc:sldMkLst>
+      </pc:sldChg>
+      <pc:sldChg chg="add del">
+        <pc:chgData name="Laurent Prud'hon" userId="196f0b5afced95ca" providerId="LiveId" clId="{6A2CDABC-8349-4723-8A66-226940D71443}" dt="2020-05-03T12:39:37.126" v="832"/>
+        <pc:sldMkLst>
+          <pc:docMk/>
+          <pc:sldMk cId="1268387940" sldId="301"/>
         </pc:sldMkLst>
       </pc:sldChg>
       <pc:sldChg chg="del">
@@ -3571,7 +4969,7 @@
           <a:p>
             <a:fld id="{57095F20-A69D-43E6-8B33-F742FF254E17}" type="datetimeFigureOut">
               <a:rPr lang="fr-FR" smtClean="0"/>
-              <a:t>02/05/2020</a:t>
+              <a:t>03/05/2020</a:t>
             </a:fld>
             <a:endParaRPr lang="fr-FR"/>
           </a:p>
@@ -3769,7 +5167,7 @@
           <a:p>
             <a:fld id="{57095F20-A69D-43E6-8B33-F742FF254E17}" type="datetimeFigureOut">
               <a:rPr lang="fr-FR" smtClean="0"/>
-              <a:t>02/05/2020</a:t>
+              <a:t>03/05/2020</a:t>
             </a:fld>
             <a:endParaRPr lang="fr-FR"/>
           </a:p>
@@ -3977,7 +5375,7 @@
           <a:p>
             <a:fld id="{57095F20-A69D-43E6-8B33-F742FF254E17}" type="datetimeFigureOut">
               <a:rPr lang="fr-FR" smtClean="0"/>
-              <a:t>02/05/2020</a:t>
+              <a:t>03/05/2020</a:t>
             </a:fld>
             <a:endParaRPr lang="fr-FR"/>
           </a:p>
@@ -4175,7 +5573,7 @@
           <a:p>
             <a:fld id="{57095F20-A69D-43E6-8B33-F742FF254E17}" type="datetimeFigureOut">
               <a:rPr lang="fr-FR" smtClean="0"/>
-              <a:t>02/05/2020</a:t>
+              <a:t>03/05/2020</a:t>
             </a:fld>
             <a:endParaRPr lang="fr-FR"/>
           </a:p>
@@ -4450,7 +5848,7 @@
           <a:p>
             <a:fld id="{57095F20-A69D-43E6-8B33-F742FF254E17}" type="datetimeFigureOut">
               <a:rPr lang="fr-FR" smtClean="0"/>
-              <a:t>02/05/2020</a:t>
+              <a:t>03/05/2020</a:t>
             </a:fld>
             <a:endParaRPr lang="fr-FR"/>
           </a:p>
@@ -4715,7 +6113,7 @@
           <a:p>
             <a:fld id="{57095F20-A69D-43E6-8B33-F742FF254E17}" type="datetimeFigureOut">
               <a:rPr lang="fr-FR" smtClean="0"/>
-              <a:t>02/05/2020</a:t>
+              <a:t>03/05/2020</a:t>
             </a:fld>
             <a:endParaRPr lang="fr-FR"/>
           </a:p>
@@ -5127,7 +6525,7 @@
           <a:p>
             <a:fld id="{57095F20-A69D-43E6-8B33-F742FF254E17}" type="datetimeFigureOut">
               <a:rPr lang="fr-FR" smtClean="0"/>
-              <a:t>02/05/2020</a:t>
+              <a:t>03/05/2020</a:t>
             </a:fld>
             <a:endParaRPr lang="fr-FR"/>
           </a:p>
@@ -5268,7 +6666,7 @@
           <a:p>
             <a:fld id="{57095F20-A69D-43E6-8B33-F742FF254E17}" type="datetimeFigureOut">
               <a:rPr lang="fr-FR" smtClean="0"/>
-              <a:t>02/05/2020</a:t>
+              <a:t>03/05/2020</a:t>
             </a:fld>
             <a:endParaRPr lang="fr-FR"/>
           </a:p>
@@ -5381,7 +6779,7 @@
           <a:p>
             <a:fld id="{57095F20-A69D-43E6-8B33-F742FF254E17}" type="datetimeFigureOut">
               <a:rPr lang="fr-FR" smtClean="0"/>
-              <a:t>02/05/2020</a:t>
+              <a:t>03/05/2020</a:t>
             </a:fld>
             <a:endParaRPr lang="fr-FR"/>
           </a:p>
@@ -5692,7 +7090,7 @@
           <a:p>
             <a:fld id="{57095F20-A69D-43E6-8B33-F742FF254E17}" type="datetimeFigureOut">
               <a:rPr lang="fr-FR" smtClean="0"/>
-              <a:t>02/05/2020</a:t>
+              <a:t>03/05/2020</a:t>
             </a:fld>
             <a:endParaRPr lang="fr-FR"/>
           </a:p>
@@ -5980,7 +7378,7 @@
           <a:p>
             <a:fld id="{57095F20-A69D-43E6-8B33-F742FF254E17}" type="datetimeFigureOut">
               <a:rPr lang="fr-FR" smtClean="0"/>
-              <a:t>02/05/2020</a:t>
+              <a:t>03/05/2020</a:t>
             </a:fld>
             <a:endParaRPr lang="fr-FR"/>
           </a:p>
@@ -6221,7 +7619,7 @@
           <a:p>
             <a:fld id="{57095F20-A69D-43E6-8B33-F742FF254E17}" type="datetimeFigureOut">
               <a:rPr lang="fr-FR" smtClean="0"/>
-              <a:t>02/05/2020</a:t>
+              <a:t>03/05/2020</a:t>
             </a:fld>
             <a:endParaRPr lang="fr-FR"/>
           </a:p>
@@ -8419,10 +9817,3799 @@
           </a:p>
         </p:txBody>
       </p:sp>
+      <p:sp>
+        <p:nvSpPr>
+          <p:cNvPr id="2" name="Rectangle 1">
+            <a:extLst>
+              <a:ext uri="{FF2B5EF4-FFF2-40B4-BE49-F238E27FC236}">
+                <a16:creationId xmlns:a16="http://schemas.microsoft.com/office/drawing/2014/main" id="{09DE4E0F-27AB-4622-9375-ADEADD0B0F45}"/>
+              </a:ext>
+            </a:extLst>
+          </p:cNvPr>
+          <p:cNvSpPr/>
+          <p:nvPr/>
+        </p:nvSpPr>
+        <p:spPr>
+          <a:xfrm>
+            <a:off x="1132514" y="1493239"/>
+            <a:ext cx="1342238" cy="584773"/>
+          </a:xfrm>
+          <a:prstGeom prst="rect">
+            <a:avLst/>
+          </a:prstGeom>
+        </p:spPr>
+        <p:style>
+          <a:lnRef idx="1">
+            <a:schemeClr val="accent3"/>
+          </a:lnRef>
+          <a:fillRef idx="2">
+            <a:schemeClr val="accent3"/>
+          </a:fillRef>
+          <a:effectRef idx="1">
+            <a:schemeClr val="accent3"/>
+          </a:effectRef>
+          <a:fontRef idx="minor">
+            <a:schemeClr val="dk1"/>
+          </a:fontRef>
+        </p:style>
+        <p:txBody>
+          <a:bodyPr rtlCol="0" anchor="ctr"/>
+          <a:lstStyle/>
+          <a:p>
+            <a:pPr algn="ctr"/>
+            <a:r>
+              <a:rPr lang="fr-FR" dirty="0"/>
+              <a:t>Répertoire</a:t>
+            </a:r>
+          </a:p>
+        </p:txBody>
+      </p:sp>
+      <p:sp>
+        <p:nvSpPr>
+          <p:cNvPr id="5" name="Rectangle 4">
+            <a:extLst>
+              <a:ext uri="{FF2B5EF4-FFF2-40B4-BE49-F238E27FC236}">
+                <a16:creationId xmlns:a16="http://schemas.microsoft.com/office/drawing/2014/main" id="{28275087-33E5-4EC8-AC10-A0427BFA2C0E}"/>
+              </a:ext>
+            </a:extLst>
+          </p:cNvPr>
+          <p:cNvSpPr/>
+          <p:nvPr/>
+        </p:nvSpPr>
+        <p:spPr>
+          <a:xfrm>
+            <a:off x="1132514" y="2173108"/>
+            <a:ext cx="1342238" cy="584773"/>
+          </a:xfrm>
+          <a:prstGeom prst="rect">
+            <a:avLst/>
+          </a:prstGeom>
+        </p:spPr>
+        <p:style>
+          <a:lnRef idx="1">
+            <a:schemeClr val="accent4"/>
+          </a:lnRef>
+          <a:fillRef idx="2">
+            <a:schemeClr val="accent4"/>
+          </a:fillRef>
+          <a:effectRef idx="1">
+            <a:schemeClr val="accent4"/>
+          </a:effectRef>
+          <a:fontRef idx="minor">
+            <a:schemeClr val="dk1"/>
+          </a:fontRef>
+        </p:style>
+        <p:txBody>
+          <a:bodyPr rtlCol="0" anchor="ctr"/>
+          <a:lstStyle/>
+          <a:p>
+            <a:pPr algn="ctr"/>
+            <a:r>
+              <a:rPr lang="fr-FR" dirty="0"/>
+              <a:t>Fichier</a:t>
+            </a:r>
+          </a:p>
+        </p:txBody>
+      </p:sp>
+      <p:sp>
+        <p:nvSpPr>
+          <p:cNvPr id="3" name="Flèche : pentagone 2">
+            <a:extLst>
+              <a:ext uri="{FF2B5EF4-FFF2-40B4-BE49-F238E27FC236}">
+                <a16:creationId xmlns:a16="http://schemas.microsoft.com/office/drawing/2014/main" id="{5BFA9EE3-763C-4DAC-A5F7-D7B6BDF020C6}"/>
+              </a:ext>
+            </a:extLst>
+          </p:cNvPr>
+          <p:cNvSpPr/>
+          <p:nvPr/>
+        </p:nvSpPr>
+        <p:spPr>
+          <a:xfrm>
+            <a:off x="2600587" y="1493240"/>
+            <a:ext cx="1493240" cy="1264641"/>
+          </a:xfrm>
+          <a:prstGeom prst="homePlate">
+            <a:avLst/>
+          </a:prstGeom>
+        </p:spPr>
+        <p:style>
+          <a:lnRef idx="2">
+            <a:schemeClr val="accent1">
+              <a:shade val="50000"/>
+            </a:schemeClr>
+          </a:lnRef>
+          <a:fillRef idx="1">
+            <a:schemeClr val="accent1"/>
+          </a:fillRef>
+          <a:effectRef idx="0">
+            <a:schemeClr val="accent1"/>
+          </a:effectRef>
+          <a:fontRef idx="minor">
+            <a:schemeClr val="lt1"/>
+          </a:fontRef>
+        </p:style>
+        <p:txBody>
+          <a:bodyPr rtlCol="0" anchor="ctr"/>
+          <a:lstStyle/>
+          <a:p>
+            <a:pPr algn="ctr"/>
+            <a:r>
+              <a:rPr lang="fr-FR" dirty="0" err="1"/>
+              <a:t>get_items</a:t>
+            </a:r>
+            <a:endParaRPr lang="fr-FR" dirty="0"/>
+          </a:p>
+        </p:txBody>
+      </p:sp>
+      <p:sp>
+        <p:nvSpPr>
+          <p:cNvPr id="7" name="Rectangle 6">
+            <a:extLst>
+              <a:ext uri="{FF2B5EF4-FFF2-40B4-BE49-F238E27FC236}">
+                <a16:creationId xmlns:a16="http://schemas.microsoft.com/office/drawing/2014/main" id="{68ABE567-CD9E-430B-B45D-F19F25B6CFB6}"/>
+              </a:ext>
+            </a:extLst>
+          </p:cNvPr>
+          <p:cNvSpPr/>
+          <p:nvPr/>
+        </p:nvSpPr>
+        <p:spPr>
+          <a:xfrm>
+            <a:off x="4219662" y="1493239"/>
+            <a:ext cx="1342238" cy="584775"/>
+          </a:xfrm>
+          <a:prstGeom prst="rect">
+            <a:avLst/>
+          </a:prstGeom>
+        </p:spPr>
+        <p:style>
+          <a:lnRef idx="1">
+            <a:schemeClr val="accent3"/>
+          </a:lnRef>
+          <a:fillRef idx="2">
+            <a:schemeClr val="accent3"/>
+          </a:fillRef>
+          <a:effectRef idx="1">
+            <a:schemeClr val="accent3"/>
+          </a:effectRef>
+          <a:fontRef idx="minor">
+            <a:schemeClr val="dk1"/>
+          </a:fontRef>
+        </p:style>
+        <p:txBody>
+          <a:bodyPr rtlCol="0" anchor="ctr"/>
+          <a:lstStyle/>
+          <a:p>
+            <a:pPr algn="ctr"/>
+            <a:r>
+              <a:rPr lang="fr-FR" dirty="0"/>
+              <a:t>Liste chemins</a:t>
+            </a:r>
+          </a:p>
+        </p:txBody>
+      </p:sp>
+      <p:sp>
+        <p:nvSpPr>
+          <p:cNvPr id="8" name="Rectangle 7">
+            <a:extLst>
+              <a:ext uri="{FF2B5EF4-FFF2-40B4-BE49-F238E27FC236}">
+                <a16:creationId xmlns:a16="http://schemas.microsoft.com/office/drawing/2014/main" id="{57086353-4DDC-40E8-B919-7631FE154E3F}"/>
+              </a:ext>
+            </a:extLst>
+          </p:cNvPr>
+          <p:cNvSpPr/>
+          <p:nvPr/>
+        </p:nvSpPr>
+        <p:spPr>
+          <a:xfrm>
+            <a:off x="4219662" y="2179398"/>
+            <a:ext cx="1342238" cy="584775"/>
+          </a:xfrm>
+          <a:prstGeom prst="rect">
+            <a:avLst/>
+          </a:prstGeom>
+        </p:spPr>
+        <p:style>
+          <a:lnRef idx="1">
+            <a:schemeClr val="accent4"/>
+          </a:lnRef>
+          <a:fillRef idx="2">
+            <a:schemeClr val="accent4"/>
+          </a:fillRef>
+          <a:effectRef idx="1">
+            <a:schemeClr val="accent4"/>
+          </a:effectRef>
+          <a:fontRef idx="minor">
+            <a:schemeClr val="dk1"/>
+          </a:fontRef>
+        </p:style>
+        <p:txBody>
+          <a:bodyPr rtlCol="0" anchor="ctr"/>
+          <a:lstStyle/>
+          <a:p>
+            <a:pPr algn="ctr"/>
+            <a:r>
+              <a:rPr lang="fr-FR" dirty="0"/>
+              <a:t>Lignes tableau</a:t>
+            </a:r>
+          </a:p>
+        </p:txBody>
+      </p:sp>
+      <p:sp>
+        <p:nvSpPr>
+          <p:cNvPr id="9" name="Flèche : pentagone 8">
+            <a:extLst>
+              <a:ext uri="{FF2B5EF4-FFF2-40B4-BE49-F238E27FC236}">
+                <a16:creationId xmlns:a16="http://schemas.microsoft.com/office/drawing/2014/main" id="{38A52406-8AA2-4D3A-BBDC-A9BEA210A669}"/>
+              </a:ext>
+            </a:extLst>
+          </p:cNvPr>
+          <p:cNvSpPr/>
+          <p:nvPr/>
+        </p:nvSpPr>
+        <p:spPr>
+          <a:xfrm>
+            <a:off x="6157224" y="1496180"/>
+            <a:ext cx="1493240" cy="584776"/>
+          </a:xfrm>
+          <a:prstGeom prst="homePlate">
+            <a:avLst/>
+          </a:prstGeom>
+        </p:spPr>
+        <p:style>
+          <a:lnRef idx="2">
+            <a:schemeClr val="accent1">
+              <a:shade val="50000"/>
+            </a:schemeClr>
+          </a:lnRef>
+          <a:fillRef idx="1">
+            <a:schemeClr val="accent1"/>
+          </a:fillRef>
+          <a:effectRef idx="0">
+            <a:schemeClr val="accent1"/>
+          </a:effectRef>
+          <a:fontRef idx="minor">
+            <a:schemeClr val="lt1"/>
+          </a:fontRef>
+        </p:style>
+        <p:txBody>
+          <a:bodyPr rtlCol="0" anchor="ctr"/>
+          <a:lstStyle/>
+          <a:p>
+            <a:pPr algn="ctr"/>
+            <a:r>
+              <a:rPr lang="fr-FR" dirty="0" err="1"/>
+              <a:t>get_x</a:t>
+            </a:r>
+            <a:endParaRPr lang="fr-FR" dirty="0"/>
+          </a:p>
+        </p:txBody>
+      </p:sp>
+      <p:sp>
+        <p:nvSpPr>
+          <p:cNvPr id="10" name="Flèche : pentagone 9">
+            <a:extLst>
+              <a:ext uri="{FF2B5EF4-FFF2-40B4-BE49-F238E27FC236}">
+                <a16:creationId xmlns:a16="http://schemas.microsoft.com/office/drawing/2014/main" id="{33AC128E-0E6C-43B9-A8EA-73B9BC3033BA}"/>
+              </a:ext>
+            </a:extLst>
+          </p:cNvPr>
+          <p:cNvSpPr/>
+          <p:nvPr/>
+        </p:nvSpPr>
+        <p:spPr>
+          <a:xfrm>
+            <a:off x="6146212" y="2182337"/>
+            <a:ext cx="1493240" cy="584776"/>
+          </a:xfrm>
+          <a:prstGeom prst="homePlate">
+            <a:avLst/>
+          </a:prstGeom>
+        </p:spPr>
+        <p:style>
+          <a:lnRef idx="2">
+            <a:schemeClr val="accent1">
+              <a:shade val="50000"/>
+            </a:schemeClr>
+          </a:lnRef>
+          <a:fillRef idx="1">
+            <a:schemeClr val="accent1"/>
+          </a:fillRef>
+          <a:effectRef idx="0">
+            <a:schemeClr val="accent1"/>
+          </a:effectRef>
+          <a:fontRef idx="minor">
+            <a:schemeClr val="lt1"/>
+          </a:fontRef>
+        </p:style>
+        <p:txBody>
+          <a:bodyPr rtlCol="0" anchor="ctr"/>
+          <a:lstStyle/>
+          <a:p>
+            <a:pPr algn="ctr"/>
+            <a:r>
+              <a:rPr lang="fr-FR" dirty="0" err="1"/>
+              <a:t>get_y</a:t>
+            </a:r>
+            <a:endParaRPr lang="fr-FR" dirty="0"/>
+          </a:p>
+        </p:txBody>
+      </p:sp>
+      <p:sp>
+        <p:nvSpPr>
+          <p:cNvPr id="11" name="Rectangle 10">
+            <a:extLst>
+              <a:ext uri="{FF2B5EF4-FFF2-40B4-BE49-F238E27FC236}">
+                <a16:creationId xmlns:a16="http://schemas.microsoft.com/office/drawing/2014/main" id="{ED9A6C2E-70B5-478E-8B7D-96578E83F05C}"/>
+              </a:ext>
+            </a:extLst>
+          </p:cNvPr>
+          <p:cNvSpPr/>
+          <p:nvPr/>
+        </p:nvSpPr>
+        <p:spPr>
+          <a:xfrm>
+            <a:off x="7776299" y="1496177"/>
+            <a:ext cx="1342238" cy="584775"/>
+          </a:xfrm>
+          <a:prstGeom prst="rect">
+            <a:avLst/>
+          </a:prstGeom>
+        </p:spPr>
+        <p:style>
+          <a:lnRef idx="1">
+            <a:schemeClr val="accent5"/>
+          </a:lnRef>
+          <a:fillRef idx="2">
+            <a:schemeClr val="accent5"/>
+          </a:fillRef>
+          <a:effectRef idx="1">
+            <a:schemeClr val="accent5"/>
+          </a:effectRef>
+          <a:fontRef idx="minor">
+            <a:schemeClr val="dk1"/>
+          </a:fontRef>
+        </p:style>
+        <p:txBody>
+          <a:bodyPr rtlCol="0" anchor="ctr"/>
+          <a:lstStyle/>
+          <a:p>
+            <a:pPr algn="ctr"/>
+            <a:r>
+              <a:rPr lang="fr-FR" dirty="0"/>
+              <a:t>Chemin</a:t>
+            </a:r>
+            <a:br>
+              <a:rPr lang="fr-FR" dirty="0"/>
+            </a:br>
+            <a:r>
+              <a:rPr lang="fr-FR" dirty="0"/>
+              <a:t>image</a:t>
+            </a:r>
+          </a:p>
+        </p:txBody>
+      </p:sp>
+      <p:sp>
+        <p:nvSpPr>
+          <p:cNvPr id="12" name="Rectangle 11">
+            <a:extLst>
+              <a:ext uri="{FF2B5EF4-FFF2-40B4-BE49-F238E27FC236}">
+                <a16:creationId xmlns:a16="http://schemas.microsoft.com/office/drawing/2014/main" id="{91B961BB-D9F2-4570-9962-D1622DCEA6EC}"/>
+              </a:ext>
+            </a:extLst>
+          </p:cNvPr>
+          <p:cNvSpPr/>
+          <p:nvPr/>
+        </p:nvSpPr>
+        <p:spPr>
+          <a:xfrm>
+            <a:off x="7765287" y="2182337"/>
+            <a:ext cx="1342238" cy="584775"/>
+          </a:xfrm>
+          <a:prstGeom prst="rect">
+            <a:avLst/>
+          </a:prstGeom>
+        </p:spPr>
+        <p:style>
+          <a:lnRef idx="1">
+            <a:schemeClr val="accent5"/>
+          </a:lnRef>
+          <a:fillRef idx="2">
+            <a:schemeClr val="accent5"/>
+          </a:fillRef>
+          <a:effectRef idx="1">
+            <a:schemeClr val="accent5"/>
+          </a:effectRef>
+          <a:fontRef idx="minor">
+            <a:schemeClr val="dk1"/>
+          </a:fontRef>
+        </p:style>
+        <p:txBody>
+          <a:bodyPr rtlCol="0" anchor="ctr"/>
+          <a:lstStyle/>
+          <a:p>
+            <a:pPr algn="ctr"/>
+            <a:r>
+              <a:rPr lang="fr-FR" dirty="0"/>
+              <a:t>Label </a:t>
+            </a:r>
+            <a:br>
+              <a:rPr lang="fr-FR" dirty="0"/>
+            </a:br>
+            <a:r>
+              <a:rPr lang="fr-FR" dirty="0"/>
+              <a:t>image</a:t>
+            </a:r>
+          </a:p>
+        </p:txBody>
+      </p:sp>
+      <p:sp>
+        <p:nvSpPr>
+          <p:cNvPr id="14" name="Flèche : pentagone 13">
+            <a:extLst>
+              <a:ext uri="{FF2B5EF4-FFF2-40B4-BE49-F238E27FC236}">
+                <a16:creationId xmlns:a16="http://schemas.microsoft.com/office/drawing/2014/main" id="{8A4365CC-2069-4503-8546-54B1F40A270D}"/>
+              </a:ext>
+            </a:extLst>
+          </p:cNvPr>
+          <p:cNvSpPr/>
+          <p:nvPr/>
+        </p:nvSpPr>
+        <p:spPr>
+          <a:xfrm>
+            <a:off x="9255383" y="1496177"/>
+            <a:ext cx="1691955" cy="584776"/>
+          </a:xfrm>
+          <a:prstGeom prst="homePlate">
+            <a:avLst/>
+          </a:prstGeom>
+        </p:spPr>
+        <p:style>
+          <a:lnRef idx="2">
+            <a:schemeClr val="accent1">
+              <a:shade val="50000"/>
+            </a:schemeClr>
+          </a:lnRef>
+          <a:fillRef idx="1">
+            <a:schemeClr val="accent1"/>
+          </a:fillRef>
+          <a:effectRef idx="0">
+            <a:schemeClr val="accent1"/>
+          </a:effectRef>
+          <a:fontRef idx="minor">
+            <a:schemeClr val="lt1"/>
+          </a:fontRef>
+        </p:style>
+        <p:txBody>
+          <a:bodyPr rtlCol="0" anchor="ctr"/>
+          <a:lstStyle/>
+          <a:p>
+            <a:pPr algn="ctr"/>
+            <a:r>
+              <a:rPr lang="fr-FR" dirty="0" err="1"/>
+              <a:t>ImageBlock</a:t>
+            </a:r>
+            <a:endParaRPr lang="fr-FR" dirty="0"/>
+          </a:p>
+        </p:txBody>
+      </p:sp>
+      <p:sp>
+        <p:nvSpPr>
+          <p:cNvPr id="16" name="Flèche : pentagone 15">
+            <a:extLst>
+              <a:ext uri="{FF2B5EF4-FFF2-40B4-BE49-F238E27FC236}">
+                <a16:creationId xmlns:a16="http://schemas.microsoft.com/office/drawing/2014/main" id="{BF5F2F09-7C4A-4510-A411-13A5AF199BA9}"/>
+              </a:ext>
+            </a:extLst>
+          </p:cNvPr>
+          <p:cNvSpPr/>
+          <p:nvPr/>
+        </p:nvSpPr>
+        <p:spPr>
+          <a:xfrm>
+            <a:off x="9244371" y="2182334"/>
+            <a:ext cx="1691955" cy="584776"/>
+          </a:xfrm>
+          <a:prstGeom prst="homePlate">
+            <a:avLst/>
+          </a:prstGeom>
+        </p:spPr>
+        <p:style>
+          <a:lnRef idx="2">
+            <a:schemeClr val="accent1">
+              <a:shade val="50000"/>
+            </a:schemeClr>
+          </a:lnRef>
+          <a:fillRef idx="1">
+            <a:schemeClr val="accent1"/>
+          </a:fillRef>
+          <a:effectRef idx="0">
+            <a:schemeClr val="accent1"/>
+          </a:effectRef>
+          <a:fontRef idx="minor">
+            <a:schemeClr val="lt1"/>
+          </a:fontRef>
+        </p:style>
+        <p:txBody>
+          <a:bodyPr rtlCol="0" anchor="ctr"/>
+          <a:lstStyle/>
+          <a:p>
+            <a:pPr algn="ctr"/>
+            <a:r>
+              <a:rPr lang="fr-FR" dirty="0" err="1"/>
+              <a:t>CategoryBlock</a:t>
+            </a:r>
+            <a:endParaRPr lang="fr-FR" dirty="0"/>
+          </a:p>
+        </p:txBody>
+      </p:sp>
+      <p:sp>
+        <p:nvSpPr>
+          <p:cNvPr id="6" name="Rectangle 5">
+            <a:extLst>
+              <a:ext uri="{FF2B5EF4-FFF2-40B4-BE49-F238E27FC236}">
+                <a16:creationId xmlns:a16="http://schemas.microsoft.com/office/drawing/2014/main" id="{A33231C7-5605-4DFA-9178-A586052F2549}"/>
+              </a:ext>
+            </a:extLst>
+          </p:cNvPr>
+          <p:cNvSpPr/>
+          <p:nvPr/>
+        </p:nvSpPr>
+        <p:spPr>
+          <a:xfrm>
+            <a:off x="9255383" y="1075986"/>
+            <a:ext cx="1691955" cy="318810"/>
+          </a:xfrm>
+          <a:prstGeom prst="rect">
+            <a:avLst/>
+          </a:prstGeom>
+        </p:spPr>
+        <p:style>
+          <a:lnRef idx="2">
+            <a:schemeClr val="accent1">
+              <a:shade val="50000"/>
+            </a:schemeClr>
+          </a:lnRef>
+          <a:fillRef idx="1">
+            <a:schemeClr val="accent1"/>
+          </a:fillRef>
+          <a:effectRef idx="0">
+            <a:schemeClr val="accent1"/>
+          </a:effectRef>
+          <a:fontRef idx="minor">
+            <a:schemeClr val="lt1"/>
+          </a:fontRef>
+        </p:style>
+        <p:txBody>
+          <a:bodyPr rtlCol="0" anchor="ctr"/>
+          <a:lstStyle/>
+          <a:p>
+            <a:pPr algn="ctr"/>
+            <a:r>
+              <a:rPr lang="fr-FR" dirty="0"/>
+              <a:t>blocks </a:t>
+            </a:r>
+          </a:p>
+        </p:txBody>
+      </p:sp>
+      <p:sp>
+        <p:nvSpPr>
+          <p:cNvPr id="17" name="Rectangle 16">
+            <a:extLst>
+              <a:ext uri="{FF2B5EF4-FFF2-40B4-BE49-F238E27FC236}">
+                <a16:creationId xmlns:a16="http://schemas.microsoft.com/office/drawing/2014/main" id="{B05C8B8A-4F9F-4105-8656-29A24C87FCBF}"/>
+              </a:ext>
+            </a:extLst>
+          </p:cNvPr>
+          <p:cNvSpPr/>
+          <p:nvPr/>
+        </p:nvSpPr>
+        <p:spPr>
+          <a:xfrm>
+            <a:off x="1132514" y="3515347"/>
+            <a:ext cx="1342238" cy="584773"/>
+          </a:xfrm>
+          <a:prstGeom prst="rect">
+            <a:avLst/>
+          </a:prstGeom>
+        </p:spPr>
+        <p:style>
+          <a:lnRef idx="1">
+            <a:schemeClr val="accent6"/>
+          </a:lnRef>
+          <a:fillRef idx="2">
+            <a:schemeClr val="accent6"/>
+          </a:fillRef>
+          <a:effectRef idx="1">
+            <a:schemeClr val="accent6"/>
+          </a:effectRef>
+          <a:fontRef idx="minor">
+            <a:schemeClr val="dk1"/>
+          </a:fontRef>
+        </p:style>
+        <p:txBody>
+          <a:bodyPr rtlCol="0" anchor="ctr"/>
+          <a:lstStyle/>
+          <a:p>
+            <a:pPr algn="ctr"/>
+            <a:r>
+              <a:rPr lang="fr-FR" dirty="0"/>
+              <a:t>Image</a:t>
+            </a:r>
+          </a:p>
+        </p:txBody>
+      </p:sp>
+      <p:sp>
+        <p:nvSpPr>
+          <p:cNvPr id="18" name="Rectangle 17">
+            <a:extLst>
+              <a:ext uri="{FF2B5EF4-FFF2-40B4-BE49-F238E27FC236}">
+                <a16:creationId xmlns:a16="http://schemas.microsoft.com/office/drawing/2014/main" id="{98984CEF-A888-4CC7-90FB-7F6F26D91EF7}"/>
+              </a:ext>
+            </a:extLst>
+          </p:cNvPr>
+          <p:cNvSpPr/>
+          <p:nvPr/>
+        </p:nvSpPr>
+        <p:spPr>
+          <a:xfrm>
+            <a:off x="1132514" y="4195216"/>
+            <a:ext cx="1342238" cy="584773"/>
+          </a:xfrm>
+          <a:prstGeom prst="rect">
+            <a:avLst/>
+          </a:prstGeom>
+        </p:spPr>
+        <p:style>
+          <a:lnRef idx="1">
+            <a:schemeClr val="accent6"/>
+          </a:lnRef>
+          <a:fillRef idx="2">
+            <a:schemeClr val="accent6"/>
+          </a:fillRef>
+          <a:effectRef idx="1">
+            <a:schemeClr val="accent6"/>
+          </a:effectRef>
+          <a:fontRef idx="minor">
+            <a:schemeClr val="dk1"/>
+          </a:fontRef>
+        </p:style>
+        <p:txBody>
+          <a:bodyPr rtlCol="0" anchor="ctr"/>
+          <a:lstStyle/>
+          <a:p>
+            <a:pPr algn="ctr"/>
+            <a:r>
+              <a:rPr lang="fr-FR" dirty="0"/>
+              <a:t>Numéro catégorie</a:t>
+            </a:r>
+          </a:p>
+        </p:txBody>
+      </p:sp>
+      <p:sp>
+        <p:nvSpPr>
+          <p:cNvPr id="19" name="Flèche : pentagone 18">
+            <a:extLst>
+              <a:ext uri="{FF2B5EF4-FFF2-40B4-BE49-F238E27FC236}">
+                <a16:creationId xmlns:a16="http://schemas.microsoft.com/office/drawing/2014/main" id="{673C332E-DB89-4DC4-8B63-4D5CF495F565}"/>
+              </a:ext>
+            </a:extLst>
+          </p:cNvPr>
+          <p:cNvSpPr/>
+          <p:nvPr/>
+        </p:nvSpPr>
+        <p:spPr>
+          <a:xfrm>
+            <a:off x="2600587" y="3515348"/>
+            <a:ext cx="1493240" cy="1264641"/>
+          </a:xfrm>
+          <a:prstGeom prst="homePlate">
+            <a:avLst/>
+          </a:prstGeom>
+        </p:spPr>
+        <p:style>
+          <a:lnRef idx="2">
+            <a:schemeClr val="accent1">
+              <a:shade val="50000"/>
+            </a:schemeClr>
+          </a:lnRef>
+          <a:fillRef idx="1">
+            <a:schemeClr val="accent1"/>
+          </a:fillRef>
+          <a:effectRef idx="0">
+            <a:schemeClr val="accent1"/>
+          </a:effectRef>
+          <a:fontRef idx="minor">
+            <a:schemeClr val="lt1"/>
+          </a:fontRef>
+        </p:style>
+        <p:txBody>
+          <a:bodyPr rtlCol="0" anchor="ctr"/>
+          <a:lstStyle/>
+          <a:p>
+            <a:pPr algn="ctr"/>
+            <a:r>
+              <a:rPr lang="fr-FR" sz="1600" dirty="0" err="1"/>
+              <a:t>item_tfms</a:t>
+            </a:r>
+            <a:endParaRPr lang="fr-FR" sz="1600" dirty="0"/>
+          </a:p>
+        </p:txBody>
+      </p:sp>
+      <p:sp>
+        <p:nvSpPr>
+          <p:cNvPr id="20" name="Rectangle 19">
+            <a:extLst>
+              <a:ext uri="{FF2B5EF4-FFF2-40B4-BE49-F238E27FC236}">
+                <a16:creationId xmlns:a16="http://schemas.microsoft.com/office/drawing/2014/main" id="{2ED61985-0DFB-4C1A-AE56-D804F8947C1C}"/>
+              </a:ext>
+            </a:extLst>
+          </p:cNvPr>
+          <p:cNvSpPr/>
+          <p:nvPr/>
+        </p:nvSpPr>
+        <p:spPr>
+          <a:xfrm rot="16200000">
+            <a:off x="5208365" y="1966154"/>
+            <a:ext cx="1277228" cy="318810"/>
+          </a:xfrm>
+          <a:prstGeom prst="rect">
+            <a:avLst/>
+          </a:prstGeom>
+        </p:spPr>
+        <p:style>
+          <a:lnRef idx="2">
+            <a:schemeClr val="accent1">
+              <a:shade val="50000"/>
+            </a:schemeClr>
+          </a:lnRef>
+          <a:fillRef idx="1">
+            <a:schemeClr val="accent1"/>
+          </a:fillRef>
+          <a:effectRef idx="0">
+            <a:schemeClr val="accent1"/>
+          </a:effectRef>
+          <a:fontRef idx="minor">
+            <a:schemeClr val="lt1"/>
+          </a:fontRef>
+        </p:style>
+        <p:txBody>
+          <a:bodyPr rtlCol="0" anchor="ctr"/>
+          <a:lstStyle/>
+          <a:p>
+            <a:pPr algn="ctr"/>
+            <a:r>
+              <a:rPr lang="fr-FR" dirty="0" err="1"/>
+              <a:t>iterator</a:t>
+            </a:r>
+            <a:endParaRPr lang="fr-FR" dirty="0"/>
+          </a:p>
+        </p:txBody>
+      </p:sp>
+      <p:sp>
+        <p:nvSpPr>
+          <p:cNvPr id="21" name="Rectangle 20">
+            <a:extLst>
+              <a:ext uri="{FF2B5EF4-FFF2-40B4-BE49-F238E27FC236}">
+                <a16:creationId xmlns:a16="http://schemas.microsoft.com/office/drawing/2014/main" id="{CAB60D93-A75E-4B29-90F8-A1A532319A17}"/>
+              </a:ext>
+            </a:extLst>
+          </p:cNvPr>
+          <p:cNvSpPr/>
+          <p:nvPr/>
+        </p:nvSpPr>
+        <p:spPr>
+          <a:xfrm>
+            <a:off x="4219662" y="3509055"/>
+            <a:ext cx="1342238" cy="584773"/>
+          </a:xfrm>
+          <a:prstGeom prst="rect">
+            <a:avLst/>
+          </a:prstGeom>
+        </p:spPr>
+        <p:style>
+          <a:lnRef idx="1">
+            <a:schemeClr val="accent6"/>
+          </a:lnRef>
+          <a:fillRef idx="2">
+            <a:schemeClr val="accent6"/>
+          </a:fillRef>
+          <a:effectRef idx="1">
+            <a:schemeClr val="accent6"/>
+          </a:effectRef>
+          <a:fontRef idx="minor">
+            <a:schemeClr val="dk1"/>
+          </a:fontRef>
+        </p:style>
+        <p:txBody>
+          <a:bodyPr rtlCol="0" anchor="ctr"/>
+          <a:lstStyle/>
+          <a:p>
+            <a:pPr algn="ctr"/>
+            <a:r>
+              <a:rPr lang="fr-FR" dirty="0"/>
+              <a:t>Image</a:t>
+            </a:r>
+          </a:p>
+          <a:p>
+            <a:pPr algn="ctr"/>
+            <a:r>
+              <a:rPr lang="fr-FR" sz="1200" dirty="0">
+                <a:highlight>
+                  <a:srgbClr val="FFFF00"/>
+                </a:highlight>
+              </a:rPr>
+              <a:t>redimensionnée</a:t>
+            </a:r>
+          </a:p>
+        </p:txBody>
+      </p:sp>
+      <p:sp>
+        <p:nvSpPr>
+          <p:cNvPr id="22" name="Rectangle 21">
+            <a:extLst>
+              <a:ext uri="{FF2B5EF4-FFF2-40B4-BE49-F238E27FC236}">
+                <a16:creationId xmlns:a16="http://schemas.microsoft.com/office/drawing/2014/main" id="{FCAED305-6522-4517-A3E5-17438AD7282C}"/>
+              </a:ext>
+            </a:extLst>
+          </p:cNvPr>
+          <p:cNvSpPr/>
+          <p:nvPr/>
+        </p:nvSpPr>
+        <p:spPr>
+          <a:xfrm>
+            <a:off x="4219662" y="4188924"/>
+            <a:ext cx="1342238" cy="584773"/>
+          </a:xfrm>
+          <a:prstGeom prst="rect">
+            <a:avLst/>
+          </a:prstGeom>
+        </p:spPr>
+        <p:style>
+          <a:lnRef idx="1">
+            <a:schemeClr val="accent6"/>
+          </a:lnRef>
+          <a:fillRef idx="2">
+            <a:schemeClr val="accent6"/>
+          </a:fillRef>
+          <a:effectRef idx="1">
+            <a:schemeClr val="accent6"/>
+          </a:effectRef>
+          <a:fontRef idx="minor">
+            <a:schemeClr val="dk1"/>
+          </a:fontRef>
+        </p:style>
+        <p:txBody>
+          <a:bodyPr rtlCol="0" anchor="ctr"/>
+          <a:lstStyle/>
+          <a:p>
+            <a:pPr algn="ctr"/>
+            <a:r>
+              <a:rPr lang="fr-FR" dirty="0"/>
+              <a:t>Numéro catégorie</a:t>
+            </a:r>
+          </a:p>
+        </p:txBody>
+      </p:sp>
+      <p:sp>
+        <p:nvSpPr>
+          <p:cNvPr id="23" name="Rectangle 22">
+            <a:extLst>
+              <a:ext uri="{FF2B5EF4-FFF2-40B4-BE49-F238E27FC236}">
+                <a16:creationId xmlns:a16="http://schemas.microsoft.com/office/drawing/2014/main" id="{D78A0835-1A66-4878-8370-8AAEC4E96985}"/>
+              </a:ext>
+            </a:extLst>
+          </p:cNvPr>
+          <p:cNvSpPr/>
+          <p:nvPr/>
+        </p:nvSpPr>
+        <p:spPr>
+          <a:xfrm>
+            <a:off x="3141902" y="5343625"/>
+            <a:ext cx="2419998" cy="318810"/>
+          </a:xfrm>
+          <a:prstGeom prst="rect">
+            <a:avLst/>
+          </a:prstGeom>
+        </p:spPr>
+        <p:style>
+          <a:lnRef idx="2">
+            <a:schemeClr val="accent1">
+              <a:shade val="50000"/>
+            </a:schemeClr>
+          </a:lnRef>
+          <a:fillRef idx="1">
+            <a:schemeClr val="accent1"/>
+          </a:fillRef>
+          <a:effectRef idx="0">
+            <a:schemeClr val="accent1"/>
+          </a:effectRef>
+          <a:fontRef idx="minor">
+            <a:schemeClr val="lt1"/>
+          </a:fontRef>
+        </p:style>
+        <p:txBody>
+          <a:bodyPr rtlCol="0" anchor="ctr"/>
+          <a:lstStyle/>
+          <a:p>
+            <a:pPr algn="ctr"/>
+            <a:r>
+              <a:rPr lang="fr-FR" dirty="0"/>
+              <a:t>split</a:t>
+            </a:r>
+          </a:p>
+        </p:txBody>
+      </p:sp>
+      <p:sp>
+        <p:nvSpPr>
+          <p:cNvPr id="24" name="Rectangle 23">
+            <a:extLst>
+              <a:ext uri="{FF2B5EF4-FFF2-40B4-BE49-F238E27FC236}">
+                <a16:creationId xmlns:a16="http://schemas.microsoft.com/office/drawing/2014/main" id="{A659A022-FA7E-4734-A723-0A01ECCD8BF9}"/>
+              </a:ext>
+            </a:extLst>
+          </p:cNvPr>
+          <p:cNvSpPr/>
+          <p:nvPr/>
+        </p:nvSpPr>
+        <p:spPr>
+          <a:xfrm>
+            <a:off x="3141902" y="5825659"/>
+            <a:ext cx="1107347" cy="522933"/>
+          </a:xfrm>
+          <a:prstGeom prst="rect">
+            <a:avLst/>
+          </a:prstGeom>
+        </p:spPr>
+        <p:style>
+          <a:lnRef idx="1">
+            <a:schemeClr val="accent2"/>
+          </a:lnRef>
+          <a:fillRef idx="2">
+            <a:schemeClr val="accent2"/>
+          </a:fillRef>
+          <a:effectRef idx="1">
+            <a:schemeClr val="accent2"/>
+          </a:effectRef>
+          <a:fontRef idx="minor">
+            <a:schemeClr val="dk1"/>
+          </a:fontRef>
+        </p:style>
+        <p:txBody>
+          <a:bodyPr rtlCol="0" anchor="ctr"/>
+          <a:lstStyle/>
+          <a:p>
+            <a:pPr algn="ctr"/>
+            <a:r>
+              <a:rPr lang="fr-FR" dirty="0"/>
+              <a:t>Indices train</a:t>
+            </a:r>
+          </a:p>
+        </p:txBody>
+      </p:sp>
+      <p:sp>
+        <p:nvSpPr>
+          <p:cNvPr id="26" name="Rectangle 25">
+            <a:extLst>
+              <a:ext uri="{FF2B5EF4-FFF2-40B4-BE49-F238E27FC236}">
+                <a16:creationId xmlns:a16="http://schemas.microsoft.com/office/drawing/2014/main" id="{136E752E-D81B-4E21-86C1-36CE01852EEB}"/>
+              </a:ext>
+            </a:extLst>
+          </p:cNvPr>
+          <p:cNvSpPr/>
+          <p:nvPr/>
+        </p:nvSpPr>
+        <p:spPr>
+          <a:xfrm>
+            <a:off x="4454553" y="5825658"/>
+            <a:ext cx="1107347" cy="522933"/>
+          </a:xfrm>
+          <a:prstGeom prst="rect">
+            <a:avLst/>
+          </a:prstGeom>
+        </p:spPr>
+        <p:style>
+          <a:lnRef idx="1">
+            <a:schemeClr val="accent2"/>
+          </a:lnRef>
+          <a:fillRef idx="2">
+            <a:schemeClr val="accent2"/>
+          </a:fillRef>
+          <a:effectRef idx="1">
+            <a:schemeClr val="accent2"/>
+          </a:effectRef>
+          <a:fontRef idx="minor">
+            <a:schemeClr val="dk1"/>
+          </a:fontRef>
+        </p:style>
+        <p:txBody>
+          <a:bodyPr rtlCol="0" anchor="ctr"/>
+          <a:lstStyle/>
+          <a:p>
+            <a:pPr algn="ctr"/>
+            <a:r>
+              <a:rPr lang="fr-FR" dirty="0"/>
+              <a:t>Indices </a:t>
+            </a:r>
+            <a:r>
+              <a:rPr lang="fr-FR" dirty="0" err="1"/>
+              <a:t>valid</a:t>
+            </a:r>
+            <a:endParaRPr lang="fr-FR" dirty="0"/>
+          </a:p>
+        </p:txBody>
+      </p:sp>
+      <p:sp>
+        <p:nvSpPr>
+          <p:cNvPr id="27" name="Rectangle 26">
+            <a:extLst>
+              <a:ext uri="{FF2B5EF4-FFF2-40B4-BE49-F238E27FC236}">
+                <a16:creationId xmlns:a16="http://schemas.microsoft.com/office/drawing/2014/main" id="{B42FB335-9D7B-4114-9D00-B057A4DDBBF3}"/>
+              </a:ext>
+            </a:extLst>
+          </p:cNvPr>
+          <p:cNvSpPr/>
+          <p:nvPr/>
+        </p:nvSpPr>
+        <p:spPr>
+          <a:xfrm rot="16200000">
+            <a:off x="5208365" y="3988263"/>
+            <a:ext cx="1277228" cy="318810"/>
+          </a:xfrm>
+          <a:prstGeom prst="rect">
+            <a:avLst/>
+          </a:prstGeom>
+        </p:spPr>
+        <p:style>
+          <a:lnRef idx="2">
+            <a:schemeClr val="accent1">
+              <a:shade val="50000"/>
+            </a:schemeClr>
+          </a:lnRef>
+          <a:fillRef idx="1">
+            <a:schemeClr val="accent1"/>
+          </a:fillRef>
+          <a:effectRef idx="0">
+            <a:schemeClr val="accent1"/>
+          </a:effectRef>
+          <a:fontRef idx="minor">
+            <a:schemeClr val="lt1"/>
+          </a:fontRef>
+        </p:style>
+        <p:txBody>
+          <a:bodyPr rtlCol="0" anchor="ctr"/>
+          <a:lstStyle/>
+          <a:p>
+            <a:pPr algn="ctr"/>
+            <a:r>
+              <a:rPr lang="fr-FR" dirty="0"/>
+              <a:t>batch</a:t>
+            </a:r>
+          </a:p>
+        </p:txBody>
+      </p:sp>
+      <p:sp>
+        <p:nvSpPr>
+          <p:cNvPr id="29" name="Flèche : pentagone 28">
+            <a:extLst>
+              <a:ext uri="{FF2B5EF4-FFF2-40B4-BE49-F238E27FC236}">
+                <a16:creationId xmlns:a16="http://schemas.microsoft.com/office/drawing/2014/main" id="{94BEFF6D-9866-474B-8BCE-25FB6FE0F18D}"/>
+              </a:ext>
+            </a:extLst>
+          </p:cNvPr>
+          <p:cNvSpPr/>
+          <p:nvPr/>
+        </p:nvSpPr>
+        <p:spPr>
+          <a:xfrm>
+            <a:off x="6157224" y="3509053"/>
+            <a:ext cx="1493240" cy="1264641"/>
+          </a:xfrm>
+          <a:prstGeom prst="homePlate">
+            <a:avLst/>
+          </a:prstGeom>
+        </p:spPr>
+        <p:style>
+          <a:lnRef idx="2">
+            <a:schemeClr val="accent1">
+              <a:shade val="50000"/>
+            </a:schemeClr>
+          </a:lnRef>
+          <a:fillRef idx="1">
+            <a:schemeClr val="accent1"/>
+          </a:fillRef>
+          <a:effectRef idx="0">
+            <a:schemeClr val="accent1"/>
+          </a:effectRef>
+          <a:fontRef idx="minor">
+            <a:schemeClr val="lt1"/>
+          </a:fontRef>
+        </p:style>
+        <p:txBody>
+          <a:bodyPr rtlCol="0" anchor="ctr"/>
+          <a:lstStyle/>
+          <a:p>
+            <a:pPr algn="ctr"/>
+            <a:r>
+              <a:rPr lang="fr-FR" sz="1600" dirty="0" err="1"/>
+              <a:t>batch_tfms</a:t>
+            </a:r>
+            <a:endParaRPr lang="fr-FR" sz="1600" dirty="0"/>
+          </a:p>
+        </p:txBody>
+      </p:sp>
+      <p:sp>
+        <p:nvSpPr>
+          <p:cNvPr id="30" name="ZoneTexte 29">
+            <a:extLst>
+              <a:ext uri="{FF2B5EF4-FFF2-40B4-BE49-F238E27FC236}">
+                <a16:creationId xmlns:a16="http://schemas.microsoft.com/office/drawing/2014/main" id="{6F481CE2-E508-4F8E-8840-BD05BDB7CEFE}"/>
+              </a:ext>
+            </a:extLst>
+          </p:cNvPr>
+          <p:cNvSpPr txBox="1"/>
+          <p:nvPr/>
+        </p:nvSpPr>
+        <p:spPr>
+          <a:xfrm>
+            <a:off x="1098600" y="4857586"/>
+            <a:ext cx="1410066" cy="338554"/>
+          </a:xfrm>
+          <a:prstGeom prst="rect">
+            <a:avLst/>
+          </a:prstGeom>
+          <a:noFill/>
+        </p:spPr>
+        <p:txBody>
+          <a:bodyPr wrap="none" rtlCol="0">
+            <a:spAutoFit/>
+          </a:bodyPr>
+          <a:lstStyle/>
+          <a:p>
+            <a:r>
+              <a:rPr lang="fr-FR" sz="1600" b="1" dirty="0">
+                <a:solidFill>
+                  <a:schemeClr val="accent6">
+                    <a:lumMod val="75000"/>
+                  </a:schemeClr>
+                </a:solidFill>
+              </a:rPr>
+              <a:t>tensor (1) CPU</a:t>
+            </a:r>
+          </a:p>
+        </p:txBody>
+      </p:sp>
+      <p:sp>
+        <p:nvSpPr>
+          <p:cNvPr id="33" name="Rectangle 32">
+            <a:extLst>
+              <a:ext uri="{FF2B5EF4-FFF2-40B4-BE49-F238E27FC236}">
+                <a16:creationId xmlns:a16="http://schemas.microsoft.com/office/drawing/2014/main" id="{10148B36-C604-46DA-B940-4BA1AC93559F}"/>
+              </a:ext>
+            </a:extLst>
+          </p:cNvPr>
+          <p:cNvSpPr/>
+          <p:nvPr/>
+        </p:nvSpPr>
+        <p:spPr>
+          <a:xfrm>
+            <a:off x="7776299" y="3506116"/>
+            <a:ext cx="3389448" cy="584773"/>
+          </a:xfrm>
+          <a:prstGeom prst="rect">
+            <a:avLst/>
+          </a:prstGeom>
+        </p:spPr>
+        <p:style>
+          <a:lnRef idx="1">
+            <a:schemeClr val="accent6"/>
+          </a:lnRef>
+          <a:fillRef idx="2">
+            <a:schemeClr val="accent6"/>
+          </a:fillRef>
+          <a:effectRef idx="1">
+            <a:schemeClr val="accent6"/>
+          </a:effectRef>
+          <a:fontRef idx="minor">
+            <a:schemeClr val="dk1"/>
+          </a:fontRef>
+        </p:style>
+        <p:txBody>
+          <a:bodyPr rtlCol="0" anchor="ctr"/>
+          <a:lstStyle/>
+          <a:p>
+            <a:pPr algn="ctr"/>
+            <a:r>
+              <a:rPr lang="fr-FR" dirty="0"/>
+              <a:t>Images</a:t>
+            </a:r>
+          </a:p>
+          <a:p>
+            <a:pPr algn="ctr"/>
+            <a:r>
+              <a:rPr lang="fr-FR" sz="1200" dirty="0">
+                <a:highlight>
+                  <a:srgbClr val="FFFF00"/>
+                </a:highlight>
+              </a:rPr>
+              <a:t>augmentées</a:t>
+            </a:r>
+          </a:p>
+        </p:txBody>
+      </p:sp>
+      <p:sp>
+        <p:nvSpPr>
+          <p:cNvPr id="34" name="Rectangle 33">
+            <a:extLst>
+              <a:ext uri="{FF2B5EF4-FFF2-40B4-BE49-F238E27FC236}">
+                <a16:creationId xmlns:a16="http://schemas.microsoft.com/office/drawing/2014/main" id="{B1939095-DAD3-47D8-A4BC-DDB89E820C57}"/>
+              </a:ext>
+            </a:extLst>
+          </p:cNvPr>
+          <p:cNvSpPr/>
+          <p:nvPr/>
+        </p:nvSpPr>
+        <p:spPr>
+          <a:xfrm>
+            <a:off x="7776299" y="4185985"/>
+            <a:ext cx="3389448" cy="584773"/>
+          </a:xfrm>
+          <a:prstGeom prst="rect">
+            <a:avLst/>
+          </a:prstGeom>
+        </p:spPr>
+        <p:style>
+          <a:lnRef idx="1">
+            <a:schemeClr val="accent6"/>
+          </a:lnRef>
+          <a:fillRef idx="2">
+            <a:schemeClr val="accent6"/>
+          </a:fillRef>
+          <a:effectRef idx="1">
+            <a:schemeClr val="accent6"/>
+          </a:effectRef>
+          <a:fontRef idx="minor">
+            <a:schemeClr val="dk1"/>
+          </a:fontRef>
+        </p:style>
+        <p:txBody>
+          <a:bodyPr rtlCol="0" anchor="ctr"/>
+          <a:lstStyle/>
+          <a:p>
+            <a:pPr algn="ctr"/>
+            <a:r>
+              <a:rPr lang="fr-FR" dirty="0"/>
+              <a:t>Numéros catégories</a:t>
+            </a:r>
+          </a:p>
+        </p:txBody>
+      </p:sp>
+      <p:sp>
+        <p:nvSpPr>
+          <p:cNvPr id="35" name="ZoneTexte 34">
+            <a:extLst>
+              <a:ext uri="{FF2B5EF4-FFF2-40B4-BE49-F238E27FC236}">
+                <a16:creationId xmlns:a16="http://schemas.microsoft.com/office/drawing/2014/main" id="{B5E1746E-D4E3-4709-A325-B0857B5B6CBB}"/>
+              </a:ext>
+            </a:extLst>
+          </p:cNvPr>
+          <p:cNvSpPr txBox="1"/>
+          <p:nvPr/>
+        </p:nvSpPr>
+        <p:spPr>
+          <a:xfrm>
+            <a:off x="4181800" y="4823163"/>
+            <a:ext cx="1410066" cy="338554"/>
+          </a:xfrm>
+          <a:prstGeom prst="rect">
+            <a:avLst/>
+          </a:prstGeom>
+          <a:noFill/>
+        </p:spPr>
+        <p:txBody>
+          <a:bodyPr wrap="none" rtlCol="0">
+            <a:spAutoFit/>
+          </a:bodyPr>
+          <a:lstStyle/>
+          <a:p>
+            <a:r>
+              <a:rPr lang="fr-FR" sz="1600" b="1" dirty="0">
+                <a:solidFill>
+                  <a:schemeClr val="accent6">
+                    <a:lumMod val="75000"/>
+                  </a:schemeClr>
+                </a:solidFill>
+              </a:rPr>
+              <a:t>tensor (1) CPU</a:t>
+            </a:r>
+          </a:p>
+        </p:txBody>
+      </p:sp>
+      <p:sp>
+        <p:nvSpPr>
+          <p:cNvPr id="36" name="ZoneTexte 35">
+            <a:extLst>
+              <a:ext uri="{FF2B5EF4-FFF2-40B4-BE49-F238E27FC236}">
+                <a16:creationId xmlns:a16="http://schemas.microsoft.com/office/drawing/2014/main" id="{26A25798-FE5F-41D8-9298-8C4E24446356}"/>
+              </a:ext>
+            </a:extLst>
+          </p:cNvPr>
+          <p:cNvSpPr txBox="1"/>
+          <p:nvPr/>
+        </p:nvSpPr>
+        <p:spPr>
+          <a:xfrm>
+            <a:off x="8362225" y="4853499"/>
+            <a:ext cx="2217595" cy="338554"/>
+          </a:xfrm>
+          <a:prstGeom prst="rect">
+            <a:avLst/>
+          </a:prstGeom>
+          <a:noFill/>
+        </p:spPr>
+        <p:txBody>
+          <a:bodyPr wrap="none" rtlCol="0">
+            <a:spAutoFit/>
+          </a:bodyPr>
+          <a:lstStyle/>
+          <a:p>
+            <a:r>
+              <a:rPr lang="fr-FR" sz="1600" b="1" dirty="0">
+                <a:solidFill>
+                  <a:schemeClr val="accent6">
+                    <a:lumMod val="75000"/>
+                  </a:schemeClr>
+                </a:solidFill>
+              </a:rPr>
+              <a:t>tensor (</a:t>
+            </a:r>
+            <a:r>
+              <a:rPr lang="fr-FR" sz="1600" b="1" dirty="0" err="1">
+                <a:solidFill>
+                  <a:schemeClr val="accent6">
+                    <a:lumMod val="75000"/>
+                  </a:schemeClr>
+                </a:solidFill>
+              </a:rPr>
+              <a:t>batch_size</a:t>
+            </a:r>
+            <a:r>
+              <a:rPr lang="fr-FR" sz="1600" b="1" dirty="0">
+                <a:solidFill>
+                  <a:schemeClr val="accent6">
+                    <a:lumMod val="75000"/>
+                  </a:schemeClr>
+                </a:solidFill>
+              </a:rPr>
+              <a:t>) GPU</a:t>
+            </a:r>
+          </a:p>
+        </p:txBody>
+      </p:sp>
+      <p:sp>
+        <p:nvSpPr>
+          <p:cNvPr id="37" name="Rectangle 36">
+            <a:extLst>
+              <a:ext uri="{FF2B5EF4-FFF2-40B4-BE49-F238E27FC236}">
+                <a16:creationId xmlns:a16="http://schemas.microsoft.com/office/drawing/2014/main" id="{5692D99D-4DC3-4AA1-8BA8-2A31C84D8076}"/>
+              </a:ext>
+            </a:extLst>
+          </p:cNvPr>
+          <p:cNvSpPr/>
+          <p:nvPr/>
+        </p:nvSpPr>
+        <p:spPr>
+          <a:xfrm>
+            <a:off x="6157224" y="1073047"/>
+            <a:ext cx="955417" cy="318810"/>
+          </a:xfrm>
+          <a:prstGeom prst="rect">
+            <a:avLst/>
+          </a:prstGeom>
+        </p:spPr>
+        <p:style>
+          <a:lnRef idx="2">
+            <a:schemeClr val="accent1">
+              <a:shade val="50000"/>
+            </a:schemeClr>
+          </a:lnRef>
+          <a:fillRef idx="1">
+            <a:schemeClr val="accent1"/>
+          </a:fillRef>
+          <a:effectRef idx="0">
+            <a:schemeClr val="accent1"/>
+          </a:effectRef>
+          <a:fontRef idx="minor">
+            <a:schemeClr val="lt1"/>
+          </a:fontRef>
+        </p:style>
+        <p:txBody>
+          <a:bodyPr rtlCol="0" anchor="ctr"/>
+          <a:lstStyle/>
+          <a:p>
+            <a:pPr algn="ctr"/>
+            <a:r>
+              <a:rPr lang="fr-FR" dirty="0" err="1"/>
+              <a:t>n_inp</a:t>
+            </a:r>
+            <a:endParaRPr lang="fr-FR" dirty="0"/>
+          </a:p>
+        </p:txBody>
+      </p:sp>
+      <p:sp>
+        <p:nvSpPr>
+          <p:cNvPr id="38" name="Rectangle 37">
+            <a:extLst>
+              <a:ext uri="{FF2B5EF4-FFF2-40B4-BE49-F238E27FC236}">
+                <a16:creationId xmlns:a16="http://schemas.microsoft.com/office/drawing/2014/main" id="{D83D9D70-B71F-486B-8D72-E46A44631BD4}"/>
+              </a:ext>
+            </a:extLst>
+          </p:cNvPr>
+          <p:cNvSpPr/>
+          <p:nvPr/>
+        </p:nvSpPr>
+        <p:spPr>
+          <a:xfrm>
+            <a:off x="5687574" y="4908724"/>
+            <a:ext cx="955417" cy="318810"/>
+          </a:xfrm>
+          <a:prstGeom prst="rect">
+            <a:avLst/>
+          </a:prstGeom>
+        </p:spPr>
+        <p:style>
+          <a:lnRef idx="2">
+            <a:schemeClr val="accent1">
+              <a:shade val="50000"/>
+            </a:schemeClr>
+          </a:lnRef>
+          <a:fillRef idx="1">
+            <a:schemeClr val="accent1"/>
+          </a:fillRef>
+          <a:effectRef idx="0">
+            <a:schemeClr val="accent1"/>
+          </a:effectRef>
+          <a:fontRef idx="minor">
+            <a:schemeClr val="lt1"/>
+          </a:fontRef>
+        </p:style>
+        <p:txBody>
+          <a:bodyPr rtlCol="0" anchor="ctr"/>
+          <a:lstStyle/>
+          <a:p>
+            <a:pPr algn="ctr"/>
+            <a:r>
+              <a:rPr lang="fr-FR" dirty="0"/>
+              <a:t>bs</a:t>
+            </a:r>
+          </a:p>
+        </p:txBody>
+      </p:sp>
     </p:spTree>
     <p:extLst>
       <p:ext uri="{BB962C8B-B14F-4D97-AF65-F5344CB8AC3E}">
         <p14:creationId xmlns:p14="http://schemas.microsoft.com/office/powerpoint/2010/main" val="108915608"/>
+      </p:ext>
+    </p:extLst>
+  </p:cSld>
+  <p:clrMapOvr>
+    <a:masterClrMapping/>
+  </p:clrMapOvr>
+</p:sld>
+</file>
+
+<file path=ppt/slides/slide4.xml><?xml version="1.0" encoding="utf-8"?>
+<p:sld xmlns:a="http://schemas.openxmlformats.org/drawingml/2006/main" xmlns:r="http://schemas.openxmlformats.org/officeDocument/2006/relationships" xmlns:p="http://schemas.openxmlformats.org/presentationml/2006/main">
+  <p:cSld>
+    <p:spTree>
+      <p:nvGrpSpPr>
+        <p:cNvPr id="1" name=""/>
+        <p:cNvGrpSpPr/>
+        <p:nvPr/>
+      </p:nvGrpSpPr>
+      <p:grpSpPr>
+        <a:xfrm>
+          <a:off x="0" y="0"/>
+          <a:ext cx="0" cy="0"/>
+          <a:chOff x="0" y="0"/>
+          <a:chExt cx="0" cy="0"/>
+        </a:xfrm>
+      </p:grpSpPr>
+      <p:sp>
+        <p:nvSpPr>
+          <p:cNvPr id="4" name="ZoneTexte 3">
+            <a:extLst>
+              <a:ext uri="{FF2B5EF4-FFF2-40B4-BE49-F238E27FC236}">
+                <a16:creationId xmlns:a16="http://schemas.microsoft.com/office/drawing/2014/main" id="{D0EEE492-217D-4BE7-9C09-96F4E94F9A91}"/>
+              </a:ext>
+            </a:extLst>
+          </p:cNvPr>
+          <p:cNvSpPr txBox="1"/>
+          <p:nvPr/>
+        </p:nvSpPr>
+        <p:spPr>
+          <a:xfrm>
+            <a:off x="1020932" y="488272"/>
+            <a:ext cx="5830250" cy="584775"/>
+          </a:xfrm>
+          <a:prstGeom prst="rect">
+            <a:avLst/>
+          </a:prstGeom>
+          <a:noFill/>
+        </p:spPr>
+        <p:txBody>
+          <a:bodyPr wrap="none" rtlCol="0">
+            <a:spAutoFit/>
+          </a:bodyPr>
+          <a:lstStyle/>
+          <a:p>
+            <a:r>
+              <a:rPr lang="fr-FR" sz="3200" b="1" dirty="0"/>
+              <a:t>Comment préparer les données ?</a:t>
+            </a:r>
+          </a:p>
+        </p:txBody>
+      </p:sp>
+      <p:sp>
+        <p:nvSpPr>
+          <p:cNvPr id="15" name="Rectangle : coins arrondis 14">
+            <a:extLst>
+              <a:ext uri="{FF2B5EF4-FFF2-40B4-BE49-F238E27FC236}">
+                <a16:creationId xmlns:a16="http://schemas.microsoft.com/office/drawing/2014/main" id="{0E5A6317-201D-4948-AFE4-12C13ABF0553}"/>
+              </a:ext>
+            </a:extLst>
+          </p:cNvPr>
+          <p:cNvSpPr/>
+          <p:nvPr/>
+        </p:nvSpPr>
+        <p:spPr>
+          <a:xfrm rot="16200000">
+            <a:off x="-2120130" y="3532172"/>
+            <a:ext cx="5207225" cy="538123"/>
+          </a:xfrm>
+          <a:prstGeom prst="roundRect">
+            <a:avLst/>
+          </a:prstGeom>
+          <a:solidFill>
+            <a:schemeClr val="accent1"/>
+          </a:solidFill>
+        </p:spPr>
+        <p:style>
+          <a:lnRef idx="2">
+            <a:schemeClr val="accent1">
+              <a:shade val="50000"/>
+            </a:schemeClr>
+          </a:lnRef>
+          <a:fillRef idx="1">
+            <a:schemeClr val="accent1"/>
+          </a:fillRef>
+          <a:effectRef idx="0">
+            <a:schemeClr val="accent1"/>
+          </a:effectRef>
+          <a:fontRef idx="minor">
+            <a:schemeClr val="lt1"/>
+          </a:fontRef>
+        </p:style>
+        <p:txBody>
+          <a:bodyPr rtlCol="0" anchor="ctr"/>
+          <a:lstStyle/>
+          <a:p>
+            <a:pPr algn="ctr"/>
+            <a:r>
+              <a:rPr lang="fr-FR" sz="3600" dirty="0" err="1"/>
+              <a:t>data.transforms</a:t>
+            </a:r>
+            <a:endParaRPr lang="fr-FR" sz="3600" dirty="0"/>
+          </a:p>
+        </p:txBody>
+      </p:sp>
+      <p:sp>
+        <p:nvSpPr>
+          <p:cNvPr id="3" name="Flèche : pentagone 2">
+            <a:extLst>
+              <a:ext uri="{FF2B5EF4-FFF2-40B4-BE49-F238E27FC236}">
+                <a16:creationId xmlns:a16="http://schemas.microsoft.com/office/drawing/2014/main" id="{5BFA9EE3-763C-4DAC-A5F7-D7B6BDF020C6}"/>
+              </a:ext>
+            </a:extLst>
+          </p:cNvPr>
+          <p:cNvSpPr/>
+          <p:nvPr/>
+        </p:nvSpPr>
+        <p:spPr>
+          <a:xfrm>
+            <a:off x="2056292" y="1262390"/>
+            <a:ext cx="1493240" cy="1264641"/>
+          </a:xfrm>
+          <a:prstGeom prst="homePlate">
+            <a:avLst/>
+          </a:prstGeom>
+        </p:spPr>
+        <p:style>
+          <a:lnRef idx="2">
+            <a:schemeClr val="accent1">
+              <a:shade val="50000"/>
+            </a:schemeClr>
+          </a:lnRef>
+          <a:fillRef idx="1">
+            <a:schemeClr val="accent1"/>
+          </a:fillRef>
+          <a:effectRef idx="0">
+            <a:schemeClr val="accent1"/>
+          </a:effectRef>
+          <a:fontRef idx="minor">
+            <a:schemeClr val="lt1"/>
+          </a:fontRef>
+        </p:style>
+        <p:txBody>
+          <a:bodyPr rtlCol="0" anchor="ctr"/>
+          <a:lstStyle/>
+          <a:p>
+            <a:pPr algn="ctr"/>
+            <a:r>
+              <a:rPr lang="fr-FR" dirty="0" err="1"/>
+              <a:t>get_items</a:t>
+            </a:r>
+            <a:endParaRPr lang="fr-FR" dirty="0"/>
+          </a:p>
+        </p:txBody>
+      </p:sp>
+      <p:sp>
+        <p:nvSpPr>
+          <p:cNvPr id="10" name="Flèche : pentagone 9">
+            <a:extLst>
+              <a:ext uri="{FF2B5EF4-FFF2-40B4-BE49-F238E27FC236}">
+                <a16:creationId xmlns:a16="http://schemas.microsoft.com/office/drawing/2014/main" id="{33AC128E-0E6C-43B9-A8EA-73B9BC3033BA}"/>
+              </a:ext>
+            </a:extLst>
+          </p:cNvPr>
+          <p:cNvSpPr/>
+          <p:nvPr/>
+        </p:nvSpPr>
+        <p:spPr>
+          <a:xfrm>
+            <a:off x="5757908" y="1224620"/>
+            <a:ext cx="1493240" cy="584776"/>
+          </a:xfrm>
+          <a:prstGeom prst="homePlate">
+            <a:avLst/>
+          </a:prstGeom>
+        </p:spPr>
+        <p:style>
+          <a:lnRef idx="2">
+            <a:schemeClr val="accent1">
+              <a:shade val="50000"/>
+            </a:schemeClr>
+          </a:lnRef>
+          <a:fillRef idx="1">
+            <a:schemeClr val="accent1"/>
+          </a:fillRef>
+          <a:effectRef idx="0">
+            <a:schemeClr val="accent1"/>
+          </a:effectRef>
+          <a:fontRef idx="minor">
+            <a:schemeClr val="lt1"/>
+          </a:fontRef>
+        </p:style>
+        <p:txBody>
+          <a:bodyPr rtlCol="0" anchor="ctr"/>
+          <a:lstStyle/>
+          <a:p>
+            <a:pPr algn="ctr"/>
+            <a:r>
+              <a:rPr lang="fr-FR" dirty="0" err="1"/>
+              <a:t>get_x</a:t>
+            </a:r>
+            <a:endParaRPr lang="fr-FR" dirty="0"/>
+          </a:p>
+        </p:txBody>
+      </p:sp>
+      <p:sp>
+        <p:nvSpPr>
+          <p:cNvPr id="6" name="Rectangle 5">
+            <a:extLst>
+              <a:ext uri="{FF2B5EF4-FFF2-40B4-BE49-F238E27FC236}">
+                <a16:creationId xmlns:a16="http://schemas.microsoft.com/office/drawing/2014/main" id="{A33231C7-5605-4DFA-9178-A586052F2549}"/>
+              </a:ext>
+            </a:extLst>
+          </p:cNvPr>
+          <p:cNvSpPr/>
+          <p:nvPr/>
+        </p:nvSpPr>
+        <p:spPr>
+          <a:xfrm>
+            <a:off x="9771348" y="470169"/>
+            <a:ext cx="1691955" cy="318810"/>
+          </a:xfrm>
+          <a:prstGeom prst="rect">
+            <a:avLst/>
+          </a:prstGeom>
+        </p:spPr>
+        <p:style>
+          <a:lnRef idx="2">
+            <a:schemeClr val="accent1">
+              <a:shade val="50000"/>
+            </a:schemeClr>
+          </a:lnRef>
+          <a:fillRef idx="1">
+            <a:schemeClr val="accent1"/>
+          </a:fillRef>
+          <a:effectRef idx="0">
+            <a:schemeClr val="accent1"/>
+          </a:effectRef>
+          <a:fontRef idx="minor">
+            <a:schemeClr val="lt1"/>
+          </a:fontRef>
+        </p:style>
+        <p:txBody>
+          <a:bodyPr rtlCol="0" anchor="ctr"/>
+          <a:lstStyle/>
+          <a:p>
+            <a:pPr algn="ctr"/>
+            <a:r>
+              <a:rPr lang="fr-FR" dirty="0"/>
+              <a:t>blocks </a:t>
+            </a:r>
+          </a:p>
+        </p:txBody>
+      </p:sp>
+      <p:sp>
+        <p:nvSpPr>
+          <p:cNvPr id="19" name="Flèche : pentagone 18">
+            <a:extLst>
+              <a:ext uri="{FF2B5EF4-FFF2-40B4-BE49-F238E27FC236}">
+                <a16:creationId xmlns:a16="http://schemas.microsoft.com/office/drawing/2014/main" id="{673C332E-DB89-4DC4-8B63-4D5CF495F565}"/>
+              </a:ext>
+            </a:extLst>
+          </p:cNvPr>
+          <p:cNvSpPr/>
+          <p:nvPr/>
+        </p:nvSpPr>
+        <p:spPr>
+          <a:xfrm>
+            <a:off x="999388" y="3661201"/>
+            <a:ext cx="1493240" cy="1264641"/>
+          </a:xfrm>
+          <a:prstGeom prst="homePlate">
+            <a:avLst/>
+          </a:prstGeom>
+        </p:spPr>
+        <p:style>
+          <a:lnRef idx="2">
+            <a:schemeClr val="accent1">
+              <a:shade val="50000"/>
+            </a:schemeClr>
+          </a:lnRef>
+          <a:fillRef idx="1">
+            <a:schemeClr val="accent1"/>
+          </a:fillRef>
+          <a:effectRef idx="0">
+            <a:schemeClr val="accent1"/>
+          </a:effectRef>
+          <a:fontRef idx="minor">
+            <a:schemeClr val="lt1"/>
+          </a:fontRef>
+        </p:style>
+        <p:txBody>
+          <a:bodyPr rtlCol="0" anchor="ctr"/>
+          <a:lstStyle/>
+          <a:p>
+            <a:pPr algn="ctr"/>
+            <a:r>
+              <a:rPr lang="fr-FR" sz="1600" dirty="0" err="1"/>
+              <a:t>item_tfms</a:t>
+            </a:r>
+            <a:endParaRPr lang="fr-FR" sz="1600" dirty="0"/>
+          </a:p>
+        </p:txBody>
+      </p:sp>
+      <p:sp>
+        <p:nvSpPr>
+          <p:cNvPr id="23" name="Rectangle 22">
+            <a:extLst>
+              <a:ext uri="{FF2B5EF4-FFF2-40B4-BE49-F238E27FC236}">
+                <a16:creationId xmlns:a16="http://schemas.microsoft.com/office/drawing/2014/main" id="{D78A0835-1A66-4878-8370-8AAEC4E96985}"/>
+              </a:ext>
+            </a:extLst>
+          </p:cNvPr>
+          <p:cNvSpPr/>
+          <p:nvPr/>
+        </p:nvSpPr>
+        <p:spPr>
+          <a:xfrm>
+            <a:off x="3081252" y="5398567"/>
+            <a:ext cx="2419998" cy="318810"/>
+          </a:xfrm>
+          <a:prstGeom prst="rect">
+            <a:avLst/>
+          </a:prstGeom>
+        </p:spPr>
+        <p:style>
+          <a:lnRef idx="2">
+            <a:schemeClr val="accent1">
+              <a:shade val="50000"/>
+            </a:schemeClr>
+          </a:lnRef>
+          <a:fillRef idx="1">
+            <a:schemeClr val="accent1"/>
+          </a:fillRef>
+          <a:effectRef idx="0">
+            <a:schemeClr val="accent1"/>
+          </a:effectRef>
+          <a:fontRef idx="minor">
+            <a:schemeClr val="lt1"/>
+          </a:fontRef>
+        </p:style>
+        <p:txBody>
+          <a:bodyPr rtlCol="0" anchor="ctr"/>
+          <a:lstStyle/>
+          <a:p>
+            <a:pPr algn="ctr"/>
+            <a:r>
+              <a:rPr lang="fr-FR" dirty="0"/>
+              <a:t>split</a:t>
+            </a:r>
+          </a:p>
+        </p:txBody>
+      </p:sp>
+      <p:sp>
+        <p:nvSpPr>
+          <p:cNvPr id="29" name="Flèche : pentagone 28">
+            <a:extLst>
+              <a:ext uri="{FF2B5EF4-FFF2-40B4-BE49-F238E27FC236}">
+                <a16:creationId xmlns:a16="http://schemas.microsoft.com/office/drawing/2014/main" id="{94BEFF6D-9866-474B-8BCE-25FB6FE0F18D}"/>
+              </a:ext>
+            </a:extLst>
+          </p:cNvPr>
+          <p:cNvSpPr/>
+          <p:nvPr/>
+        </p:nvSpPr>
+        <p:spPr>
+          <a:xfrm>
+            <a:off x="5179561" y="3661200"/>
+            <a:ext cx="1493240" cy="1264641"/>
+          </a:xfrm>
+          <a:prstGeom prst="homePlate">
+            <a:avLst/>
+          </a:prstGeom>
+        </p:spPr>
+        <p:style>
+          <a:lnRef idx="2">
+            <a:schemeClr val="accent1">
+              <a:shade val="50000"/>
+            </a:schemeClr>
+          </a:lnRef>
+          <a:fillRef idx="1">
+            <a:schemeClr val="accent1"/>
+          </a:fillRef>
+          <a:effectRef idx="0">
+            <a:schemeClr val="accent1"/>
+          </a:effectRef>
+          <a:fontRef idx="minor">
+            <a:schemeClr val="lt1"/>
+          </a:fontRef>
+        </p:style>
+        <p:txBody>
+          <a:bodyPr rtlCol="0" anchor="ctr"/>
+          <a:lstStyle/>
+          <a:p>
+            <a:pPr algn="ctr"/>
+            <a:r>
+              <a:rPr lang="fr-FR" sz="1600" dirty="0" err="1"/>
+              <a:t>batch_tfms</a:t>
+            </a:r>
+            <a:endParaRPr lang="fr-FR" sz="1600" dirty="0"/>
+          </a:p>
+        </p:txBody>
+      </p:sp>
+      <p:sp>
+        <p:nvSpPr>
+          <p:cNvPr id="38" name="Rectangle 37">
+            <a:extLst>
+              <a:ext uri="{FF2B5EF4-FFF2-40B4-BE49-F238E27FC236}">
+                <a16:creationId xmlns:a16="http://schemas.microsoft.com/office/drawing/2014/main" id="{2D46A476-E596-462F-A176-6533262440E3}"/>
+              </a:ext>
+            </a:extLst>
+          </p:cNvPr>
+          <p:cNvSpPr/>
+          <p:nvPr/>
+        </p:nvSpPr>
+        <p:spPr>
+          <a:xfrm>
+            <a:off x="3727998" y="1230789"/>
+            <a:ext cx="1773252" cy="584775"/>
+          </a:xfrm>
+          <a:prstGeom prst="rect">
+            <a:avLst/>
+          </a:prstGeom>
+        </p:spPr>
+        <p:style>
+          <a:lnRef idx="1">
+            <a:schemeClr val="accent5"/>
+          </a:lnRef>
+          <a:fillRef idx="2">
+            <a:schemeClr val="accent5"/>
+          </a:fillRef>
+          <a:effectRef idx="1">
+            <a:schemeClr val="accent5"/>
+          </a:effectRef>
+          <a:fontRef idx="minor">
+            <a:schemeClr val="dk1"/>
+          </a:fontRef>
+        </p:style>
+        <p:txBody>
+          <a:bodyPr rtlCol="0" anchor="ctr"/>
+          <a:lstStyle/>
+          <a:p>
+            <a:pPr algn="ctr"/>
+            <a:r>
+              <a:rPr lang="fr-FR" dirty="0" err="1"/>
+              <a:t>get_image_files</a:t>
+            </a:r>
+            <a:endParaRPr lang="fr-FR" dirty="0"/>
+          </a:p>
+        </p:txBody>
+      </p:sp>
+      <p:sp>
+        <p:nvSpPr>
+          <p:cNvPr id="40" name="Rectangle 39">
+            <a:extLst>
+              <a:ext uri="{FF2B5EF4-FFF2-40B4-BE49-F238E27FC236}">
+                <a16:creationId xmlns:a16="http://schemas.microsoft.com/office/drawing/2014/main" id="{2F68FDA1-1F12-4C58-9EC0-67FE85EC5602}"/>
+              </a:ext>
+            </a:extLst>
+          </p:cNvPr>
+          <p:cNvSpPr/>
+          <p:nvPr/>
+        </p:nvSpPr>
+        <p:spPr>
+          <a:xfrm>
+            <a:off x="9771348" y="1008992"/>
+            <a:ext cx="1773252" cy="584775"/>
+          </a:xfrm>
+          <a:prstGeom prst="rect">
+            <a:avLst/>
+          </a:prstGeom>
+        </p:spPr>
+        <p:style>
+          <a:lnRef idx="1">
+            <a:schemeClr val="accent5"/>
+          </a:lnRef>
+          <a:fillRef idx="2">
+            <a:schemeClr val="accent5"/>
+          </a:fillRef>
+          <a:effectRef idx="1">
+            <a:schemeClr val="accent5"/>
+          </a:effectRef>
+          <a:fontRef idx="minor">
+            <a:schemeClr val="dk1"/>
+          </a:fontRef>
+        </p:style>
+        <p:txBody>
+          <a:bodyPr rtlCol="0" anchor="ctr"/>
+          <a:lstStyle/>
+          <a:p>
+            <a:pPr algn="ctr"/>
+            <a:r>
+              <a:rPr lang="fr-FR" dirty="0" err="1"/>
+              <a:t>ImageBlock</a:t>
+            </a:r>
+            <a:endParaRPr lang="fr-FR" dirty="0"/>
+          </a:p>
+        </p:txBody>
+      </p:sp>
+      <p:sp>
+        <p:nvSpPr>
+          <p:cNvPr id="41" name="Rectangle 40">
+            <a:extLst>
+              <a:ext uri="{FF2B5EF4-FFF2-40B4-BE49-F238E27FC236}">
+                <a16:creationId xmlns:a16="http://schemas.microsoft.com/office/drawing/2014/main" id="{4417B60F-C7C9-4D90-BA84-E20BEF863E8C}"/>
+              </a:ext>
+            </a:extLst>
+          </p:cNvPr>
+          <p:cNvSpPr/>
+          <p:nvPr/>
+        </p:nvSpPr>
+        <p:spPr>
+          <a:xfrm>
+            <a:off x="9771348" y="1733039"/>
+            <a:ext cx="1773252" cy="584775"/>
+          </a:xfrm>
+          <a:prstGeom prst="rect">
+            <a:avLst/>
+          </a:prstGeom>
+        </p:spPr>
+        <p:style>
+          <a:lnRef idx="1">
+            <a:schemeClr val="accent5"/>
+          </a:lnRef>
+          <a:fillRef idx="2">
+            <a:schemeClr val="accent5"/>
+          </a:fillRef>
+          <a:effectRef idx="1">
+            <a:schemeClr val="accent5"/>
+          </a:effectRef>
+          <a:fontRef idx="minor">
+            <a:schemeClr val="dk1"/>
+          </a:fontRef>
+        </p:style>
+        <p:txBody>
+          <a:bodyPr rtlCol="0" anchor="ctr"/>
+          <a:lstStyle/>
+          <a:p>
+            <a:pPr algn="ctr"/>
+            <a:r>
+              <a:rPr lang="fr-FR" dirty="0" err="1"/>
+              <a:t>CategoryBlock</a:t>
+            </a:r>
+            <a:endParaRPr lang="fr-FR" dirty="0"/>
+          </a:p>
+        </p:txBody>
+      </p:sp>
+      <p:sp>
+        <p:nvSpPr>
+          <p:cNvPr id="42" name="Rectangle 41">
+            <a:extLst>
+              <a:ext uri="{FF2B5EF4-FFF2-40B4-BE49-F238E27FC236}">
+                <a16:creationId xmlns:a16="http://schemas.microsoft.com/office/drawing/2014/main" id="{65842153-F3C2-49D7-AF2C-F80E3AD71F0C}"/>
+              </a:ext>
+            </a:extLst>
+          </p:cNvPr>
+          <p:cNvSpPr/>
+          <p:nvPr/>
+        </p:nvSpPr>
+        <p:spPr>
+          <a:xfrm>
+            <a:off x="3081252" y="5899966"/>
+            <a:ext cx="1773252" cy="339747"/>
+          </a:xfrm>
+          <a:prstGeom prst="rect">
+            <a:avLst/>
+          </a:prstGeom>
+        </p:spPr>
+        <p:style>
+          <a:lnRef idx="1">
+            <a:schemeClr val="accent5"/>
+          </a:lnRef>
+          <a:fillRef idx="2">
+            <a:schemeClr val="accent5"/>
+          </a:fillRef>
+          <a:effectRef idx="1">
+            <a:schemeClr val="accent5"/>
+          </a:effectRef>
+          <a:fontRef idx="minor">
+            <a:schemeClr val="dk1"/>
+          </a:fontRef>
+        </p:style>
+        <p:txBody>
+          <a:bodyPr rtlCol="0" anchor="ctr"/>
+          <a:lstStyle/>
+          <a:p>
+            <a:pPr algn="ctr"/>
+            <a:r>
+              <a:rPr lang="fr-FR" dirty="0" err="1"/>
+              <a:t>RandomSplitter</a:t>
+            </a:r>
+            <a:endParaRPr lang="fr-FR" dirty="0"/>
+          </a:p>
+        </p:txBody>
+      </p:sp>
+      <p:sp>
+        <p:nvSpPr>
+          <p:cNvPr id="43" name="Rectangle 42">
+            <a:extLst>
+              <a:ext uri="{FF2B5EF4-FFF2-40B4-BE49-F238E27FC236}">
+                <a16:creationId xmlns:a16="http://schemas.microsoft.com/office/drawing/2014/main" id="{A086364D-C138-4A60-B555-C1B4BFCD1908}"/>
+              </a:ext>
+            </a:extLst>
+          </p:cNvPr>
+          <p:cNvSpPr/>
+          <p:nvPr/>
+        </p:nvSpPr>
+        <p:spPr>
+          <a:xfrm>
+            <a:off x="2671094" y="3652195"/>
+            <a:ext cx="1773252" cy="584775"/>
+          </a:xfrm>
+          <a:prstGeom prst="rect">
+            <a:avLst/>
+          </a:prstGeom>
+        </p:spPr>
+        <p:style>
+          <a:lnRef idx="1">
+            <a:schemeClr val="accent5"/>
+          </a:lnRef>
+          <a:fillRef idx="2">
+            <a:schemeClr val="accent5"/>
+          </a:fillRef>
+          <a:effectRef idx="1">
+            <a:schemeClr val="accent5"/>
+          </a:effectRef>
+          <a:fontRef idx="minor">
+            <a:schemeClr val="dk1"/>
+          </a:fontRef>
+        </p:style>
+        <p:txBody>
+          <a:bodyPr rtlCol="0" anchor="ctr"/>
+          <a:lstStyle/>
+          <a:p>
+            <a:pPr algn="ctr"/>
+            <a:r>
+              <a:rPr lang="fr-FR" dirty="0" err="1"/>
+              <a:t>Resize</a:t>
+            </a:r>
+            <a:endParaRPr lang="fr-FR" dirty="0"/>
+          </a:p>
+        </p:txBody>
+      </p:sp>
+      <p:sp>
+        <p:nvSpPr>
+          <p:cNvPr id="44" name="Rectangle 43">
+            <a:extLst>
+              <a:ext uri="{FF2B5EF4-FFF2-40B4-BE49-F238E27FC236}">
+                <a16:creationId xmlns:a16="http://schemas.microsoft.com/office/drawing/2014/main" id="{83758C72-248A-48D6-B1E7-2FEFF59E87D5}"/>
+              </a:ext>
+            </a:extLst>
+          </p:cNvPr>
+          <p:cNvSpPr/>
+          <p:nvPr/>
+        </p:nvSpPr>
+        <p:spPr>
+          <a:xfrm>
+            <a:off x="4929294" y="5899965"/>
+            <a:ext cx="1773252" cy="339747"/>
+          </a:xfrm>
+          <a:prstGeom prst="rect">
+            <a:avLst/>
+          </a:prstGeom>
+        </p:spPr>
+        <p:style>
+          <a:lnRef idx="1">
+            <a:schemeClr val="accent5"/>
+          </a:lnRef>
+          <a:fillRef idx="2">
+            <a:schemeClr val="accent5"/>
+          </a:fillRef>
+          <a:effectRef idx="1">
+            <a:schemeClr val="accent5"/>
+          </a:effectRef>
+          <a:fontRef idx="minor">
+            <a:schemeClr val="dk1"/>
+          </a:fontRef>
+        </p:style>
+        <p:txBody>
+          <a:bodyPr rtlCol="0" anchor="ctr"/>
+          <a:lstStyle/>
+          <a:p>
+            <a:pPr algn="ctr"/>
+            <a:r>
+              <a:rPr lang="fr-FR" sz="1400" dirty="0" err="1"/>
+              <a:t>Grandparent</a:t>
+            </a:r>
+            <a:br>
+              <a:rPr lang="fr-FR" sz="1400" dirty="0"/>
+            </a:br>
+            <a:r>
+              <a:rPr lang="fr-FR" sz="1400" dirty="0"/>
+              <a:t>Splitter</a:t>
+            </a:r>
+          </a:p>
+        </p:txBody>
+      </p:sp>
+      <p:sp>
+        <p:nvSpPr>
+          <p:cNvPr id="45" name="Rectangle 44">
+            <a:extLst>
+              <a:ext uri="{FF2B5EF4-FFF2-40B4-BE49-F238E27FC236}">
+                <a16:creationId xmlns:a16="http://schemas.microsoft.com/office/drawing/2014/main" id="{F7C916B4-B292-453D-91D1-8AAF691152F1}"/>
+              </a:ext>
+            </a:extLst>
+          </p:cNvPr>
+          <p:cNvSpPr/>
+          <p:nvPr/>
+        </p:nvSpPr>
+        <p:spPr>
+          <a:xfrm>
+            <a:off x="7461348" y="1195340"/>
+            <a:ext cx="1773252" cy="584775"/>
+          </a:xfrm>
+          <a:prstGeom prst="rect">
+            <a:avLst/>
+          </a:prstGeom>
+        </p:spPr>
+        <p:style>
+          <a:lnRef idx="1">
+            <a:schemeClr val="accent5"/>
+          </a:lnRef>
+          <a:fillRef idx="2">
+            <a:schemeClr val="accent5"/>
+          </a:fillRef>
+          <a:effectRef idx="1">
+            <a:schemeClr val="accent5"/>
+          </a:effectRef>
+          <a:fontRef idx="minor">
+            <a:schemeClr val="dk1"/>
+          </a:fontRef>
+        </p:style>
+        <p:txBody>
+          <a:bodyPr rtlCol="0" anchor="ctr"/>
+          <a:lstStyle/>
+          <a:p>
+            <a:pPr algn="ctr"/>
+            <a:r>
+              <a:rPr lang="fr-FR" dirty="0" err="1"/>
+              <a:t>parent_label</a:t>
+            </a:r>
+            <a:endParaRPr lang="fr-FR" dirty="0"/>
+          </a:p>
+        </p:txBody>
+      </p:sp>
+      <p:sp>
+        <p:nvSpPr>
+          <p:cNvPr id="46" name="Rectangle 45">
+            <a:extLst>
+              <a:ext uri="{FF2B5EF4-FFF2-40B4-BE49-F238E27FC236}">
+                <a16:creationId xmlns:a16="http://schemas.microsoft.com/office/drawing/2014/main" id="{6CD58BBA-74FB-439C-BF66-E95D9D28CC8E}"/>
+              </a:ext>
+            </a:extLst>
+          </p:cNvPr>
+          <p:cNvSpPr/>
+          <p:nvPr/>
+        </p:nvSpPr>
+        <p:spPr>
+          <a:xfrm>
+            <a:off x="7486816" y="1887153"/>
+            <a:ext cx="1773252" cy="584775"/>
+          </a:xfrm>
+          <a:prstGeom prst="rect">
+            <a:avLst/>
+          </a:prstGeom>
+        </p:spPr>
+        <p:style>
+          <a:lnRef idx="1">
+            <a:schemeClr val="accent5"/>
+          </a:lnRef>
+          <a:fillRef idx="2">
+            <a:schemeClr val="accent5"/>
+          </a:fillRef>
+          <a:effectRef idx="1">
+            <a:schemeClr val="accent5"/>
+          </a:effectRef>
+          <a:fontRef idx="minor">
+            <a:schemeClr val="dk1"/>
+          </a:fontRef>
+        </p:style>
+        <p:txBody>
+          <a:bodyPr rtlCol="0" anchor="ctr"/>
+          <a:lstStyle/>
+          <a:p>
+            <a:pPr algn="ctr"/>
+            <a:r>
+              <a:rPr lang="fr-FR" dirty="0" err="1"/>
+              <a:t>using_attr</a:t>
+            </a:r>
+            <a:r>
+              <a:rPr lang="fr-FR" dirty="0"/>
+              <a:t>()</a:t>
+            </a:r>
+          </a:p>
+        </p:txBody>
+      </p:sp>
+      <p:sp>
+        <p:nvSpPr>
+          <p:cNvPr id="47" name="Rectangle 46">
+            <a:extLst>
+              <a:ext uri="{FF2B5EF4-FFF2-40B4-BE49-F238E27FC236}">
+                <a16:creationId xmlns:a16="http://schemas.microsoft.com/office/drawing/2014/main" id="{60B80D33-9CBC-4FB4-A05C-FBBFDAA8D987}"/>
+              </a:ext>
+            </a:extLst>
+          </p:cNvPr>
+          <p:cNvSpPr/>
+          <p:nvPr/>
+        </p:nvSpPr>
+        <p:spPr>
+          <a:xfrm>
+            <a:off x="7497605" y="2596728"/>
+            <a:ext cx="1773252" cy="584775"/>
+          </a:xfrm>
+          <a:prstGeom prst="rect">
+            <a:avLst/>
+          </a:prstGeom>
+        </p:spPr>
+        <p:style>
+          <a:lnRef idx="1">
+            <a:schemeClr val="accent5"/>
+          </a:lnRef>
+          <a:fillRef idx="2">
+            <a:schemeClr val="accent5"/>
+          </a:fillRef>
+          <a:effectRef idx="1">
+            <a:schemeClr val="accent5"/>
+          </a:effectRef>
+          <a:fontRef idx="minor">
+            <a:schemeClr val="dk1"/>
+          </a:fontRef>
+        </p:style>
+        <p:txBody>
+          <a:bodyPr rtlCol="0" anchor="ctr"/>
+          <a:lstStyle/>
+          <a:p>
+            <a:pPr algn="ctr"/>
+            <a:r>
+              <a:rPr lang="fr-FR"/>
+              <a:t>RegexLabeller</a:t>
+            </a:r>
+            <a:endParaRPr lang="fr-FR" dirty="0"/>
+          </a:p>
+        </p:txBody>
+      </p:sp>
+      <p:sp>
+        <p:nvSpPr>
+          <p:cNvPr id="48" name="Rectangle 47">
+            <a:extLst>
+              <a:ext uri="{FF2B5EF4-FFF2-40B4-BE49-F238E27FC236}">
+                <a16:creationId xmlns:a16="http://schemas.microsoft.com/office/drawing/2014/main" id="{D491A784-CF44-49F0-9BAC-48C85F244D4F}"/>
+              </a:ext>
+            </a:extLst>
+          </p:cNvPr>
+          <p:cNvSpPr/>
+          <p:nvPr/>
+        </p:nvSpPr>
+        <p:spPr>
+          <a:xfrm>
+            <a:off x="6861109" y="3661200"/>
+            <a:ext cx="1951718" cy="584775"/>
+          </a:xfrm>
+          <a:prstGeom prst="rect">
+            <a:avLst/>
+          </a:prstGeom>
+        </p:spPr>
+        <p:style>
+          <a:lnRef idx="1">
+            <a:schemeClr val="accent5"/>
+          </a:lnRef>
+          <a:fillRef idx="2">
+            <a:schemeClr val="accent5"/>
+          </a:fillRef>
+          <a:effectRef idx="1">
+            <a:schemeClr val="accent5"/>
+          </a:effectRef>
+          <a:fontRef idx="minor">
+            <a:schemeClr val="dk1"/>
+          </a:fontRef>
+        </p:style>
+        <p:txBody>
+          <a:bodyPr rtlCol="0" anchor="ctr"/>
+          <a:lstStyle/>
+          <a:p>
+            <a:pPr algn="ctr"/>
+            <a:r>
+              <a:rPr lang="fr-FR" dirty="0" err="1"/>
+              <a:t>aug_transforms</a:t>
+            </a:r>
+            <a:r>
+              <a:rPr lang="fr-FR" dirty="0"/>
+              <a:t>()</a:t>
+            </a:r>
+          </a:p>
+        </p:txBody>
+      </p:sp>
+      <p:sp>
+        <p:nvSpPr>
+          <p:cNvPr id="49" name="Rectangle 48">
+            <a:extLst>
+              <a:ext uri="{FF2B5EF4-FFF2-40B4-BE49-F238E27FC236}">
+                <a16:creationId xmlns:a16="http://schemas.microsoft.com/office/drawing/2014/main" id="{03FCB79F-86E4-4A74-A115-723499C26565}"/>
+              </a:ext>
+            </a:extLst>
+          </p:cNvPr>
+          <p:cNvSpPr/>
+          <p:nvPr/>
+        </p:nvSpPr>
+        <p:spPr>
+          <a:xfrm>
+            <a:off x="923846" y="1314373"/>
+            <a:ext cx="972881" cy="462271"/>
+          </a:xfrm>
+          <a:prstGeom prst="rect">
+            <a:avLst/>
+          </a:prstGeom>
+        </p:spPr>
+        <p:style>
+          <a:lnRef idx="1">
+            <a:schemeClr val="accent5"/>
+          </a:lnRef>
+          <a:fillRef idx="2">
+            <a:schemeClr val="accent5"/>
+          </a:fillRef>
+          <a:effectRef idx="1">
+            <a:schemeClr val="accent5"/>
+          </a:effectRef>
+          <a:fontRef idx="minor">
+            <a:schemeClr val="dk1"/>
+          </a:fontRef>
+        </p:style>
+        <p:txBody>
+          <a:bodyPr rtlCol="0" anchor="ctr"/>
+          <a:lstStyle/>
+          <a:p>
+            <a:pPr algn="ctr"/>
+            <a:r>
+              <a:rPr lang="fr-FR" sz="1200" dirty="0" err="1"/>
+              <a:t>pathlib</a:t>
+            </a:r>
+            <a:endParaRPr lang="fr-FR" sz="1200" dirty="0"/>
+          </a:p>
+          <a:p>
+            <a:pPr algn="ctr"/>
+            <a:r>
+              <a:rPr lang="fr-FR" sz="1200" dirty="0"/>
+              <a:t>Path</a:t>
+            </a:r>
+          </a:p>
+        </p:txBody>
+      </p:sp>
+      <p:sp>
+        <p:nvSpPr>
+          <p:cNvPr id="50" name="Rectangle 49">
+            <a:extLst>
+              <a:ext uri="{FF2B5EF4-FFF2-40B4-BE49-F238E27FC236}">
+                <a16:creationId xmlns:a16="http://schemas.microsoft.com/office/drawing/2014/main" id="{BBFE5784-B421-4399-A3BB-F505F39C9AC4}"/>
+              </a:ext>
+            </a:extLst>
+          </p:cNvPr>
+          <p:cNvSpPr/>
+          <p:nvPr/>
+        </p:nvSpPr>
+        <p:spPr>
+          <a:xfrm>
+            <a:off x="912109" y="1946190"/>
+            <a:ext cx="972881" cy="462271"/>
+          </a:xfrm>
+          <a:prstGeom prst="rect">
+            <a:avLst/>
+          </a:prstGeom>
+        </p:spPr>
+        <p:style>
+          <a:lnRef idx="1">
+            <a:schemeClr val="accent4"/>
+          </a:lnRef>
+          <a:fillRef idx="2">
+            <a:schemeClr val="accent4"/>
+          </a:fillRef>
+          <a:effectRef idx="1">
+            <a:schemeClr val="accent4"/>
+          </a:effectRef>
+          <a:fontRef idx="minor">
+            <a:schemeClr val="dk1"/>
+          </a:fontRef>
+        </p:style>
+        <p:txBody>
+          <a:bodyPr rtlCol="0" anchor="ctr"/>
+          <a:lstStyle/>
+          <a:p>
+            <a:pPr algn="ctr"/>
+            <a:r>
+              <a:rPr lang="fr-FR" sz="1200" dirty="0"/>
+              <a:t>pandas</a:t>
+            </a:r>
+          </a:p>
+          <a:p>
+            <a:pPr algn="ctr"/>
+            <a:r>
+              <a:rPr lang="fr-FR" sz="1200" dirty="0"/>
+              <a:t>DataFrame</a:t>
+            </a:r>
+          </a:p>
+        </p:txBody>
+      </p:sp>
+      <p:sp>
+        <p:nvSpPr>
+          <p:cNvPr id="51" name="Rectangle 50">
+            <a:extLst>
+              <a:ext uri="{FF2B5EF4-FFF2-40B4-BE49-F238E27FC236}">
+                <a16:creationId xmlns:a16="http://schemas.microsoft.com/office/drawing/2014/main" id="{7AA58228-650A-4A78-B615-4FA930EEA79B}"/>
+              </a:ext>
+            </a:extLst>
+          </p:cNvPr>
+          <p:cNvSpPr/>
+          <p:nvPr/>
+        </p:nvSpPr>
+        <p:spPr>
+          <a:xfrm>
+            <a:off x="9771348" y="2414270"/>
+            <a:ext cx="1773252" cy="584775"/>
+          </a:xfrm>
+          <a:prstGeom prst="rect">
+            <a:avLst/>
+          </a:prstGeom>
+        </p:spPr>
+        <p:style>
+          <a:lnRef idx="1">
+            <a:schemeClr val="accent5"/>
+          </a:lnRef>
+          <a:fillRef idx="2">
+            <a:schemeClr val="accent5"/>
+          </a:fillRef>
+          <a:effectRef idx="1">
+            <a:schemeClr val="accent5"/>
+          </a:effectRef>
+          <a:fontRef idx="minor">
+            <a:schemeClr val="dk1"/>
+          </a:fontRef>
+        </p:style>
+        <p:txBody>
+          <a:bodyPr rtlCol="0" anchor="ctr"/>
+          <a:lstStyle/>
+          <a:p>
+            <a:pPr algn="ctr"/>
+            <a:r>
+              <a:rPr lang="fr-FR" dirty="0" err="1"/>
+              <a:t>MultiCategory</a:t>
+            </a:r>
+            <a:br>
+              <a:rPr lang="fr-FR" dirty="0"/>
+            </a:br>
+            <a:r>
+              <a:rPr lang="fr-FR" dirty="0"/>
+              <a:t>Block</a:t>
+            </a:r>
+          </a:p>
+        </p:txBody>
+      </p:sp>
+      <p:sp>
+        <p:nvSpPr>
+          <p:cNvPr id="52" name="Rectangle 51">
+            <a:extLst>
+              <a:ext uri="{FF2B5EF4-FFF2-40B4-BE49-F238E27FC236}">
+                <a16:creationId xmlns:a16="http://schemas.microsoft.com/office/drawing/2014/main" id="{2BFA0EDC-049F-421A-9199-DDEE85A973BC}"/>
+              </a:ext>
+            </a:extLst>
+          </p:cNvPr>
+          <p:cNvSpPr/>
+          <p:nvPr/>
+        </p:nvSpPr>
+        <p:spPr>
+          <a:xfrm>
+            <a:off x="1190286" y="5882511"/>
+            <a:ext cx="1773252" cy="339747"/>
+          </a:xfrm>
+          <a:prstGeom prst="rect">
+            <a:avLst/>
+          </a:prstGeom>
+        </p:spPr>
+        <p:style>
+          <a:lnRef idx="1">
+            <a:schemeClr val="accent4"/>
+          </a:lnRef>
+          <a:fillRef idx="2">
+            <a:schemeClr val="accent4"/>
+          </a:fillRef>
+          <a:effectRef idx="1">
+            <a:schemeClr val="accent4"/>
+          </a:effectRef>
+          <a:fontRef idx="minor">
+            <a:schemeClr val="dk1"/>
+          </a:fontRef>
+        </p:style>
+        <p:txBody>
+          <a:bodyPr rtlCol="0" anchor="ctr"/>
+          <a:lstStyle/>
+          <a:p>
+            <a:pPr algn="ctr"/>
+            <a:r>
+              <a:rPr lang="fr-FR" dirty="0" err="1"/>
+              <a:t>ColSplitter</a:t>
+            </a:r>
+            <a:endParaRPr lang="fr-FR" dirty="0"/>
+          </a:p>
+        </p:txBody>
+      </p:sp>
+      <p:sp>
+        <p:nvSpPr>
+          <p:cNvPr id="53" name="Flèche : pentagone 52">
+            <a:extLst>
+              <a:ext uri="{FF2B5EF4-FFF2-40B4-BE49-F238E27FC236}">
+                <a16:creationId xmlns:a16="http://schemas.microsoft.com/office/drawing/2014/main" id="{55EC5FA2-CC67-4748-8F06-71BC9F211F30}"/>
+              </a:ext>
+            </a:extLst>
+          </p:cNvPr>
+          <p:cNvSpPr/>
+          <p:nvPr/>
+        </p:nvSpPr>
+        <p:spPr>
+          <a:xfrm>
+            <a:off x="5757908" y="1916421"/>
+            <a:ext cx="1493240" cy="584776"/>
+          </a:xfrm>
+          <a:prstGeom prst="homePlate">
+            <a:avLst/>
+          </a:prstGeom>
+        </p:spPr>
+        <p:style>
+          <a:lnRef idx="2">
+            <a:schemeClr val="accent1">
+              <a:shade val="50000"/>
+            </a:schemeClr>
+          </a:lnRef>
+          <a:fillRef idx="1">
+            <a:schemeClr val="accent1"/>
+          </a:fillRef>
+          <a:effectRef idx="0">
+            <a:schemeClr val="accent1"/>
+          </a:effectRef>
+          <a:fontRef idx="minor">
+            <a:schemeClr val="lt1"/>
+          </a:fontRef>
+        </p:style>
+        <p:txBody>
+          <a:bodyPr rtlCol="0" anchor="ctr"/>
+          <a:lstStyle/>
+          <a:p>
+            <a:pPr algn="ctr"/>
+            <a:r>
+              <a:rPr lang="fr-FR" dirty="0" err="1"/>
+              <a:t>get_y</a:t>
+            </a:r>
+            <a:endParaRPr lang="fr-FR" dirty="0"/>
+          </a:p>
+        </p:txBody>
+      </p:sp>
+      <p:sp>
+        <p:nvSpPr>
+          <p:cNvPr id="54" name="Rectangle 53">
+            <a:extLst>
+              <a:ext uri="{FF2B5EF4-FFF2-40B4-BE49-F238E27FC236}">
+                <a16:creationId xmlns:a16="http://schemas.microsoft.com/office/drawing/2014/main" id="{C6A53D9E-6054-4FD1-B6E8-49E070B30F57}"/>
+              </a:ext>
+            </a:extLst>
+          </p:cNvPr>
+          <p:cNvSpPr/>
+          <p:nvPr/>
+        </p:nvSpPr>
+        <p:spPr>
+          <a:xfrm>
+            <a:off x="7444192" y="500160"/>
+            <a:ext cx="1773252" cy="584775"/>
+          </a:xfrm>
+          <a:prstGeom prst="rect">
+            <a:avLst/>
+          </a:prstGeom>
+        </p:spPr>
+        <p:style>
+          <a:lnRef idx="1">
+            <a:schemeClr val="accent4"/>
+          </a:lnRef>
+          <a:fillRef idx="2">
+            <a:schemeClr val="accent4"/>
+          </a:fillRef>
+          <a:effectRef idx="1">
+            <a:schemeClr val="accent4"/>
+          </a:effectRef>
+          <a:fontRef idx="minor">
+            <a:schemeClr val="dk1"/>
+          </a:fontRef>
+        </p:style>
+        <p:txBody>
+          <a:bodyPr rtlCol="0" anchor="ctr"/>
+          <a:lstStyle/>
+          <a:p>
+            <a:pPr algn="ctr"/>
+            <a:r>
+              <a:rPr lang="fr-FR" dirty="0" err="1"/>
+              <a:t>ColReader</a:t>
+            </a:r>
+            <a:endParaRPr lang="fr-FR" dirty="0"/>
+          </a:p>
+        </p:txBody>
+      </p:sp>
+      <p:sp>
+        <p:nvSpPr>
+          <p:cNvPr id="55" name="Rectangle 54">
+            <a:extLst>
+              <a:ext uri="{FF2B5EF4-FFF2-40B4-BE49-F238E27FC236}">
+                <a16:creationId xmlns:a16="http://schemas.microsoft.com/office/drawing/2014/main" id="{44278934-7321-420B-9116-790243EDCE5D}"/>
+              </a:ext>
+            </a:extLst>
+          </p:cNvPr>
+          <p:cNvSpPr/>
+          <p:nvPr/>
+        </p:nvSpPr>
+        <p:spPr>
+          <a:xfrm>
+            <a:off x="6811323" y="5899964"/>
+            <a:ext cx="1773252" cy="339747"/>
+          </a:xfrm>
+          <a:prstGeom prst="rect">
+            <a:avLst/>
+          </a:prstGeom>
+        </p:spPr>
+        <p:style>
+          <a:lnRef idx="1">
+            <a:schemeClr val="accent5"/>
+          </a:lnRef>
+          <a:fillRef idx="2">
+            <a:schemeClr val="accent5"/>
+          </a:fillRef>
+          <a:effectRef idx="1">
+            <a:schemeClr val="accent5"/>
+          </a:effectRef>
+          <a:fontRef idx="minor">
+            <a:schemeClr val="dk1"/>
+          </a:fontRef>
+        </p:style>
+        <p:txBody>
+          <a:bodyPr rtlCol="0" anchor="ctr"/>
+          <a:lstStyle/>
+          <a:p>
+            <a:pPr algn="ctr"/>
+            <a:r>
+              <a:rPr lang="fr-FR" dirty="0" err="1"/>
+              <a:t>IndexSplitter</a:t>
+            </a:r>
+            <a:endParaRPr lang="fr-FR" dirty="0"/>
+          </a:p>
+        </p:txBody>
+      </p:sp>
+      <p:sp>
+        <p:nvSpPr>
+          <p:cNvPr id="56" name="Rectangle 55">
+            <a:extLst>
+              <a:ext uri="{FF2B5EF4-FFF2-40B4-BE49-F238E27FC236}">
+                <a16:creationId xmlns:a16="http://schemas.microsoft.com/office/drawing/2014/main" id="{B7F364EB-9CEB-4713-9E61-0A3B22C71819}"/>
+              </a:ext>
+            </a:extLst>
+          </p:cNvPr>
+          <p:cNvSpPr/>
+          <p:nvPr/>
+        </p:nvSpPr>
+        <p:spPr>
+          <a:xfrm>
+            <a:off x="9771348" y="5187255"/>
+            <a:ext cx="1773252" cy="584775"/>
+          </a:xfrm>
+          <a:prstGeom prst="rect">
+            <a:avLst/>
+          </a:prstGeom>
+        </p:spPr>
+        <p:style>
+          <a:lnRef idx="1">
+            <a:schemeClr val="accent5"/>
+          </a:lnRef>
+          <a:fillRef idx="2">
+            <a:schemeClr val="accent5"/>
+          </a:fillRef>
+          <a:effectRef idx="1">
+            <a:schemeClr val="accent5"/>
+          </a:effectRef>
+          <a:fontRef idx="minor">
+            <a:schemeClr val="dk1"/>
+          </a:fontRef>
+        </p:style>
+        <p:txBody>
+          <a:bodyPr rtlCol="0" anchor="ctr"/>
+          <a:lstStyle/>
+          <a:p>
+            <a:pPr algn="ctr"/>
+            <a:r>
+              <a:rPr lang="fr-FR" dirty="0" err="1"/>
+              <a:t>MaskBlock</a:t>
+            </a:r>
+            <a:endParaRPr lang="fr-FR" dirty="0"/>
+          </a:p>
+        </p:txBody>
+      </p:sp>
+      <p:sp>
+        <p:nvSpPr>
+          <p:cNvPr id="57" name="Rectangle 56">
+            <a:extLst>
+              <a:ext uri="{FF2B5EF4-FFF2-40B4-BE49-F238E27FC236}">
+                <a16:creationId xmlns:a16="http://schemas.microsoft.com/office/drawing/2014/main" id="{3DC48DC3-87BF-4152-92AC-24219274B8E3}"/>
+              </a:ext>
+            </a:extLst>
+          </p:cNvPr>
+          <p:cNvSpPr/>
+          <p:nvPr/>
+        </p:nvSpPr>
+        <p:spPr>
+          <a:xfrm>
+            <a:off x="9771348" y="3101648"/>
+            <a:ext cx="1773252" cy="584775"/>
+          </a:xfrm>
+          <a:prstGeom prst="rect">
+            <a:avLst/>
+          </a:prstGeom>
+        </p:spPr>
+        <p:style>
+          <a:lnRef idx="1">
+            <a:schemeClr val="accent5"/>
+          </a:lnRef>
+          <a:fillRef idx="2">
+            <a:schemeClr val="accent5"/>
+          </a:fillRef>
+          <a:effectRef idx="1">
+            <a:schemeClr val="accent5"/>
+          </a:effectRef>
+          <a:fontRef idx="minor">
+            <a:schemeClr val="dk1"/>
+          </a:fontRef>
+        </p:style>
+        <p:txBody>
+          <a:bodyPr rtlCol="0" anchor="ctr"/>
+          <a:lstStyle/>
+          <a:p>
+            <a:pPr algn="ctr"/>
+            <a:r>
+              <a:rPr lang="fr-FR" dirty="0" err="1"/>
+              <a:t>PointBlock</a:t>
+            </a:r>
+            <a:endParaRPr lang="fr-FR" dirty="0"/>
+          </a:p>
+        </p:txBody>
+      </p:sp>
+      <p:sp>
+        <p:nvSpPr>
+          <p:cNvPr id="58" name="Rectangle 57">
+            <a:extLst>
+              <a:ext uri="{FF2B5EF4-FFF2-40B4-BE49-F238E27FC236}">
+                <a16:creationId xmlns:a16="http://schemas.microsoft.com/office/drawing/2014/main" id="{1C033620-EA12-4886-84BC-F1D129CF56CA}"/>
+              </a:ext>
+            </a:extLst>
+          </p:cNvPr>
+          <p:cNvSpPr/>
+          <p:nvPr/>
+        </p:nvSpPr>
+        <p:spPr>
+          <a:xfrm>
+            <a:off x="9771348" y="3782712"/>
+            <a:ext cx="1773252" cy="584775"/>
+          </a:xfrm>
+          <a:prstGeom prst="rect">
+            <a:avLst/>
+          </a:prstGeom>
+        </p:spPr>
+        <p:style>
+          <a:lnRef idx="1">
+            <a:schemeClr val="accent5"/>
+          </a:lnRef>
+          <a:fillRef idx="2">
+            <a:schemeClr val="accent5"/>
+          </a:fillRef>
+          <a:effectRef idx="1">
+            <a:schemeClr val="accent5"/>
+          </a:effectRef>
+          <a:fontRef idx="minor">
+            <a:schemeClr val="dk1"/>
+          </a:fontRef>
+        </p:style>
+        <p:txBody>
+          <a:bodyPr rtlCol="0" anchor="ctr"/>
+          <a:lstStyle/>
+          <a:p>
+            <a:pPr algn="ctr"/>
+            <a:r>
+              <a:rPr lang="fr-FR" dirty="0" err="1"/>
+              <a:t>BBoxBlock</a:t>
+            </a:r>
+            <a:endParaRPr lang="fr-FR" dirty="0"/>
+          </a:p>
+        </p:txBody>
+      </p:sp>
+      <p:sp>
+        <p:nvSpPr>
+          <p:cNvPr id="59" name="Rectangle 58">
+            <a:extLst>
+              <a:ext uri="{FF2B5EF4-FFF2-40B4-BE49-F238E27FC236}">
+                <a16:creationId xmlns:a16="http://schemas.microsoft.com/office/drawing/2014/main" id="{0DF7F311-3BDD-493D-B7CA-70A5CE57CD3E}"/>
+              </a:ext>
+            </a:extLst>
+          </p:cNvPr>
+          <p:cNvSpPr/>
+          <p:nvPr/>
+        </p:nvSpPr>
+        <p:spPr>
+          <a:xfrm>
+            <a:off x="9771348" y="4477968"/>
+            <a:ext cx="1773252" cy="584775"/>
+          </a:xfrm>
+          <a:prstGeom prst="rect">
+            <a:avLst/>
+          </a:prstGeom>
+        </p:spPr>
+        <p:style>
+          <a:lnRef idx="1">
+            <a:schemeClr val="accent5"/>
+          </a:lnRef>
+          <a:fillRef idx="2">
+            <a:schemeClr val="accent5"/>
+          </a:fillRef>
+          <a:effectRef idx="1">
+            <a:schemeClr val="accent5"/>
+          </a:effectRef>
+          <a:fontRef idx="minor">
+            <a:schemeClr val="dk1"/>
+          </a:fontRef>
+        </p:style>
+        <p:txBody>
+          <a:bodyPr rtlCol="0" anchor="ctr"/>
+          <a:lstStyle/>
+          <a:p>
+            <a:pPr algn="ctr"/>
+            <a:r>
+              <a:rPr lang="fr-FR" dirty="0" err="1"/>
+              <a:t>BBoxLblBlock</a:t>
+            </a:r>
+            <a:endParaRPr lang="fr-FR" dirty="0"/>
+          </a:p>
+        </p:txBody>
+      </p:sp>
+      <p:sp>
+        <p:nvSpPr>
+          <p:cNvPr id="60" name="Rectangle 59">
+            <a:extLst>
+              <a:ext uri="{FF2B5EF4-FFF2-40B4-BE49-F238E27FC236}">
+                <a16:creationId xmlns:a16="http://schemas.microsoft.com/office/drawing/2014/main" id="{8A7FC677-070E-46A9-8387-2775263EA2FE}"/>
+              </a:ext>
+            </a:extLst>
+          </p:cNvPr>
+          <p:cNvSpPr/>
+          <p:nvPr/>
+        </p:nvSpPr>
+        <p:spPr>
+          <a:xfrm>
+            <a:off x="9771348" y="5882511"/>
+            <a:ext cx="1773252" cy="584775"/>
+          </a:xfrm>
+          <a:prstGeom prst="rect">
+            <a:avLst/>
+          </a:prstGeom>
+        </p:spPr>
+        <p:style>
+          <a:lnRef idx="1">
+            <a:schemeClr val="accent5"/>
+          </a:lnRef>
+          <a:fillRef idx="2">
+            <a:schemeClr val="accent5"/>
+          </a:fillRef>
+          <a:effectRef idx="1">
+            <a:schemeClr val="accent5"/>
+          </a:effectRef>
+          <a:fontRef idx="minor">
+            <a:schemeClr val="dk1"/>
+          </a:fontRef>
+        </p:style>
+        <p:txBody>
+          <a:bodyPr rtlCol="0" anchor="ctr"/>
+          <a:lstStyle/>
+          <a:p>
+            <a:pPr algn="ctr"/>
+            <a:r>
+              <a:rPr lang="fr-FR" dirty="0" err="1"/>
+              <a:t>TextBlock</a:t>
+            </a:r>
+            <a:endParaRPr lang="fr-FR" dirty="0"/>
+          </a:p>
+        </p:txBody>
+      </p:sp>
+      <p:sp>
+        <p:nvSpPr>
+          <p:cNvPr id="61" name="Rectangle 60">
+            <a:extLst>
+              <a:ext uri="{FF2B5EF4-FFF2-40B4-BE49-F238E27FC236}">
+                <a16:creationId xmlns:a16="http://schemas.microsoft.com/office/drawing/2014/main" id="{528A4300-6D6E-4B9E-9556-F7CEE223A7E7}"/>
+              </a:ext>
+            </a:extLst>
+          </p:cNvPr>
+          <p:cNvSpPr/>
+          <p:nvPr/>
+        </p:nvSpPr>
+        <p:spPr>
+          <a:xfrm>
+            <a:off x="3720834" y="1931232"/>
+            <a:ext cx="1773252" cy="584775"/>
+          </a:xfrm>
+          <a:prstGeom prst="rect">
+            <a:avLst/>
+          </a:prstGeom>
+        </p:spPr>
+        <p:style>
+          <a:lnRef idx="1">
+            <a:schemeClr val="accent5"/>
+          </a:lnRef>
+          <a:fillRef idx="2">
+            <a:schemeClr val="accent5"/>
+          </a:fillRef>
+          <a:effectRef idx="1">
+            <a:schemeClr val="accent5"/>
+          </a:effectRef>
+          <a:fontRef idx="minor">
+            <a:schemeClr val="dk1"/>
+          </a:fontRef>
+        </p:style>
+        <p:txBody>
+          <a:bodyPr rtlCol="0" anchor="ctr"/>
+          <a:lstStyle/>
+          <a:p>
+            <a:pPr algn="ctr"/>
+            <a:r>
+              <a:rPr lang="fr-FR" dirty="0" err="1"/>
+              <a:t>get_text_files</a:t>
+            </a:r>
+            <a:endParaRPr lang="fr-FR" dirty="0"/>
+          </a:p>
+        </p:txBody>
+      </p:sp>
+      <p:sp>
+        <p:nvSpPr>
+          <p:cNvPr id="31" name="Rectangle 30">
+            <a:extLst>
+              <a:ext uri="{FF2B5EF4-FFF2-40B4-BE49-F238E27FC236}">
+                <a16:creationId xmlns:a16="http://schemas.microsoft.com/office/drawing/2014/main" id="{37E40D29-6A95-40CE-904F-8056F8C26637}"/>
+              </a:ext>
+            </a:extLst>
+          </p:cNvPr>
+          <p:cNvSpPr/>
+          <p:nvPr/>
+        </p:nvSpPr>
+        <p:spPr>
+          <a:xfrm>
+            <a:off x="214420" y="83526"/>
+            <a:ext cx="3415872" cy="369332"/>
+          </a:xfrm>
+          <a:prstGeom prst="rect">
+            <a:avLst/>
+          </a:prstGeom>
+        </p:spPr>
+        <p:txBody>
+          <a:bodyPr wrap="none">
+            <a:spAutoFit/>
+          </a:bodyPr>
+          <a:lstStyle/>
+          <a:p>
+            <a:r>
+              <a:rPr lang="fr-FR">
+                <a:hlinkClick r:id="rId2"/>
+              </a:rPr>
+              <a:t>https://dev.fast.ai/data.transforms</a:t>
+            </a:r>
+            <a:endParaRPr lang="fr-FR" dirty="0"/>
+          </a:p>
+        </p:txBody>
+      </p:sp>
+      <p:sp>
+        <p:nvSpPr>
+          <p:cNvPr id="32" name="Rectangle 31">
+            <a:extLst>
+              <a:ext uri="{FF2B5EF4-FFF2-40B4-BE49-F238E27FC236}">
+                <a16:creationId xmlns:a16="http://schemas.microsoft.com/office/drawing/2014/main" id="{F80A127E-4E8E-4DD2-8E75-24DBA64F4FD7}"/>
+              </a:ext>
+            </a:extLst>
+          </p:cNvPr>
+          <p:cNvSpPr/>
+          <p:nvPr/>
+        </p:nvSpPr>
+        <p:spPr>
+          <a:xfrm>
+            <a:off x="6857870" y="4351064"/>
+            <a:ext cx="1954957" cy="954107"/>
+          </a:xfrm>
+          <a:prstGeom prst="rect">
+            <a:avLst/>
+          </a:prstGeom>
+        </p:spPr>
+        <p:txBody>
+          <a:bodyPr wrap="square">
+            <a:spAutoFit/>
+          </a:bodyPr>
+          <a:lstStyle/>
+          <a:p>
+            <a:r>
+              <a:rPr lang="en-US" sz="1400" dirty="0"/>
+              <a:t>Utility </a:t>
+            </a:r>
+            <a:r>
+              <a:rPr lang="en-US" sz="1400" dirty="0" err="1"/>
+              <a:t>func</a:t>
+            </a:r>
+            <a:r>
+              <a:rPr lang="en-US" sz="1400" dirty="0"/>
+              <a:t> to easily create a list of flip, rotate, zoom, warp, lighting transforms.</a:t>
+            </a:r>
+            <a:endParaRPr lang="fr-FR" sz="1400" dirty="0"/>
+          </a:p>
+        </p:txBody>
+      </p:sp>
+      <p:sp>
+        <p:nvSpPr>
+          <p:cNvPr id="39" name="Rectangle 38">
+            <a:extLst>
+              <a:ext uri="{FF2B5EF4-FFF2-40B4-BE49-F238E27FC236}">
+                <a16:creationId xmlns:a16="http://schemas.microsoft.com/office/drawing/2014/main" id="{03348313-C222-412E-8D4E-D640DB8F373E}"/>
+              </a:ext>
+            </a:extLst>
+          </p:cNvPr>
+          <p:cNvSpPr/>
+          <p:nvPr/>
+        </p:nvSpPr>
+        <p:spPr>
+          <a:xfrm>
+            <a:off x="3081252" y="6404846"/>
+            <a:ext cx="1773252" cy="340711"/>
+          </a:xfrm>
+          <a:prstGeom prst="rect">
+            <a:avLst/>
+          </a:prstGeom>
+        </p:spPr>
+        <p:style>
+          <a:lnRef idx="1">
+            <a:schemeClr val="accent5"/>
+          </a:lnRef>
+          <a:fillRef idx="2">
+            <a:schemeClr val="accent5"/>
+          </a:fillRef>
+          <a:effectRef idx="1">
+            <a:schemeClr val="accent5"/>
+          </a:effectRef>
+          <a:fontRef idx="minor">
+            <a:schemeClr val="dk1"/>
+          </a:fontRef>
+        </p:style>
+        <p:txBody>
+          <a:bodyPr rtlCol="0" anchor="ctr"/>
+          <a:lstStyle/>
+          <a:p>
+            <a:pPr algn="ctr"/>
+            <a:r>
+              <a:rPr lang="fr-FR" dirty="0" err="1"/>
+              <a:t>TrainTestSplitter</a:t>
+            </a:r>
+            <a:endParaRPr lang="fr-FR" dirty="0"/>
+          </a:p>
+        </p:txBody>
+      </p:sp>
+      <p:sp>
+        <p:nvSpPr>
+          <p:cNvPr id="62" name="Rectangle 61">
+            <a:extLst>
+              <a:ext uri="{FF2B5EF4-FFF2-40B4-BE49-F238E27FC236}">
+                <a16:creationId xmlns:a16="http://schemas.microsoft.com/office/drawing/2014/main" id="{6CAD8E3D-FF8E-4365-98FD-9669EE2E3AE9}"/>
+              </a:ext>
+            </a:extLst>
+          </p:cNvPr>
+          <p:cNvSpPr/>
+          <p:nvPr/>
+        </p:nvSpPr>
+        <p:spPr>
+          <a:xfrm>
+            <a:off x="4929294" y="6413842"/>
+            <a:ext cx="1773252" cy="321644"/>
+          </a:xfrm>
+          <a:prstGeom prst="rect">
+            <a:avLst/>
+          </a:prstGeom>
+        </p:spPr>
+        <p:style>
+          <a:lnRef idx="1">
+            <a:schemeClr val="accent5"/>
+          </a:lnRef>
+          <a:fillRef idx="2">
+            <a:schemeClr val="accent5"/>
+          </a:fillRef>
+          <a:effectRef idx="1">
+            <a:schemeClr val="accent5"/>
+          </a:effectRef>
+          <a:fontRef idx="minor">
+            <a:schemeClr val="dk1"/>
+          </a:fontRef>
+        </p:style>
+        <p:txBody>
+          <a:bodyPr rtlCol="0" anchor="ctr"/>
+          <a:lstStyle/>
+          <a:p>
+            <a:pPr algn="ctr"/>
+            <a:r>
+              <a:rPr lang="fr-FR" dirty="0" err="1"/>
+              <a:t>FuncSplitter</a:t>
+            </a:r>
+            <a:endParaRPr lang="fr-FR" dirty="0"/>
+          </a:p>
+        </p:txBody>
+      </p:sp>
+      <p:sp>
+        <p:nvSpPr>
+          <p:cNvPr id="66" name="Rectangle 65">
+            <a:extLst>
+              <a:ext uri="{FF2B5EF4-FFF2-40B4-BE49-F238E27FC236}">
+                <a16:creationId xmlns:a16="http://schemas.microsoft.com/office/drawing/2014/main" id="{9730E2AC-1198-410E-9CB8-B138B00E400E}"/>
+              </a:ext>
+            </a:extLst>
+          </p:cNvPr>
+          <p:cNvSpPr/>
+          <p:nvPr/>
+        </p:nvSpPr>
+        <p:spPr>
+          <a:xfrm>
+            <a:off x="6811323" y="6413842"/>
+            <a:ext cx="1773252" cy="321644"/>
+          </a:xfrm>
+          <a:prstGeom prst="rect">
+            <a:avLst/>
+          </a:prstGeom>
+        </p:spPr>
+        <p:style>
+          <a:lnRef idx="1">
+            <a:schemeClr val="accent5"/>
+          </a:lnRef>
+          <a:fillRef idx="2">
+            <a:schemeClr val="accent5"/>
+          </a:fillRef>
+          <a:effectRef idx="1">
+            <a:schemeClr val="accent5"/>
+          </a:effectRef>
+          <a:fontRef idx="minor">
+            <a:schemeClr val="dk1"/>
+          </a:fontRef>
+        </p:style>
+        <p:txBody>
+          <a:bodyPr rtlCol="0" anchor="ctr"/>
+          <a:lstStyle/>
+          <a:p>
+            <a:pPr algn="ctr"/>
+            <a:r>
+              <a:rPr lang="fr-FR" dirty="0" err="1"/>
+              <a:t>FuncSplitter</a:t>
+            </a:r>
+            <a:endParaRPr lang="fr-FR" dirty="0"/>
+          </a:p>
+        </p:txBody>
+      </p:sp>
+      <p:sp>
+        <p:nvSpPr>
+          <p:cNvPr id="67" name="Rectangle 66">
+            <a:extLst>
+              <a:ext uri="{FF2B5EF4-FFF2-40B4-BE49-F238E27FC236}">
+                <a16:creationId xmlns:a16="http://schemas.microsoft.com/office/drawing/2014/main" id="{3FC27D1E-57BE-4223-A5C8-CBCE2612EEFB}"/>
+              </a:ext>
+            </a:extLst>
+          </p:cNvPr>
+          <p:cNvSpPr/>
+          <p:nvPr/>
+        </p:nvSpPr>
+        <p:spPr>
+          <a:xfrm>
+            <a:off x="1190286" y="6428470"/>
+            <a:ext cx="1773252" cy="339746"/>
+          </a:xfrm>
+          <a:prstGeom prst="rect">
+            <a:avLst/>
+          </a:prstGeom>
+        </p:spPr>
+        <p:style>
+          <a:lnRef idx="1">
+            <a:schemeClr val="accent5"/>
+          </a:lnRef>
+          <a:fillRef idx="2">
+            <a:schemeClr val="accent5"/>
+          </a:fillRef>
+          <a:effectRef idx="1">
+            <a:schemeClr val="accent5"/>
+          </a:effectRef>
+          <a:fontRef idx="minor">
+            <a:schemeClr val="dk1"/>
+          </a:fontRef>
+        </p:style>
+        <p:txBody>
+          <a:bodyPr rtlCol="0" anchor="ctr"/>
+          <a:lstStyle/>
+          <a:p>
+            <a:pPr algn="ctr"/>
+            <a:r>
+              <a:rPr lang="fr-FR" dirty="0" err="1"/>
+              <a:t>FileSplitter</a:t>
+            </a:r>
+            <a:endParaRPr lang="fr-FR" dirty="0"/>
+          </a:p>
+        </p:txBody>
+      </p:sp>
+      <p:pic>
+        <p:nvPicPr>
+          <p:cNvPr id="2" name="Image 1">
+            <a:extLst>
+              <a:ext uri="{FF2B5EF4-FFF2-40B4-BE49-F238E27FC236}">
+                <a16:creationId xmlns:a16="http://schemas.microsoft.com/office/drawing/2014/main" id="{38BC05BE-1D3F-4DDE-BDD0-6E612A5554B4}"/>
+              </a:ext>
+            </a:extLst>
+          </p:cNvPr>
+          <p:cNvPicPr>
+            <a:picLocks noChangeAspect="1"/>
+          </p:cNvPicPr>
+          <p:nvPr/>
+        </p:nvPicPr>
+        <p:blipFill>
+          <a:blip r:embed="rId3"/>
+          <a:stretch>
+            <a:fillRect/>
+          </a:stretch>
+        </p:blipFill>
+        <p:spPr>
+          <a:xfrm>
+            <a:off x="2664602" y="4330759"/>
+            <a:ext cx="2339706" cy="508886"/>
+          </a:xfrm>
+          <a:prstGeom prst="rect">
+            <a:avLst/>
+          </a:prstGeom>
+        </p:spPr>
+      </p:pic>
+    </p:spTree>
+    <p:extLst>
+      <p:ext uri="{BB962C8B-B14F-4D97-AF65-F5344CB8AC3E}">
+        <p14:creationId xmlns:p14="http://schemas.microsoft.com/office/powerpoint/2010/main" val="4025076112"/>
+      </p:ext>
+    </p:extLst>
+  </p:cSld>
+  <p:clrMapOvr>
+    <a:masterClrMapping/>
+  </p:clrMapOvr>
+</p:sld>
+</file>
+
+<file path=ppt/slides/slide5.xml><?xml version="1.0" encoding="utf-8"?>
+<p:sld xmlns:a="http://schemas.openxmlformats.org/drawingml/2006/main" xmlns:r="http://schemas.openxmlformats.org/officeDocument/2006/relationships" xmlns:p="http://schemas.openxmlformats.org/presentationml/2006/main">
+  <p:cSld>
+    <p:spTree>
+      <p:nvGrpSpPr>
+        <p:cNvPr id="1" name=""/>
+        <p:cNvGrpSpPr/>
+        <p:nvPr/>
+      </p:nvGrpSpPr>
+      <p:grpSpPr>
+        <a:xfrm>
+          <a:off x="0" y="0"/>
+          <a:ext cx="0" cy="0"/>
+          <a:chOff x="0" y="0"/>
+          <a:chExt cx="0" cy="0"/>
+        </a:xfrm>
+      </p:grpSpPr>
+      <p:sp>
+        <p:nvSpPr>
+          <p:cNvPr id="4" name="ZoneTexte 3">
+            <a:extLst>
+              <a:ext uri="{FF2B5EF4-FFF2-40B4-BE49-F238E27FC236}">
+                <a16:creationId xmlns:a16="http://schemas.microsoft.com/office/drawing/2014/main" id="{D0EEE492-217D-4BE7-9C09-96F4E94F9A91}"/>
+              </a:ext>
+            </a:extLst>
+          </p:cNvPr>
+          <p:cNvSpPr txBox="1"/>
+          <p:nvPr/>
+        </p:nvSpPr>
+        <p:spPr>
+          <a:xfrm>
+            <a:off x="1020932" y="488272"/>
+            <a:ext cx="5830250" cy="584775"/>
+          </a:xfrm>
+          <a:prstGeom prst="rect">
+            <a:avLst/>
+          </a:prstGeom>
+          <a:noFill/>
+        </p:spPr>
+        <p:txBody>
+          <a:bodyPr wrap="none" rtlCol="0">
+            <a:spAutoFit/>
+          </a:bodyPr>
+          <a:lstStyle/>
+          <a:p>
+            <a:r>
+              <a:rPr lang="fr-FR" sz="3200" b="1" dirty="0"/>
+              <a:t>Comment préparer les données ?</a:t>
+            </a:r>
+          </a:p>
+        </p:txBody>
+      </p:sp>
+      <p:sp>
+        <p:nvSpPr>
+          <p:cNvPr id="15" name="Rectangle : coins arrondis 14">
+            <a:extLst>
+              <a:ext uri="{FF2B5EF4-FFF2-40B4-BE49-F238E27FC236}">
+                <a16:creationId xmlns:a16="http://schemas.microsoft.com/office/drawing/2014/main" id="{0E5A6317-201D-4948-AFE4-12C13ABF0553}"/>
+              </a:ext>
+            </a:extLst>
+          </p:cNvPr>
+          <p:cNvSpPr/>
+          <p:nvPr/>
+        </p:nvSpPr>
+        <p:spPr>
+          <a:xfrm rot="16200000">
+            <a:off x="-2120130" y="3532172"/>
+            <a:ext cx="5207225" cy="538123"/>
+          </a:xfrm>
+          <a:prstGeom prst="roundRect">
+            <a:avLst/>
+          </a:prstGeom>
+          <a:solidFill>
+            <a:schemeClr val="accent1"/>
+          </a:solidFill>
+        </p:spPr>
+        <p:style>
+          <a:lnRef idx="2">
+            <a:schemeClr val="accent1">
+              <a:shade val="50000"/>
+            </a:schemeClr>
+          </a:lnRef>
+          <a:fillRef idx="1">
+            <a:schemeClr val="accent1"/>
+          </a:fillRef>
+          <a:effectRef idx="0">
+            <a:schemeClr val="accent1"/>
+          </a:effectRef>
+          <a:fontRef idx="minor">
+            <a:schemeClr val="lt1"/>
+          </a:fontRef>
+        </p:style>
+        <p:txBody>
+          <a:bodyPr rtlCol="0" anchor="ctr"/>
+          <a:lstStyle/>
+          <a:p>
+            <a:pPr algn="ctr"/>
+            <a:r>
+              <a:rPr lang="fr-FR" sz="3600" dirty="0" err="1"/>
+              <a:t>application.data</a:t>
+            </a:r>
+            <a:endParaRPr lang="fr-FR" sz="3600" dirty="0"/>
+          </a:p>
+        </p:txBody>
+      </p:sp>
+      <p:pic>
+        <p:nvPicPr>
+          <p:cNvPr id="63" name="Image 62">
+            <a:extLst>
+              <a:ext uri="{FF2B5EF4-FFF2-40B4-BE49-F238E27FC236}">
+                <a16:creationId xmlns:a16="http://schemas.microsoft.com/office/drawing/2014/main" id="{0D91B8BC-ECCD-49B3-B081-00DF01CA6529}"/>
+              </a:ext>
+            </a:extLst>
+          </p:cNvPr>
+          <p:cNvPicPr>
+            <a:picLocks noChangeAspect="1"/>
+          </p:cNvPicPr>
+          <p:nvPr/>
+        </p:nvPicPr>
+        <p:blipFill>
+          <a:blip r:embed="rId2"/>
+          <a:stretch>
+            <a:fillRect/>
+          </a:stretch>
+        </p:blipFill>
+        <p:spPr>
+          <a:xfrm>
+            <a:off x="1305924" y="1994603"/>
+            <a:ext cx="2867025" cy="2114550"/>
+          </a:xfrm>
+          <a:prstGeom prst="rect">
+            <a:avLst/>
+          </a:prstGeom>
+        </p:spPr>
+      </p:pic>
+      <p:pic>
+        <p:nvPicPr>
+          <p:cNvPr id="64" name="Image 63">
+            <a:extLst>
+              <a:ext uri="{FF2B5EF4-FFF2-40B4-BE49-F238E27FC236}">
+                <a16:creationId xmlns:a16="http://schemas.microsoft.com/office/drawing/2014/main" id="{83004852-E90B-4527-9900-878262679800}"/>
+              </a:ext>
+            </a:extLst>
+          </p:cNvPr>
+          <p:cNvPicPr>
+            <a:picLocks noChangeAspect="1"/>
+          </p:cNvPicPr>
+          <p:nvPr/>
+        </p:nvPicPr>
+        <p:blipFill>
+          <a:blip r:embed="rId3"/>
+          <a:stretch>
+            <a:fillRect/>
+          </a:stretch>
+        </p:blipFill>
+        <p:spPr>
+          <a:xfrm>
+            <a:off x="4621212" y="1994603"/>
+            <a:ext cx="2543175" cy="1057275"/>
+          </a:xfrm>
+          <a:prstGeom prst="rect">
+            <a:avLst/>
+          </a:prstGeom>
+        </p:spPr>
+      </p:pic>
+      <p:sp>
+        <p:nvSpPr>
+          <p:cNvPr id="65" name="Rectangle 64">
+            <a:extLst>
+              <a:ext uri="{FF2B5EF4-FFF2-40B4-BE49-F238E27FC236}">
+                <a16:creationId xmlns:a16="http://schemas.microsoft.com/office/drawing/2014/main" id="{9666CCF6-2AC0-4016-A3ED-0991A532838E}"/>
+              </a:ext>
+            </a:extLst>
+          </p:cNvPr>
+          <p:cNvSpPr/>
+          <p:nvPr/>
+        </p:nvSpPr>
+        <p:spPr>
+          <a:xfrm>
+            <a:off x="4621212" y="1349159"/>
+            <a:ext cx="2770054" cy="369332"/>
+          </a:xfrm>
+          <a:prstGeom prst="rect">
+            <a:avLst/>
+          </a:prstGeom>
+        </p:spPr>
+        <p:txBody>
+          <a:bodyPr wrap="none">
+            <a:spAutoFit/>
+          </a:bodyPr>
+          <a:lstStyle/>
+          <a:p>
+            <a:r>
+              <a:rPr lang="fr-FR" dirty="0">
+                <a:hlinkClick r:id="rId4"/>
+              </a:rPr>
+              <a:t>https://dev.fast.ai/text.data</a:t>
+            </a:r>
+            <a:endParaRPr lang="fr-FR" dirty="0"/>
+          </a:p>
+        </p:txBody>
+      </p:sp>
+      <p:sp>
+        <p:nvSpPr>
+          <p:cNvPr id="2" name="Rectangle 1">
+            <a:extLst>
+              <a:ext uri="{FF2B5EF4-FFF2-40B4-BE49-F238E27FC236}">
+                <a16:creationId xmlns:a16="http://schemas.microsoft.com/office/drawing/2014/main" id="{0D0ADEB6-644D-4E13-9EA5-61BD5027DF5E}"/>
+              </a:ext>
+            </a:extLst>
+          </p:cNvPr>
+          <p:cNvSpPr/>
+          <p:nvPr/>
+        </p:nvSpPr>
+        <p:spPr>
+          <a:xfrm>
+            <a:off x="1264418" y="1349159"/>
+            <a:ext cx="2950038" cy="369332"/>
+          </a:xfrm>
+          <a:prstGeom prst="rect">
+            <a:avLst/>
+          </a:prstGeom>
+        </p:spPr>
+        <p:txBody>
+          <a:bodyPr wrap="none">
+            <a:spAutoFit/>
+          </a:bodyPr>
+          <a:lstStyle/>
+          <a:p>
+            <a:r>
+              <a:rPr lang="fr-FR" dirty="0">
+                <a:hlinkClick r:id="rId5"/>
+              </a:rPr>
+              <a:t>https://dev.fast.ai/vision.data</a:t>
+            </a:r>
+            <a:endParaRPr lang="fr-FR" dirty="0"/>
+          </a:p>
+        </p:txBody>
+      </p:sp>
+      <p:sp>
+        <p:nvSpPr>
+          <p:cNvPr id="5" name="Rectangle 4">
+            <a:extLst>
+              <a:ext uri="{FF2B5EF4-FFF2-40B4-BE49-F238E27FC236}">
+                <a16:creationId xmlns:a16="http://schemas.microsoft.com/office/drawing/2014/main" id="{F01EFA32-3589-4B38-B837-46720DEE66F4}"/>
+              </a:ext>
+            </a:extLst>
+          </p:cNvPr>
+          <p:cNvSpPr/>
+          <p:nvPr/>
+        </p:nvSpPr>
+        <p:spPr>
+          <a:xfrm>
+            <a:off x="1305924" y="4385265"/>
+            <a:ext cx="3372846" cy="369332"/>
+          </a:xfrm>
+          <a:prstGeom prst="rect">
+            <a:avLst/>
+          </a:prstGeom>
+        </p:spPr>
+        <p:txBody>
+          <a:bodyPr wrap="none">
+            <a:spAutoFit/>
+          </a:bodyPr>
+          <a:lstStyle/>
+          <a:p>
+            <a:r>
+              <a:rPr lang="fr-FR" dirty="0">
+                <a:hlinkClick r:id="rId6"/>
+              </a:rPr>
+              <a:t>https://dev.fast.ai/vision.augment</a:t>
+            </a:r>
+            <a:endParaRPr lang="fr-FR" dirty="0"/>
+          </a:p>
+        </p:txBody>
+      </p:sp>
+      <p:pic>
+        <p:nvPicPr>
+          <p:cNvPr id="7" name="Image 6">
+            <a:extLst>
+              <a:ext uri="{FF2B5EF4-FFF2-40B4-BE49-F238E27FC236}">
+                <a16:creationId xmlns:a16="http://schemas.microsoft.com/office/drawing/2014/main" id="{21957864-2AA3-4A87-A5D4-008D1163FFD8}"/>
+              </a:ext>
+            </a:extLst>
+          </p:cNvPr>
+          <p:cNvPicPr>
+            <a:picLocks noChangeAspect="1"/>
+          </p:cNvPicPr>
+          <p:nvPr/>
+        </p:nvPicPr>
+        <p:blipFill>
+          <a:blip r:embed="rId7"/>
+          <a:stretch>
+            <a:fillRect/>
+          </a:stretch>
+        </p:blipFill>
+        <p:spPr>
+          <a:xfrm>
+            <a:off x="1305924" y="5030709"/>
+            <a:ext cx="5943600" cy="1276350"/>
+          </a:xfrm>
+          <a:prstGeom prst="rect">
+            <a:avLst/>
+          </a:prstGeom>
+        </p:spPr>
+      </p:pic>
+      <p:sp>
+        <p:nvSpPr>
+          <p:cNvPr id="9" name="Rectangle 8">
+            <a:extLst>
+              <a:ext uri="{FF2B5EF4-FFF2-40B4-BE49-F238E27FC236}">
+                <a16:creationId xmlns:a16="http://schemas.microsoft.com/office/drawing/2014/main" id="{B1C1C278-2C19-49BD-AC46-DC20EB61EAC8}"/>
+              </a:ext>
+            </a:extLst>
+          </p:cNvPr>
+          <p:cNvSpPr/>
+          <p:nvPr/>
+        </p:nvSpPr>
+        <p:spPr>
+          <a:xfrm>
+            <a:off x="7872130" y="1349159"/>
+            <a:ext cx="3055452" cy="369332"/>
+          </a:xfrm>
+          <a:prstGeom prst="rect">
+            <a:avLst/>
+          </a:prstGeom>
+        </p:spPr>
+        <p:txBody>
+          <a:bodyPr wrap="none">
+            <a:spAutoFit/>
+          </a:bodyPr>
+          <a:lstStyle/>
+          <a:p>
+            <a:r>
+              <a:rPr lang="fr-FR" dirty="0">
+                <a:hlinkClick r:id="rId8"/>
+              </a:rPr>
+              <a:t>https://dev.fast.ai/tabular.data</a:t>
+            </a:r>
+            <a:endParaRPr lang="fr-FR" dirty="0"/>
+          </a:p>
+        </p:txBody>
+      </p:sp>
+      <p:pic>
+        <p:nvPicPr>
+          <p:cNvPr id="11" name="Image 10">
+            <a:extLst>
+              <a:ext uri="{FF2B5EF4-FFF2-40B4-BE49-F238E27FC236}">
+                <a16:creationId xmlns:a16="http://schemas.microsoft.com/office/drawing/2014/main" id="{B80E3D9D-4420-43E9-BB10-17A0DA02AE3F}"/>
+              </a:ext>
+            </a:extLst>
+          </p:cNvPr>
+          <p:cNvPicPr>
+            <a:picLocks noChangeAspect="1"/>
+          </p:cNvPicPr>
+          <p:nvPr/>
+        </p:nvPicPr>
+        <p:blipFill>
+          <a:blip r:embed="rId9"/>
+          <a:stretch>
+            <a:fillRect/>
+          </a:stretch>
+        </p:blipFill>
+        <p:spPr>
+          <a:xfrm>
+            <a:off x="7872130" y="1994603"/>
+            <a:ext cx="2533650" cy="752475"/>
+          </a:xfrm>
+          <a:prstGeom prst="rect">
+            <a:avLst/>
+          </a:prstGeom>
+        </p:spPr>
+      </p:pic>
+      <p:pic>
+        <p:nvPicPr>
+          <p:cNvPr id="13" name="Image 12">
+            <a:extLst>
+              <a:ext uri="{FF2B5EF4-FFF2-40B4-BE49-F238E27FC236}">
+                <a16:creationId xmlns:a16="http://schemas.microsoft.com/office/drawing/2014/main" id="{31E0A6F4-44AB-4623-B639-8EA19FB3C9D6}"/>
+              </a:ext>
+            </a:extLst>
+          </p:cNvPr>
+          <p:cNvPicPr>
+            <a:picLocks noChangeAspect="1"/>
+          </p:cNvPicPr>
+          <p:nvPr/>
+        </p:nvPicPr>
+        <p:blipFill>
+          <a:blip r:embed="rId10"/>
+          <a:stretch>
+            <a:fillRect/>
+          </a:stretch>
+        </p:blipFill>
+        <p:spPr>
+          <a:xfrm>
+            <a:off x="7872130" y="2932649"/>
+            <a:ext cx="4000500" cy="1447800"/>
+          </a:xfrm>
+          <a:prstGeom prst="rect">
+            <a:avLst/>
+          </a:prstGeom>
+        </p:spPr>
+      </p:pic>
+      <p:pic>
+        <p:nvPicPr>
+          <p:cNvPr id="14" name="Image 13">
+            <a:extLst>
+              <a:ext uri="{FF2B5EF4-FFF2-40B4-BE49-F238E27FC236}">
+                <a16:creationId xmlns:a16="http://schemas.microsoft.com/office/drawing/2014/main" id="{BF2E7A2B-EA73-4466-966C-C00144243BAD}"/>
+              </a:ext>
+            </a:extLst>
+          </p:cNvPr>
+          <p:cNvPicPr>
+            <a:picLocks noChangeAspect="1"/>
+          </p:cNvPicPr>
+          <p:nvPr/>
+        </p:nvPicPr>
+        <p:blipFill>
+          <a:blip r:embed="rId11"/>
+          <a:stretch>
+            <a:fillRect/>
+          </a:stretch>
+        </p:blipFill>
+        <p:spPr>
+          <a:xfrm>
+            <a:off x="4621212" y="3211183"/>
+            <a:ext cx="2904160" cy="1057275"/>
+          </a:xfrm>
+          <a:prstGeom prst="rect">
+            <a:avLst/>
+          </a:prstGeom>
+        </p:spPr>
+      </p:pic>
+    </p:spTree>
+    <p:extLst>
+      <p:ext uri="{BB962C8B-B14F-4D97-AF65-F5344CB8AC3E}">
+        <p14:creationId xmlns:p14="http://schemas.microsoft.com/office/powerpoint/2010/main" val="3175762071"/>
       </p:ext>
     </p:extLst>
   </p:cSld>
